--- a/Week 11/EDA Presentation.pptx
+++ b/Week 11/EDA Presentation.pptx
@@ -4,6 +4,9 @@
   <p:sldMasterIdLst>
     <p:sldMasterId id="2147483684" r:id="rId4"/>
   </p:sldMasterIdLst>
+  <p:notesMasterIdLst>
+    <p:notesMasterId r:id="rId26"/>
+  </p:notesMasterIdLst>
   <p:sldIdLst>
     <p:sldId id="256" r:id="rId5"/>
     <p:sldId id="267" r:id="rId6"/>
@@ -20,7 +23,12 @@
     <p:sldId id="279" r:id="rId17"/>
     <p:sldId id="280" r:id="rId18"/>
     <p:sldId id="281" r:id="rId19"/>
-    <p:sldId id="268" r:id="rId20"/>
+    <p:sldId id="282" r:id="rId20"/>
+    <p:sldId id="283" r:id="rId21"/>
+    <p:sldId id="285" r:id="rId22"/>
+    <p:sldId id="284" r:id="rId23"/>
+    <p:sldId id="286" r:id="rId24"/>
+    <p:sldId id="268" r:id="rId25"/>
   </p:sldIdLst>
   <p:sldSz cx="12192000" cy="6858000"/>
   <p:notesSz cx="6858000" cy="9144000"/>
@@ -130,8 +138,7 @@
 <file path=ppt/revisionInfo.xml><?xml version="1.0" encoding="utf-8"?>
 <p1510:revInfo xmlns:a="http://schemas.openxmlformats.org/drawingml/2006/main" xmlns:r="http://schemas.openxmlformats.org/officeDocument/2006/relationships" xmlns:p1510="http://schemas.microsoft.com/office/powerpoint/2015/10/main">
   <p1510:revLst>
-    <p1510:client id="{12BBEA3A-99CC-4923-B602-9823637B53A6}" v="1" dt="2023-01-11T19:28:18.331"/>
-    <p1510:client id="{444933B7-8EED-4CEE-B59F-59BA5E7E9E32}" v="2" dt="2023-01-11T19:21:49.392"/>
+    <p1510:client id="{12BBEA3A-99CC-4923-B602-9823637B53A6}" v="415" dt="2023-01-15T03:17:26.262"/>
   </p1510:revLst>
 </p1510:revInfo>
 </file>
@@ -140,19 +147,19 @@
 <pc:chgInfo xmlns:a="http://schemas.openxmlformats.org/drawingml/2006/main" xmlns:r="http://schemas.openxmlformats.org/officeDocument/2006/relationships" xmlns:ac="http://schemas.microsoft.com/office/drawing/2013/main/command" xmlns:pc="http://schemas.microsoft.com/office/powerpoint/2013/main/command">
   <pc:docChgLst>
     <pc:chgData name="Emily Yao" userId="fe5f762ead05ce6f" providerId="LiveId" clId="{12BBEA3A-99CC-4923-B602-9823637B53A6}"/>
-    <pc:docChg chg="modSld">
-      <pc:chgData name="Emily Yao" userId="fe5f762ead05ce6f" providerId="LiveId" clId="{12BBEA3A-99CC-4923-B602-9823637B53A6}" dt="2023-01-11T19:28:41.049" v="7" actId="207"/>
+    <pc:docChg chg="undo custSel addSld delSld modSld">
+      <pc:chgData name="Emily Yao" userId="fe5f762ead05ce6f" providerId="LiveId" clId="{12BBEA3A-99CC-4923-B602-9823637B53A6}" dt="2023-01-15T03:17:48.914" v="4729" actId="962"/>
       <pc:docMkLst>
         <pc:docMk/>
       </pc:docMkLst>
       <pc:sldChg chg="modSp mod">
-        <pc:chgData name="Emily Yao" userId="fe5f762ead05ce6f" providerId="LiveId" clId="{12BBEA3A-99CC-4923-B602-9823637B53A6}" dt="2023-01-11T19:28:41.049" v="7" actId="207"/>
+        <pc:chgData name="Emily Yao" userId="fe5f762ead05ce6f" providerId="LiveId" clId="{12BBEA3A-99CC-4923-B602-9823637B53A6}" dt="2023-01-15T02:57:46.165" v="4015" actId="20577"/>
         <pc:sldMkLst>
           <pc:docMk/>
           <pc:sldMk cId="109857222" sldId="256"/>
         </pc:sldMkLst>
         <pc:spChg chg="mod">
-          <ac:chgData name="Emily Yao" userId="fe5f762ead05ce6f" providerId="LiveId" clId="{12BBEA3A-99CC-4923-B602-9823637B53A6}" dt="2023-01-11T19:28:41.049" v="7" actId="207"/>
+          <ac:chgData name="Emily Yao" userId="fe5f762ead05ce6f" providerId="LiveId" clId="{12BBEA3A-99CC-4923-B602-9823637B53A6}" dt="2023-01-15T02:57:46.165" v="4015" actId="20577"/>
           <ac:spMkLst>
             <pc:docMk/>
             <pc:sldMk cId="109857222" sldId="256"/>
@@ -160,9 +167,3514 @@
           </ac:spMkLst>
         </pc:spChg>
       </pc:sldChg>
+      <pc:sldChg chg="addSp delSp modSp mod">
+        <pc:chgData name="Emily Yao" userId="fe5f762ead05ce6f" providerId="LiveId" clId="{12BBEA3A-99CC-4923-B602-9823637B53A6}" dt="2023-01-15T03:17:16.542" v="4720" actId="1076"/>
+        <pc:sldMkLst>
+          <pc:docMk/>
+          <pc:sldMk cId="4047255108" sldId="267"/>
+        </pc:sldMkLst>
+        <pc:spChg chg="mod">
+          <ac:chgData name="Emily Yao" userId="fe5f762ead05ce6f" providerId="LiveId" clId="{12BBEA3A-99CC-4923-B602-9823637B53A6}" dt="2023-01-15T02:55:26.090" v="4014" actId="20577"/>
+          <ac:spMkLst>
+            <pc:docMk/>
+            <pc:sldMk cId="4047255108" sldId="267"/>
+            <ac:spMk id="3" creationId="{60B3D5A6-E766-7C41-BD00-B22DA4727FBA}"/>
+          </ac:spMkLst>
+        </pc:spChg>
+        <pc:picChg chg="del">
+          <ac:chgData name="Emily Yao" userId="fe5f762ead05ce6f" providerId="LiveId" clId="{12BBEA3A-99CC-4923-B602-9823637B53A6}" dt="2023-01-15T03:17:02.473" v="4713" actId="478"/>
+          <ac:picMkLst>
+            <pc:docMk/>
+            <pc:sldMk cId="4047255108" sldId="267"/>
+            <ac:picMk id="4" creationId="{7A465064-0714-5743-882B-8875105A7023}"/>
+          </ac:picMkLst>
+        </pc:picChg>
+        <pc:picChg chg="add mod">
+          <ac:chgData name="Emily Yao" userId="fe5f762ead05ce6f" providerId="LiveId" clId="{12BBEA3A-99CC-4923-B602-9823637B53A6}" dt="2023-01-15T03:17:16.542" v="4720" actId="1076"/>
+          <ac:picMkLst>
+            <pc:docMk/>
+            <pc:sldMk cId="4047255108" sldId="267"/>
+            <ac:picMk id="5" creationId="{3942EF2B-F896-1F2C-6D85-7617C2DDC3EF}"/>
+          </ac:picMkLst>
+        </pc:picChg>
+      </pc:sldChg>
+      <pc:sldChg chg="addSp delSp modSp mod setBg addAnim setClrOvrMap">
+        <pc:chgData name="Emily Yao" userId="fe5f762ead05ce6f" providerId="LiveId" clId="{12BBEA3A-99CC-4923-B602-9823637B53A6}" dt="2023-01-15T03:17:48.914" v="4729" actId="962"/>
+        <pc:sldMkLst>
+          <pc:docMk/>
+          <pc:sldMk cId="116821060" sldId="268"/>
+        </pc:sldMkLst>
+        <pc:spChg chg="mod">
+          <ac:chgData name="Emily Yao" userId="fe5f762ead05ce6f" providerId="LiveId" clId="{12BBEA3A-99CC-4923-B602-9823637B53A6}" dt="2023-01-15T03:17:46.178" v="4725" actId="26606"/>
+          <ac:spMkLst>
+            <pc:docMk/>
+            <pc:sldMk cId="116821060" sldId="268"/>
+            <ac:spMk id="2" creationId="{E8B8F26E-9345-4747-9094-972E38700A17}"/>
+          </ac:spMkLst>
+        </pc:spChg>
+        <pc:spChg chg="mod">
+          <ac:chgData name="Emily Yao" userId="fe5f762ead05ce6f" providerId="LiveId" clId="{12BBEA3A-99CC-4923-B602-9823637B53A6}" dt="2023-01-15T03:17:46.178" v="4725" actId="26606"/>
+          <ac:spMkLst>
+            <pc:docMk/>
+            <pc:sldMk cId="116821060" sldId="268"/>
+            <ac:spMk id="6" creationId="{2D4BA697-580E-5544-8F2F-194AD99B859F}"/>
+          </ac:spMkLst>
+        </pc:spChg>
+        <pc:spChg chg="add">
+          <ac:chgData name="Emily Yao" userId="fe5f762ead05ce6f" providerId="LiveId" clId="{12BBEA3A-99CC-4923-B602-9823637B53A6}" dt="2023-01-15T03:17:46.178" v="4725" actId="26606"/>
+          <ac:spMkLst>
+            <pc:docMk/>
+            <pc:sldMk cId="116821060" sldId="268"/>
+            <ac:spMk id="11" creationId="{E49CC64F-7275-4E33-961B-0C5CDC439875}"/>
+          </ac:spMkLst>
+        </pc:spChg>
+        <pc:picChg chg="add mod">
+          <ac:chgData name="Emily Yao" userId="fe5f762ead05ce6f" providerId="LiveId" clId="{12BBEA3A-99CC-4923-B602-9823637B53A6}" dt="2023-01-15T03:17:48.914" v="4729" actId="962"/>
+          <ac:picMkLst>
+            <pc:docMk/>
+            <pc:sldMk cId="116821060" sldId="268"/>
+            <ac:picMk id="3" creationId="{2B960A99-6E1F-4F79-521B-9F2367FDC41D}"/>
+          </ac:picMkLst>
+        </pc:picChg>
+        <pc:picChg chg="del mod">
+          <ac:chgData name="Emily Yao" userId="fe5f762ead05ce6f" providerId="LiveId" clId="{12BBEA3A-99CC-4923-B602-9823637B53A6}" dt="2023-01-15T03:17:22.821" v="4721" actId="478"/>
+          <ac:picMkLst>
+            <pc:docMk/>
+            <pc:sldMk cId="116821060" sldId="268"/>
+            <ac:picMk id="4" creationId="{7A465064-0714-5743-882B-8875105A7023}"/>
+          </ac:picMkLst>
+        </pc:picChg>
+      </pc:sldChg>
+      <pc:sldChg chg="addSp delSp modSp">
+        <pc:chgData name="Emily Yao" userId="fe5f762ead05ce6f" providerId="LiveId" clId="{12BBEA3A-99CC-4923-B602-9823637B53A6}" dt="2023-01-15T03:00:35.667" v="4018" actId="1076"/>
+        <pc:sldMkLst>
+          <pc:docMk/>
+          <pc:sldMk cId="1127266183" sldId="276"/>
+        </pc:sldMkLst>
+        <pc:picChg chg="add mod">
+          <ac:chgData name="Emily Yao" userId="fe5f762ead05ce6f" providerId="LiveId" clId="{12BBEA3A-99CC-4923-B602-9823637B53A6}" dt="2023-01-15T03:00:35.667" v="4018" actId="1076"/>
+          <ac:picMkLst>
+            <pc:docMk/>
+            <pc:sldMk cId="1127266183" sldId="276"/>
+            <ac:picMk id="2050" creationId="{417B8347-5C97-6AB3-2C20-7E0CC8657394}"/>
+          </ac:picMkLst>
+        </pc:picChg>
+        <pc:picChg chg="del">
+          <ac:chgData name="Emily Yao" userId="fe5f762ead05ce6f" providerId="LiveId" clId="{12BBEA3A-99CC-4923-B602-9823637B53A6}" dt="2023-01-15T03:00:32.048" v="4016" actId="478"/>
+          <ac:picMkLst>
+            <pc:docMk/>
+            <pc:sldMk cId="1127266183" sldId="276"/>
+            <ac:picMk id="6146" creationId="{EA4F375B-A5ED-85DF-1EDC-9745F0D217BB}"/>
+          </ac:picMkLst>
+        </pc:picChg>
+      </pc:sldChg>
+      <pc:sldChg chg="modSp mod">
+        <pc:chgData name="Emily Yao" userId="fe5f762ead05ce6f" providerId="LiveId" clId="{12BBEA3A-99CC-4923-B602-9823637B53A6}" dt="2023-01-15T03:02:27.278" v="4074" actId="20577"/>
+        <pc:sldMkLst>
+          <pc:docMk/>
+          <pc:sldMk cId="4132797339" sldId="280"/>
+        </pc:sldMkLst>
+        <pc:spChg chg="mod">
+          <ac:chgData name="Emily Yao" userId="fe5f762ead05ce6f" providerId="LiveId" clId="{12BBEA3A-99CC-4923-B602-9823637B53A6}" dt="2023-01-15T03:02:27.278" v="4074" actId="20577"/>
+          <ac:spMkLst>
+            <pc:docMk/>
+            <pc:sldMk cId="4132797339" sldId="280"/>
+            <ac:spMk id="3" creationId="{7FEB19A9-2554-4831-4242-19D9D4183C75}"/>
+          </ac:spMkLst>
+        </pc:spChg>
+      </pc:sldChg>
+      <pc:sldChg chg="modSp new del mod">
+        <pc:chgData name="Emily Yao" userId="fe5f762ead05ce6f" providerId="LiveId" clId="{12BBEA3A-99CC-4923-B602-9823637B53A6}" dt="2023-01-14T20:37:37.797" v="84" actId="2696"/>
+        <pc:sldMkLst>
+          <pc:docMk/>
+          <pc:sldMk cId="1389528968" sldId="282"/>
+        </pc:sldMkLst>
+        <pc:spChg chg="mod">
+          <ac:chgData name="Emily Yao" userId="fe5f762ead05ce6f" providerId="LiveId" clId="{12BBEA3A-99CC-4923-B602-9823637B53A6}" dt="2023-01-14T20:36:05.711" v="26" actId="20577"/>
+          <ac:spMkLst>
+            <pc:docMk/>
+            <pc:sldMk cId="1389528968" sldId="282"/>
+            <ac:spMk id="2" creationId="{90AD07DC-ED88-BAF4-DA56-7CB9584DDE51}"/>
+          </ac:spMkLst>
+        </pc:spChg>
+        <pc:spChg chg="mod">
+          <ac:chgData name="Emily Yao" userId="fe5f762ead05ce6f" providerId="LiveId" clId="{12BBEA3A-99CC-4923-B602-9823637B53A6}" dt="2023-01-14T20:37:34.846" v="83" actId="5793"/>
+          <ac:spMkLst>
+            <pc:docMk/>
+            <pc:sldMk cId="1389528968" sldId="282"/>
+            <ac:spMk id="3" creationId="{99BD9D29-A438-8C49-20B2-0CB47112FEA8}"/>
+          </ac:spMkLst>
+        </pc:spChg>
+      </pc:sldChg>
+      <pc:sldChg chg="addSp modSp new mod setBg">
+        <pc:chgData name="Emily Yao" userId="fe5f762ead05ce6f" providerId="LiveId" clId="{12BBEA3A-99CC-4923-B602-9823637B53A6}" dt="2023-01-15T03:03:36.632" v="4076" actId="20577"/>
+        <pc:sldMkLst>
+          <pc:docMk/>
+          <pc:sldMk cId="3640026683" sldId="282"/>
+        </pc:sldMkLst>
+        <pc:spChg chg="mod">
+          <ac:chgData name="Emily Yao" userId="fe5f762ead05ce6f" providerId="LiveId" clId="{12BBEA3A-99CC-4923-B602-9823637B53A6}" dt="2023-01-14T21:08:55.649" v="1215" actId="26606"/>
+          <ac:spMkLst>
+            <pc:docMk/>
+            <pc:sldMk cId="3640026683" sldId="282"/>
+            <ac:spMk id="2" creationId="{064FA635-27CF-8A4F-FBA3-CF6B8E552C8B}"/>
+          </ac:spMkLst>
+        </pc:spChg>
+        <pc:spChg chg="mod">
+          <ac:chgData name="Emily Yao" userId="fe5f762ead05ce6f" providerId="LiveId" clId="{12BBEA3A-99CC-4923-B602-9823637B53A6}" dt="2023-01-15T03:03:36.632" v="4076" actId="20577"/>
+          <ac:spMkLst>
+            <pc:docMk/>
+            <pc:sldMk cId="3640026683" sldId="282"/>
+            <ac:spMk id="3" creationId="{B3437C12-31A2-11ED-25D1-131DE25DBAB5}"/>
+          </ac:spMkLst>
+        </pc:spChg>
+        <pc:picChg chg="add">
+          <ac:chgData name="Emily Yao" userId="fe5f762ead05ce6f" providerId="LiveId" clId="{12BBEA3A-99CC-4923-B602-9823637B53A6}" dt="2023-01-14T21:08:55.649" v="1215" actId="26606"/>
+          <ac:picMkLst>
+            <pc:docMk/>
+            <pc:sldMk cId="3640026683" sldId="282"/>
+            <ac:picMk id="5" creationId="{9D85EFA8-6A96-7EA0-BFC9-98DC4A3BFFF2}"/>
+          </ac:picMkLst>
+        </pc:picChg>
+      </pc:sldChg>
+      <pc:sldChg chg="addSp modSp new mod setBg">
+        <pc:chgData name="Emily Yao" userId="fe5f762ead05ce6f" providerId="LiveId" clId="{12BBEA3A-99CC-4923-B602-9823637B53A6}" dt="2023-01-15T03:05:05.941" v="4114" actId="20577"/>
+        <pc:sldMkLst>
+          <pc:docMk/>
+          <pc:sldMk cId="3723067953" sldId="283"/>
+        </pc:sldMkLst>
+        <pc:spChg chg="mod">
+          <ac:chgData name="Emily Yao" userId="fe5f762ead05ce6f" providerId="LiveId" clId="{12BBEA3A-99CC-4923-B602-9823637B53A6}" dt="2023-01-14T21:20:25.912" v="1937" actId="26606"/>
+          <ac:spMkLst>
+            <pc:docMk/>
+            <pc:sldMk cId="3723067953" sldId="283"/>
+            <ac:spMk id="2" creationId="{28CE69A4-2B77-3C5C-1144-34981D53A3F3}"/>
+          </ac:spMkLst>
+        </pc:spChg>
+        <pc:spChg chg="mod">
+          <ac:chgData name="Emily Yao" userId="fe5f762ead05ce6f" providerId="LiveId" clId="{12BBEA3A-99CC-4923-B602-9823637B53A6}" dt="2023-01-15T03:05:05.941" v="4114" actId="20577"/>
+          <ac:spMkLst>
+            <pc:docMk/>
+            <pc:sldMk cId="3723067953" sldId="283"/>
+            <ac:spMk id="3" creationId="{88E9A3EB-E265-72AA-C8AA-0D5CF420F26D}"/>
+          </ac:spMkLst>
+        </pc:spChg>
+        <pc:spChg chg="add">
+          <ac:chgData name="Emily Yao" userId="fe5f762ead05ce6f" providerId="LiveId" clId="{12BBEA3A-99CC-4923-B602-9823637B53A6}" dt="2023-01-14T21:20:25.912" v="1937" actId="26606"/>
+          <ac:spMkLst>
+            <pc:docMk/>
+            <pc:sldMk cId="3723067953" sldId="283"/>
+            <ac:spMk id="8" creationId="{1709F1D5-B0F1-4714-A239-E5B61C161915}"/>
+          </ac:spMkLst>
+        </pc:spChg>
+        <pc:spChg chg="add">
+          <ac:chgData name="Emily Yao" userId="fe5f762ead05ce6f" providerId="LiveId" clId="{12BBEA3A-99CC-4923-B602-9823637B53A6}" dt="2023-01-14T21:20:25.912" v="1937" actId="26606"/>
+          <ac:spMkLst>
+            <pc:docMk/>
+            <pc:sldMk cId="3723067953" sldId="283"/>
+            <ac:spMk id="10" creationId="{228FB460-D3FF-4440-A020-05982A09E517}"/>
+          </ac:spMkLst>
+        </pc:spChg>
+        <pc:spChg chg="add">
+          <ac:chgData name="Emily Yao" userId="fe5f762ead05ce6f" providerId="LiveId" clId="{12BBEA3A-99CC-4923-B602-9823637B53A6}" dt="2023-01-14T21:20:25.912" v="1937" actId="26606"/>
+          <ac:spMkLst>
+            <pc:docMk/>
+            <pc:sldMk cId="3723067953" sldId="283"/>
+            <ac:spMk id="12" creationId="{14847E93-7DC1-4D4B-8829-B19AA7137C50}"/>
+          </ac:spMkLst>
+        </pc:spChg>
+        <pc:spChg chg="add">
+          <ac:chgData name="Emily Yao" userId="fe5f762ead05ce6f" providerId="LiveId" clId="{12BBEA3A-99CC-4923-B602-9823637B53A6}" dt="2023-01-14T21:20:25.912" v="1937" actId="26606"/>
+          <ac:spMkLst>
+            <pc:docMk/>
+            <pc:sldMk cId="3723067953" sldId="283"/>
+            <ac:spMk id="14" creationId="{5566D6E1-03A1-4D73-A4E0-35D74D568A04}"/>
+          </ac:spMkLst>
+        </pc:spChg>
+        <pc:spChg chg="add">
+          <ac:chgData name="Emily Yao" userId="fe5f762ead05ce6f" providerId="LiveId" clId="{12BBEA3A-99CC-4923-B602-9823637B53A6}" dt="2023-01-14T21:20:25.912" v="1937" actId="26606"/>
+          <ac:spMkLst>
+            <pc:docMk/>
+            <pc:sldMk cId="3723067953" sldId="283"/>
+            <ac:spMk id="16" creationId="{9F835A99-04AC-494A-A572-AFE8413CC938}"/>
+          </ac:spMkLst>
+        </pc:spChg>
+        <pc:spChg chg="add">
+          <ac:chgData name="Emily Yao" userId="fe5f762ead05ce6f" providerId="LiveId" clId="{12BBEA3A-99CC-4923-B602-9823637B53A6}" dt="2023-01-14T21:20:25.912" v="1937" actId="26606"/>
+          <ac:spMkLst>
+            <pc:docMk/>
+            <pc:sldMk cId="3723067953" sldId="283"/>
+            <ac:spMk id="18" creationId="{7B786209-1B0B-4CA9-9BDD-F7327066A84D}"/>
+          </ac:spMkLst>
+        </pc:spChg>
+        <pc:spChg chg="add">
+          <ac:chgData name="Emily Yao" userId="fe5f762ead05ce6f" providerId="LiveId" clId="{12BBEA3A-99CC-4923-B602-9823637B53A6}" dt="2023-01-14T21:20:25.912" v="1937" actId="26606"/>
+          <ac:spMkLst>
+            <pc:docMk/>
+            <pc:sldMk cId="3723067953" sldId="283"/>
+            <ac:spMk id="20" creationId="{2D2964BB-484D-45AE-AD66-D407D0629652}"/>
+          </ac:spMkLst>
+        </pc:spChg>
+        <pc:spChg chg="add">
+          <ac:chgData name="Emily Yao" userId="fe5f762ead05ce6f" providerId="LiveId" clId="{12BBEA3A-99CC-4923-B602-9823637B53A6}" dt="2023-01-14T21:20:25.912" v="1937" actId="26606"/>
+          <ac:spMkLst>
+            <pc:docMk/>
+            <pc:sldMk cId="3723067953" sldId="283"/>
+            <ac:spMk id="22" creationId="{6691AC69-A76E-4DAB-B565-468B6B87ACF3}"/>
+          </ac:spMkLst>
+        </pc:spChg>
+      </pc:sldChg>
+      <pc:sldChg chg="addSp delSp modSp new mod setBg">
+        <pc:chgData name="Emily Yao" userId="fe5f762ead05ce6f" providerId="LiveId" clId="{12BBEA3A-99CC-4923-B602-9823637B53A6}" dt="2023-01-15T03:09:00.881" v="4449" actId="20577"/>
+        <pc:sldMkLst>
+          <pc:docMk/>
+          <pc:sldMk cId="1882249699" sldId="284"/>
+        </pc:sldMkLst>
+        <pc:spChg chg="mod">
+          <ac:chgData name="Emily Yao" userId="fe5f762ead05ce6f" providerId="LiveId" clId="{12BBEA3A-99CC-4923-B602-9823637B53A6}" dt="2023-01-14T21:43:54.450" v="3027" actId="26606"/>
+          <ac:spMkLst>
+            <pc:docMk/>
+            <pc:sldMk cId="1882249699" sldId="284"/>
+            <ac:spMk id="2" creationId="{1EAB0897-1BF9-0386-6F01-A6B8C8CFD9E7}"/>
+          </ac:spMkLst>
+        </pc:spChg>
+        <pc:spChg chg="del mod">
+          <ac:chgData name="Emily Yao" userId="fe5f762ead05ce6f" providerId="LiveId" clId="{12BBEA3A-99CC-4923-B602-9823637B53A6}" dt="2023-01-14T21:43:54.450" v="3027" actId="26606"/>
+          <ac:spMkLst>
+            <pc:docMk/>
+            <pc:sldMk cId="1882249699" sldId="284"/>
+            <ac:spMk id="3" creationId="{C3C78CAF-DE20-4D3B-C1C3-06CB916B7313}"/>
+          </ac:spMkLst>
+        </pc:spChg>
+        <pc:graphicFrameChg chg="add mod">
+          <ac:chgData name="Emily Yao" userId="fe5f762ead05ce6f" providerId="LiveId" clId="{12BBEA3A-99CC-4923-B602-9823637B53A6}" dt="2023-01-15T03:09:00.881" v="4449" actId="20577"/>
+          <ac:graphicFrameMkLst>
+            <pc:docMk/>
+            <pc:sldMk cId="1882249699" sldId="284"/>
+            <ac:graphicFrameMk id="5" creationId="{02005720-0AAF-3150-8A42-1EDCBCD47E94}"/>
+          </ac:graphicFrameMkLst>
+        </pc:graphicFrameChg>
+        <pc:picChg chg="add mod">
+          <ac:chgData name="Emily Yao" userId="fe5f762ead05ce6f" providerId="LiveId" clId="{12BBEA3A-99CC-4923-B602-9823637B53A6}" dt="2023-01-14T21:43:57.102" v="3028" actId="27614"/>
+          <ac:picMkLst>
+            <pc:docMk/>
+            <pc:sldMk cId="1882249699" sldId="284"/>
+            <ac:picMk id="6" creationId="{429A5EC3-CB21-7B50-1AEF-D2DA43C65035}"/>
+          </ac:picMkLst>
+        </pc:picChg>
+        <pc:cxnChg chg="add">
+          <ac:chgData name="Emily Yao" userId="fe5f762ead05ce6f" providerId="LiveId" clId="{12BBEA3A-99CC-4923-B602-9823637B53A6}" dt="2023-01-14T21:43:54.450" v="3027" actId="26606"/>
+          <ac:cxnSpMkLst>
+            <pc:docMk/>
+            <pc:sldMk cId="1882249699" sldId="284"/>
+            <ac:cxnSpMk id="10" creationId="{A7F400EE-A8A5-48AF-B4D6-291B52C6F0B0}"/>
+          </ac:cxnSpMkLst>
+        </pc:cxnChg>
+      </pc:sldChg>
+      <pc:sldChg chg="addSp modSp new mod setBg">
+        <pc:chgData name="Emily Yao" userId="fe5f762ead05ce6f" providerId="LiveId" clId="{12BBEA3A-99CC-4923-B602-9823637B53A6}" dt="2023-01-15T03:10:56.657" v="4703" actId="20577"/>
+        <pc:sldMkLst>
+          <pc:docMk/>
+          <pc:sldMk cId="820155493" sldId="285"/>
+        </pc:sldMkLst>
+        <pc:spChg chg="mod">
+          <ac:chgData name="Emily Yao" userId="fe5f762ead05ce6f" providerId="LiveId" clId="{12BBEA3A-99CC-4923-B602-9823637B53A6}" dt="2023-01-15T02:33:56.053" v="3706" actId="26606"/>
+          <ac:spMkLst>
+            <pc:docMk/>
+            <pc:sldMk cId="820155493" sldId="285"/>
+            <ac:spMk id="2" creationId="{E04A2AF5-66BD-82F1-9BE7-76E56BF23C8E}"/>
+          </ac:spMkLst>
+        </pc:spChg>
+        <pc:spChg chg="mod">
+          <ac:chgData name="Emily Yao" userId="fe5f762ead05ce6f" providerId="LiveId" clId="{12BBEA3A-99CC-4923-B602-9823637B53A6}" dt="2023-01-15T03:10:56.657" v="4703" actId="20577"/>
+          <ac:spMkLst>
+            <pc:docMk/>
+            <pc:sldMk cId="820155493" sldId="285"/>
+            <ac:spMk id="3" creationId="{7F64C1BA-A050-0E45-212F-7F2776C08035}"/>
+          </ac:spMkLst>
+        </pc:spChg>
+        <pc:spChg chg="add">
+          <ac:chgData name="Emily Yao" userId="fe5f762ead05ce6f" providerId="LiveId" clId="{12BBEA3A-99CC-4923-B602-9823637B53A6}" dt="2023-01-15T02:33:56.053" v="3706" actId="26606"/>
+          <ac:spMkLst>
+            <pc:docMk/>
+            <pc:sldMk cId="820155493" sldId="285"/>
+            <ac:spMk id="1031" creationId="{2B566528-1B12-4246-9431-5C2D7D081168}"/>
+          </ac:spMkLst>
+        </pc:spChg>
+        <pc:grpChg chg="add">
+          <ac:chgData name="Emily Yao" userId="fe5f762ead05ce6f" providerId="LiveId" clId="{12BBEA3A-99CC-4923-B602-9823637B53A6}" dt="2023-01-15T02:33:56.053" v="3706" actId="26606"/>
+          <ac:grpSpMkLst>
+            <pc:docMk/>
+            <pc:sldMk cId="820155493" sldId="285"/>
+            <ac:grpSpMk id="1033" creationId="{828A5161-06F1-46CF-8AD7-844680A59E13}"/>
+          </ac:grpSpMkLst>
+        </pc:grpChg>
+        <pc:grpChg chg="add">
+          <ac:chgData name="Emily Yao" userId="fe5f762ead05ce6f" providerId="LiveId" clId="{12BBEA3A-99CC-4923-B602-9823637B53A6}" dt="2023-01-15T02:33:56.053" v="3706" actId="26606"/>
+          <ac:grpSpMkLst>
+            <pc:docMk/>
+            <pc:sldMk cId="820155493" sldId="285"/>
+            <ac:grpSpMk id="1037" creationId="{5995D10D-E9C9-47DB-AE7E-801FEF38F5C9}"/>
+          </ac:grpSpMkLst>
+        </pc:grpChg>
+        <pc:picChg chg="add mod">
+          <ac:chgData name="Emily Yao" userId="fe5f762ead05ce6f" providerId="LiveId" clId="{12BBEA3A-99CC-4923-B602-9823637B53A6}" dt="2023-01-15T02:33:58.772" v="3708" actId="962"/>
+          <ac:picMkLst>
+            <pc:docMk/>
+            <pc:sldMk cId="820155493" sldId="285"/>
+            <ac:picMk id="1026" creationId="{529CE00F-7BCE-A947-BE88-0F55FACFFD65}"/>
+          </ac:picMkLst>
+        </pc:picChg>
+      </pc:sldChg>
+      <pc:sldChg chg="addSp modSp new mod setBg">
+        <pc:chgData name="Emily Yao" userId="fe5f762ead05ce6f" providerId="LiveId" clId="{12BBEA3A-99CC-4923-B602-9823637B53A6}" dt="2023-01-15T03:16:22.449" v="4706" actId="26606"/>
+        <pc:sldMkLst>
+          <pc:docMk/>
+          <pc:sldMk cId="3078054146" sldId="286"/>
+        </pc:sldMkLst>
+        <pc:spChg chg="mod">
+          <ac:chgData name="Emily Yao" userId="fe5f762ead05ce6f" providerId="LiveId" clId="{12BBEA3A-99CC-4923-B602-9823637B53A6}" dt="2023-01-15T03:16:22.449" v="4706" actId="26606"/>
+          <ac:spMkLst>
+            <pc:docMk/>
+            <pc:sldMk cId="3078054146" sldId="286"/>
+            <ac:spMk id="2" creationId="{4E17A7D4-754D-8604-7D55-CBF37806D3E7}"/>
+          </ac:spMkLst>
+        </pc:spChg>
+        <pc:spChg chg="mod">
+          <ac:chgData name="Emily Yao" userId="fe5f762ead05ce6f" providerId="LiveId" clId="{12BBEA3A-99CC-4923-B602-9823637B53A6}" dt="2023-01-15T03:16:22.449" v="4706" actId="26606"/>
+          <ac:spMkLst>
+            <pc:docMk/>
+            <pc:sldMk cId="3078054146" sldId="286"/>
+            <ac:spMk id="3" creationId="{D404FFF4-5F47-68B0-1475-67F1318CA1F5}"/>
+          </ac:spMkLst>
+        </pc:spChg>
+        <pc:spChg chg="add">
+          <ac:chgData name="Emily Yao" userId="fe5f762ead05ce6f" providerId="LiveId" clId="{12BBEA3A-99CC-4923-B602-9823637B53A6}" dt="2023-01-15T03:16:22.449" v="4706" actId="26606"/>
+          <ac:spMkLst>
+            <pc:docMk/>
+            <pc:sldMk cId="3078054146" sldId="286"/>
+            <ac:spMk id="9" creationId="{2C61293E-6EBE-43EF-A52C-9BEBFD7679D4}"/>
+          </ac:spMkLst>
+        </pc:spChg>
+        <pc:spChg chg="add">
+          <ac:chgData name="Emily Yao" userId="fe5f762ead05ce6f" providerId="LiveId" clId="{12BBEA3A-99CC-4923-B602-9823637B53A6}" dt="2023-01-15T03:16:22.449" v="4706" actId="26606"/>
+          <ac:spMkLst>
+            <pc:docMk/>
+            <pc:sldMk cId="3078054146" sldId="286"/>
+            <ac:spMk id="11" creationId="{21540236-BFD5-4A9D-8840-4703E7F76825}"/>
+          </ac:spMkLst>
+        </pc:spChg>
+        <pc:picChg chg="add">
+          <ac:chgData name="Emily Yao" userId="fe5f762ead05ce6f" providerId="LiveId" clId="{12BBEA3A-99CC-4923-B602-9823637B53A6}" dt="2023-01-15T03:16:22.449" v="4706" actId="26606"/>
+          <ac:picMkLst>
+            <pc:docMk/>
+            <pc:sldMk cId="3078054146" sldId="286"/>
+            <ac:picMk id="5" creationId="{E6342E2D-C376-2A84-692D-1E24F45C8115}"/>
+          </ac:picMkLst>
+        </pc:picChg>
+      </pc:sldChg>
     </pc:docChg>
   </pc:docChgLst>
 </pc:chgInfo>
+</file>
+
+<file path=ppt/diagrams/colors1.xml><?xml version="1.0" encoding="utf-8"?>
+<dgm:colorsDef xmlns:dgm="http://schemas.openxmlformats.org/drawingml/2006/diagram" xmlns:a="http://schemas.openxmlformats.org/drawingml/2006/main" uniqueId="urn:microsoft.com/office/officeart/2005/8/colors/colorful2">
+  <dgm:title val=""/>
+  <dgm:desc val=""/>
+  <dgm:catLst>
+    <dgm:cat type="colorful" pri="10200"/>
+  </dgm:catLst>
+  <dgm:styleLbl name="node0">
+    <dgm:fillClrLst meth="repeat">
+      <a:schemeClr val="accent1"/>
+    </dgm:fillClrLst>
+    <dgm:linClrLst meth="repeat">
+      <a:schemeClr val="lt1"/>
+    </dgm:linClrLst>
+    <dgm:effectClrLst/>
+    <dgm:txLinClrLst/>
+    <dgm:txFillClrLst/>
+    <dgm:txEffectClrLst/>
+  </dgm:styleLbl>
+  <dgm:styleLbl name="node1">
+    <dgm:fillClrLst>
+      <a:schemeClr val="accent2"/>
+      <a:schemeClr val="accent3"/>
+    </dgm:fillClrLst>
+    <dgm:linClrLst meth="repeat">
+      <a:schemeClr val="lt1"/>
+    </dgm:linClrLst>
+    <dgm:effectClrLst/>
+    <dgm:txLinClrLst/>
+    <dgm:txFillClrLst/>
+    <dgm:txEffectClrLst/>
+  </dgm:styleLbl>
+  <dgm:styleLbl name="alignNode1">
+    <dgm:fillClrLst>
+      <a:schemeClr val="accent2"/>
+      <a:schemeClr val="accent3"/>
+    </dgm:fillClrLst>
+    <dgm:linClrLst>
+      <a:schemeClr val="accent2"/>
+      <a:schemeClr val="accent3"/>
+    </dgm:linClrLst>
+    <dgm:effectClrLst/>
+    <dgm:txLinClrLst/>
+    <dgm:txFillClrLst/>
+    <dgm:txEffectClrLst/>
+  </dgm:styleLbl>
+  <dgm:styleLbl name="lnNode1">
+    <dgm:fillClrLst>
+      <a:schemeClr val="accent2"/>
+      <a:schemeClr val="accent3"/>
+    </dgm:fillClrLst>
+    <dgm:linClrLst meth="repeat">
+      <a:schemeClr val="lt1"/>
+    </dgm:linClrLst>
+    <dgm:effectClrLst/>
+    <dgm:txLinClrLst/>
+    <dgm:txFillClrLst/>
+    <dgm:txEffectClrLst/>
+  </dgm:styleLbl>
+  <dgm:styleLbl name="vennNode1">
+    <dgm:fillClrLst>
+      <a:schemeClr val="accent2">
+        <a:alpha val="50000"/>
+      </a:schemeClr>
+      <a:schemeClr val="accent3">
+        <a:alpha val="50000"/>
+      </a:schemeClr>
+    </dgm:fillClrLst>
+    <dgm:linClrLst meth="repeat">
+      <a:schemeClr val="lt1"/>
+    </dgm:linClrLst>
+    <dgm:effectClrLst/>
+    <dgm:txLinClrLst/>
+    <dgm:txFillClrLst/>
+    <dgm:txEffectClrLst/>
+  </dgm:styleLbl>
+  <dgm:styleLbl name="node2">
+    <dgm:fillClrLst>
+      <a:schemeClr val="accent3"/>
+    </dgm:fillClrLst>
+    <dgm:linClrLst meth="repeat">
+      <a:schemeClr val="lt1"/>
+    </dgm:linClrLst>
+    <dgm:effectClrLst/>
+    <dgm:txLinClrLst/>
+    <dgm:txFillClrLst/>
+    <dgm:txEffectClrLst/>
+  </dgm:styleLbl>
+  <dgm:styleLbl name="node3">
+    <dgm:fillClrLst>
+      <a:schemeClr val="accent4"/>
+    </dgm:fillClrLst>
+    <dgm:linClrLst meth="repeat">
+      <a:schemeClr val="lt1"/>
+    </dgm:linClrLst>
+    <dgm:effectClrLst/>
+    <dgm:txLinClrLst/>
+    <dgm:txFillClrLst/>
+    <dgm:txEffectClrLst/>
+  </dgm:styleLbl>
+  <dgm:styleLbl name="node4">
+    <dgm:fillClrLst>
+      <a:schemeClr val="accent5"/>
+    </dgm:fillClrLst>
+    <dgm:linClrLst meth="repeat">
+      <a:schemeClr val="lt1"/>
+    </dgm:linClrLst>
+    <dgm:effectClrLst/>
+    <dgm:txLinClrLst/>
+    <dgm:txFillClrLst/>
+    <dgm:txEffectClrLst/>
+  </dgm:styleLbl>
+  <dgm:styleLbl name="fgImgPlace1">
+    <dgm:fillClrLst>
+      <a:schemeClr val="accent2">
+        <a:tint val="50000"/>
+      </a:schemeClr>
+      <a:schemeClr val="accent3">
+        <a:tint val="50000"/>
+      </a:schemeClr>
+    </dgm:fillClrLst>
+    <dgm:linClrLst meth="repeat">
+      <a:schemeClr val="lt1"/>
+    </dgm:linClrLst>
+    <dgm:effectClrLst/>
+    <dgm:txLinClrLst/>
+    <dgm:txFillClrLst meth="repeat">
+      <a:schemeClr val="lt1"/>
+    </dgm:txFillClrLst>
+    <dgm:txEffectClrLst/>
+  </dgm:styleLbl>
+  <dgm:styleLbl name="alignImgPlace1">
+    <dgm:fillClrLst>
+      <a:schemeClr val="accent2">
+        <a:tint val="50000"/>
+      </a:schemeClr>
+      <a:schemeClr val="accent3">
+        <a:tint val="20000"/>
+      </a:schemeClr>
+    </dgm:fillClrLst>
+    <dgm:linClrLst meth="repeat">
+      <a:schemeClr val="lt1"/>
+    </dgm:linClrLst>
+    <dgm:effectClrLst/>
+    <dgm:txLinClrLst/>
+    <dgm:txFillClrLst meth="repeat">
+      <a:schemeClr val="lt1"/>
+    </dgm:txFillClrLst>
+    <dgm:txEffectClrLst/>
+  </dgm:styleLbl>
+  <dgm:styleLbl name="bgImgPlace1">
+    <dgm:fillClrLst>
+      <a:schemeClr val="accent2">
+        <a:tint val="50000"/>
+      </a:schemeClr>
+      <a:schemeClr val="accent3">
+        <a:tint val="20000"/>
+      </a:schemeClr>
+    </dgm:fillClrLst>
+    <dgm:linClrLst meth="repeat">
+      <a:schemeClr val="lt1"/>
+    </dgm:linClrLst>
+    <dgm:effectClrLst/>
+    <dgm:txLinClrLst/>
+    <dgm:txFillClrLst meth="repeat">
+      <a:schemeClr val="lt1"/>
+    </dgm:txFillClrLst>
+    <dgm:txEffectClrLst/>
+  </dgm:styleLbl>
+  <dgm:styleLbl name="sibTrans2D1">
+    <dgm:fillClrLst>
+      <a:schemeClr val="accent2"/>
+      <a:schemeClr val="accent3"/>
+    </dgm:fillClrLst>
+    <dgm:linClrLst meth="repeat">
+      <a:schemeClr val="lt1"/>
+    </dgm:linClrLst>
+    <dgm:effectClrLst/>
+    <dgm:txLinClrLst/>
+    <dgm:txFillClrLst/>
+    <dgm:txEffectClrLst/>
+  </dgm:styleLbl>
+  <dgm:styleLbl name="fgSibTrans2D1">
+    <dgm:fillClrLst>
+      <a:schemeClr val="accent2"/>
+      <a:schemeClr val="accent3"/>
+    </dgm:fillClrLst>
+    <dgm:linClrLst meth="repeat">
+      <a:schemeClr val="lt1"/>
+    </dgm:linClrLst>
+    <dgm:effectClrLst/>
+    <dgm:txLinClrLst/>
+    <dgm:txFillClrLst meth="repeat">
+      <a:schemeClr val="lt1"/>
+    </dgm:txFillClrLst>
+    <dgm:txEffectClrLst/>
+  </dgm:styleLbl>
+  <dgm:styleLbl name="bgSibTrans2D1">
+    <dgm:fillClrLst>
+      <a:schemeClr val="accent2"/>
+      <a:schemeClr val="accent3"/>
+    </dgm:fillClrLst>
+    <dgm:linClrLst meth="repeat">
+      <a:schemeClr val="lt1"/>
+    </dgm:linClrLst>
+    <dgm:effectClrLst/>
+    <dgm:txLinClrLst/>
+    <dgm:txFillClrLst meth="repeat">
+      <a:schemeClr val="lt1"/>
+    </dgm:txFillClrLst>
+    <dgm:txEffectClrLst/>
+  </dgm:styleLbl>
+  <dgm:styleLbl name="sibTrans1D1">
+    <dgm:fillClrLst/>
+    <dgm:linClrLst>
+      <a:schemeClr val="accent2"/>
+      <a:schemeClr val="accent3"/>
+    </dgm:linClrLst>
+    <dgm:effectClrLst/>
+    <dgm:txLinClrLst/>
+    <dgm:txFillClrLst meth="repeat">
+      <a:schemeClr val="tx1"/>
+    </dgm:txFillClrLst>
+    <dgm:txEffectClrLst/>
+  </dgm:styleLbl>
+  <dgm:styleLbl name="callout">
+    <dgm:fillClrLst meth="repeat">
+      <a:schemeClr val="accent2"/>
+    </dgm:fillClrLst>
+    <dgm:linClrLst meth="repeat">
+      <a:schemeClr val="accent2">
+        <a:tint val="50000"/>
+      </a:schemeClr>
+    </dgm:linClrLst>
+    <dgm:effectClrLst/>
+    <dgm:txLinClrLst/>
+    <dgm:txFillClrLst meth="repeat">
+      <a:schemeClr val="tx1"/>
+    </dgm:txFillClrLst>
+    <dgm:txEffectClrLst/>
+  </dgm:styleLbl>
+  <dgm:styleLbl name="asst0">
+    <dgm:fillClrLst meth="repeat">
+      <a:schemeClr val="accent2"/>
+    </dgm:fillClrLst>
+    <dgm:linClrLst meth="repeat">
+      <a:schemeClr val="lt1">
+        <a:shade val="80000"/>
+      </a:schemeClr>
+    </dgm:linClrLst>
+    <dgm:effectClrLst/>
+    <dgm:txLinClrLst/>
+    <dgm:txFillClrLst/>
+    <dgm:txEffectClrLst/>
+  </dgm:styleLbl>
+  <dgm:styleLbl name="asst1">
+    <dgm:fillClrLst meth="repeat">
+      <a:schemeClr val="accent3"/>
+    </dgm:fillClrLst>
+    <dgm:linClrLst meth="repeat">
+      <a:schemeClr val="lt1">
+        <a:shade val="80000"/>
+      </a:schemeClr>
+    </dgm:linClrLst>
+    <dgm:effectClrLst/>
+    <dgm:txLinClrLst/>
+    <dgm:txFillClrLst/>
+    <dgm:txEffectClrLst/>
+  </dgm:styleLbl>
+  <dgm:styleLbl name="asst2">
+    <dgm:fillClrLst>
+      <a:schemeClr val="accent4"/>
+    </dgm:fillClrLst>
+    <dgm:linClrLst meth="repeat">
+      <a:schemeClr val="lt1"/>
+    </dgm:linClrLst>
+    <dgm:effectClrLst/>
+    <dgm:txLinClrLst/>
+    <dgm:txFillClrLst/>
+    <dgm:txEffectClrLst/>
+  </dgm:styleLbl>
+  <dgm:styleLbl name="asst3">
+    <dgm:fillClrLst>
+      <a:schemeClr val="accent5"/>
+    </dgm:fillClrLst>
+    <dgm:linClrLst meth="repeat">
+      <a:schemeClr val="lt1"/>
+    </dgm:linClrLst>
+    <dgm:effectClrLst/>
+    <dgm:txLinClrLst/>
+    <dgm:txFillClrLst/>
+    <dgm:txEffectClrLst/>
+  </dgm:styleLbl>
+  <dgm:styleLbl name="asst4">
+    <dgm:fillClrLst>
+      <a:schemeClr val="accent6"/>
+    </dgm:fillClrLst>
+    <dgm:linClrLst meth="repeat">
+      <a:schemeClr val="lt1"/>
+    </dgm:linClrLst>
+    <dgm:effectClrLst/>
+    <dgm:txLinClrLst/>
+    <dgm:txFillClrLst/>
+    <dgm:txEffectClrLst/>
+  </dgm:styleLbl>
+  <dgm:styleLbl name="parChTrans2D1">
+    <dgm:fillClrLst meth="repeat">
+      <a:schemeClr val="accent2"/>
+    </dgm:fillClrLst>
+    <dgm:linClrLst meth="repeat">
+      <a:schemeClr val="lt1"/>
+    </dgm:linClrLst>
+    <dgm:effectClrLst/>
+    <dgm:txLinClrLst/>
+    <dgm:txFillClrLst meth="repeat">
+      <a:schemeClr val="lt1"/>
+    </dgm:txFillClrLst>
+    <dgm:txEffectClrLst/>
+  </dgm:styleLbl>
+  <dgm:styleLbl name="parChTrans2D2">
+    <dgm:fillClrLst meth="repeat">
+      <a:schemeClr val="accent3"/>
+    </dgm:fillClrLst>
+    <dgm:linClrLst meth="repeat">
+      <a:schemeClr val="lt1"/>
+    </dgm:linClrLst>
+    <dgm:effectClrLst/>
+    <dgm:txLinClrLst/>
+    <dgm:txFillClrLst/>
+    <dgm:txEffectClrLst/>
+  </dgm:styleLbl>
+  <dgm:styleLbl name="parChTrans2D3">
+    <dgm:fillClrLst meth="repeat">
+      <a:schemeClr val="accent4"/>
+    </dgm:fillClrLst>
+    <dgm:linClrLst meth="repeat">
+      <a:schemeClr val="lt1"/>
+    </dgm:linClrLst>
+    <dgm:effectClrLst/>
+    <dgm:txLinClrLst/>
+    <dgm:txFillClrLst/>
+    <dgm:txEffectClrLst/>
+  </dgm:styleLbl>
+  <dgm:styleLbl name="parChTrans2D4">
+    <dgm:fillClrLst meth="repeat">
+      <a:schemeClr val="accent5"/>
+    </dgm:fillClrLst>
+    <dgm:linClrLst meth="repeat">
+      <a:schemeClr val="lt1"/>
+    </dgm:linClrLst>
+    <dgm:effectClrLst/>
+    <dgm:txLinClrLst/>
+    <dgm:txFillClrLst meth="repeat">
+      <a:schemeClr val="lt1"/>
+    </dgm:txFillClrLst>
+    <dgm:txEffectClrLst/>
+  </dgm:styleLbl>
+  <dgm:styleLbl name="parChTrans1D1">
+    <dgm:fillClrLst meth="repeat">
+      <a:schemeClr val="accent2"/>
+    </dgm:fillClrLst>
+    <dgm:linClrLst meth="repeat">
+      <a:schemeClr val="accent2"/>
+    </dgm:linClrLst>
+    <dgm:effectClrLst/>
+    <dgm:txLinClrLst/>
+    <dgm:txFillClrLst meth="repeat">
+      <a:schemeClr val="tx1"/>
+    </dgm:txFillClrLst>
+    <dgm:txEffectClrLst/>
+  </dgm:styleLbl>
+  <dgm:styleLbl name="parChTrans1D2">
+    <dgm:fillClrLst meth="repeat">
+      <a:schemeClr val="accent2">
+        <a:tint val="90000"/>
+      </a:schemeClr>
+    </dgm:fillClrLst>
+    <dgm:linClrLst meth="repeat">
+      <a:schemeClr val="accent3"/>
+    </dgm:linClrLst>
+    <dgm:effectClrLst/>
+    <dgm:txLinClrLst/>
+    <dgm:txFillClrLst meth="repeat">
+      <a:schemeClr val="tx1"/>
+    </dgm:txFillClrLst>
+    <dgm:txEffectClrLst/>
+  </dgm:styleLbl>
+  <dgm:styleLbl name="parChTrans1D3">
+    <dgm:fillClrLst meth="repeat">
+      <a:schemeClr val="accent2">
+        <a:tint val="70000"/>
+      </a:schemeClr>
+    </dgm:fillClrLst>
+    <dgm:linClrLst meth="repeat">
+      <a:schemeClr val="accent4"/>
+    </dgm:linClrLst>
+    <dgm:effectClrLst/>
+    <dgm:txLinClrLst/>
+    <dgm:txFillClrLst meth="repeat">
+      <a:schemeClr val="tx1"/>
+    </dgm:txFillClrLst>
+    <dgm:txEffectClrLst/>
+  </dgm:styleLbl>
+  <dgm:styleLbl name="parChTrans1D4">
+    <dgm:fillClrLst meth="repeat">
+      <a:schemeClr val="accent2">
+        <a:tint val="50000"/>
+      </a:schemeClr>
+    </dgm:fillClrLst>
+    <dgm:linClrLst meth="repeat">
+      <a:schemeClr val="accent5"/>
+    </dgm:linClrLst>
+    <dgm:effectClrLst/>
+    <dgm:txLinClrLst/>
+    <dgm:txFillClrLst meth="repeat">
+      <a:schemeClr val="tx1"/>
+    </dgm:txFillClrLst>
+    <dgm:txEffectClrLst/>
+  </dgm:styleLbl>
+  <dgm:styleLbl name="fgAcc1">
+    <dgm:fillClrLst meth="repeat">
+      <a:schemeClr val="lt1">
+        <a:alpha val="90000"/>
+      </a:schemeClr>
+    </dgm:fillClrLst>
+    <dgm:linClrLst>
+      <a:schemeClr val="accent2"/>
+      <a:schemeClr val="accent3"/>
+    </dgm:linClrLst>
+    <dgm:effectClrLst/>
+    <dgm:txLinClrLst/>
+    <dgm:txFillClrLst meth="repeat">
+      <a:schemeClr val="dk1"/>
+    </dgm:txFillClrLst>
+    <dgm:txEffectClrLst/>
+  </dgm:styleLbl>
+  <dgm:styleLbl name="conFgAcc1">
+    <dgm:fillClrLst meth="repeat">
+      <a:schemeClr val="lt1">
+        <a:alpha val="90000"/>
+      </a:schemeClr>
+    </dgm:fillClrLst>
+    <dgm:linClrLst>
+      <a:schemeClr val="accent2"/>
+      <a:schemeClr val="accent3"/>
+    </dgm:linClrLst>
+    <dgm:effectClrLst/>
+    <dgm:txLinClrLst/>
+    <dgm:txFillClrLst meth="repeat">
+      <a:schemeClr val="dk1"/>
+    </dgm:txFillClrLst>
+    <dgm:txEffectClrLst/>
+  </dgm:styleLbl>
+  <dgm:styleLbl name="alignAcc1">
+    <dgm:fillClrLst meth="repeat">
+      <a:schemeClr val="lt1">
+        <a:alpha val="90000"/>
+      </a:schemeClr>
+    </dgm:fillClrLst>
+    <dgm:linClrLst>
+      <a:schemeClr val="accent2"/>
+      <a:schemeClr val="accent3"/>
+    </dgm:linClrLst>
+    <dgm:effectClrLst/>
+    <dgm:txLinClrLst/>
+    <dgm:txFillClrLst meth="repeat">
+      <a:schemeClr val="dk1"/>
+    </dgm:txFillClrLst>
+    <dgm:txEffectClrLst/>
+  </dgm:styleLbl>
+  <dgm:styleLbl name="trAlignAcc1">
+    <dgm:fillClrLst meth="repeat">
+      <a:schemeClr val="lt1">
+        <a:alpha val="40000"/>
+      </a:schemeClr>
+    </dgm:fillClrLst>
+    <dgm:linClrLst meth="repeat">
+      <a:schemeClr val="accent2"/>
+    </dgm:linClrLst>
+    <dgm:effectClrLst/>
+    <dgm:txLinClrLst/>
+    <dgm:txFillClrLst meth="repeat">
+      <a:schemeClr val="dk1"/>
+    </dgm:txFillClrLst>
+    <dgm:txEffectClrLst/>
+  </dgm:styleLbl>
+  <dgm:styleLbl name="bgAcc1">
+    <dgm:fillClrLst meth="repeat">
+      <a:schemeClr val="lt1">
+        <a:alpha val="90000"/>
+      </a:schemeClr>
+    </dgm:fillClrLst>
+    <dgm:linClrLst>
+      <a:schemeClr val="accent2"/>
+      <a:schemeClr val="accent3"/>
+    </dgm:linClrLst>
+    <dgm:effectClrLst/>
+    <dgm:txLinClrLst/>
+    <dgm:txFillClrLst meth="repeat">
+      <a:schemeClr val="dk1"/>
+    </dgm:txFillClrLst>
+    <dgm:txEffectClrLst/>
+  </dgm:styleLbl>
+  <dgm:styleLbl name="solidFgAcc1">
+    <dgm:fillClrLst meth="repeat">
+      <a:schemeClr val="lt1"/>
+    </dgm:fillClrLst>
+    <dgm:linClrLst>
+      <a:schemeClr val="accent2"/>
+      <a:schemeClr val="accent3"/>
+    </dgm:linClrLst>
+    <dgm:effectClrLst/>
+    <dgm:txLinClrLst/>
+    <dgm:txFillClrLst meth="repeat">
+      <a:schemeClr val="dk1"/>
+    </dgm:txFillClrLst>
+    <dgm:txEffectClrLst/>
+  </dgm:styleLbl>
+  <dgm:styleLbl name="solidAlignAcc1">
+    <dgm:fillClrLst meth="repeat">
+      <a:schemeClr val="lt1"/>
+    </dgm:fillClrLst>
+    <dgm:linClrLst>
+      <a:schemeClr val="accent2"/>
+      <a:schemeClr val="accent3"/>
+    </dgm:linClrLst>
+    <dgm:effectClrLst/>
+    <dgm:txLinClrLst/>
+    <dgm:txFillClrLst meth="repeat">
+      <a:schemeClr val="dk1"/>
+    </dgm:txFillClrLst>
+    <dgm:txEffectClrLst/>
+  </dgm:styleLbl>
+  <dgm:styleLbl name="solidBgAcc1">
+    <dgm:fillClrLst meth="repeat">
+      <a:schemeClr val="lt1"/>
+    </dgm:fillClrLst>
+    <dgm:linClrLst>
+      <a:schemeClr val="accent2"/>
+      <a:schemeClr val="accent3"/>
+    </dgm:linClrLst>
+    <dgm:effectClrLst/>
+    <dgm:txLinClrLst/>
+    <dgm:txFillClrLst meth="repeat">
+      <a:schemeClr val="dk1"/>
+    </dgm:txFillClrLst>
+    <dgm:txEffectClrLst/>
+  </dgm:styleLbl>
+  <dgm:styleLbl name="fgAccFollowNode1">
+    <dgm:fillClrLst>
+      <a:schemeClr val="accent2">
+        <a:tint val="40000"/>
+        <a:alpha val="90000"/>
+      </a:schemeClr>
+      <a:schemeClr val="accent3">
+        <a:tint val="40000"/>
+        <a:alpha val="90000"/>
+      </a:schemeClr>
+    </dgm:fillClrLst>
+    <dgm:linClrLst>
+      <a:schemeClr val="accent2">
+        <a:tint val="40000"/>
+        <a:alpha val="90000"/>
+      </a:schemeClr>
+      <a:schemeClr val="accent3">
+        <a:tint val="40000"/>
+        <a:alpha val="90000"/>
+      </a:schemeClr>
+    </dgm:linClrLst>
+    <dgm:effectClrLst/>
+    <dgm:txLinClrLst/>
+    <dgm:txFillClrLst meth="repeat">
+      <a:schemeClr val="dk1"/>
+    </dgm:txFillClrLst>
+    <dgm:txEffectClrLst/>
+  </dgm:styleLbl>
+  <dgm:styleLbl name="alignAccFollowNode1">
+    <dgm:fillClrLst>
+      <a:schemeClr val="accent2">
+        <a:tint val="40000"/>
+        <a:alpha val="90000"/>
+      </a:schemeClr>
+      <a:schemeClr val="accent3">
+        <a:tint val="40000"/>
+        <a:alpha val="90000"/>
+      </a:schemeClr>
+    </dgm:fillClrLst>
+    <dgm:linClrLst>
+      <a:schemeClr val="accent2">
+        <a:tint val="40000"/>
+        <a:alpha val="90000"/>
+      </a:schemeClr>
+      <a:schemeClr val="accent3">
+        <a:tint val="40000"/>
+        <a:alpha val="90000"/>
+      </a:schemeClr>
+    </dgm:linClrLst>
+    <dgm:effectClrLst/>
+    <dgm:txLinClrLst/>
+    <dgm:txFillClrLst meth="repeat">
+      <a:schemeClr val="dk1"/>
+    </dgm:txFillClrLst>
+    <dgm:txEffectClrLst/>
+  </dgm:styleLbl>
+  <dgm:styleLbl name="bgAccFollowNode1">
+    <dgm:fillClrLst>
+      <a:schemeClr val="accent2">
+        <a:tint val="40000"/>
+        <a:alpha val="90000"/>
+      </a:schemeClr>
+      <a:schemeClr val="accent3">
+        <a:tint val="40000"/>
+        <a:alpha val="90000"/>
+      </a:schemeClr>
+    </dgm:fillClrLst>
+    <dgm:linClrLst>
+      <a:schemeClr val="accent2">
+        <a:tint val="40000"/>
+        <a:alpha val="90000"/>
+      </a:schemeClr>
+      <a:schemeClr val="accent3">
+        <a:tint val="40000"/>
+        <a:alpha val="90000"/>
+      </a:schemeClr>
+    </dgm:linClrLst>
+    <dgm:effectClrLst/>
+    <dgm:txLinClrLst/>
+    <dgm:txFillClrLst meth="repeat">
+      <a:schemeClr val="dk1"/>
+    </dgm:txFillClrLst>
+    <dgm:txEffectClrLst/>
+  </dgm:styleLbl>
+  <dgm:styleLbl name="fgAcc0">
+    <dgm:fillClrLst meth="repeat">
+      <a:schemeClr val="lt1">
+        <a:alpha val="90000"/>
+      </a:schemeClr>
+    </dgm:fillClrLst>
+    <dgm:linClrLst>
+      <a:schemeClr val="accent1"/>
+    </dgm:linClrLst>
+    <dgm:effectClrLst/>
+    <dgm:txLinClrLst/>
+    <dgm:txFillClrLst meth="repeat">
+      <a:schemeClr val="dk1"/>
+    </dgm:txFillClrLst>
+    <dgm:txEffectClrLst/>
+  </dgm:styleLbl>
+  <dgm:styleLbl name="fgAcc2">
+    <dgm:fillClrLst meth="repeat">
+      <a:schemeClr val="lt1">
+        <a:alpha val="90000"/>
+      </a:schemeClr>
+    </dgm:fillClrLst>
+    <dgm:linClrLst>
+      <a:schemeClr val="accent3"/>
+    </dgm:linClrLst>
+    <dgm:effectClrLst/>
+    <dgm:txLinClrLst/>
+    <dgm:txFillClrLst meth="repeat">
+      <a:schemeClr val="dk1"/>
+    </dgm:txFillClrLst>
+    <dgm:txEffectClrLst/>
+  </dgm:styleLbl>
+  <dgm:styleLbl name="fgAcc3">
+    <dgm:fillClrLst meth="repeat">
+      <a:schemeClr val="lt1">
+        <a:alpha val="90000"/>
+      </a:schemeClr>
+    </dgm:fillClrLst>
+    <dgm:linClrLst>
+      <a:schemeClr val="accent4"/>
+    </dgm:linClrLst>
+    <dgm:effectClrLst/>
+    <dgm:txLinClrLst/>
+    <dgm:txFillClrLst meth="repeat">
+      <a:schemeClr val="dk1"/>
+    </dgm:txFillClrLst>
+    <dgm:txEffectClrLst/>
+  </dgm:styleLbl>
+  <dgm:styleLbl name="fgAcc4">
+    <dgm:fillClrLst meth="repeat">
+      <a:schemeClr val="lt1">
+        <a:alpha val="90000"/>
+      </a:schemeClr>
+    </dgm:fillClrLst>
+    <dgm:linClrLst>
+      <a:schemeClr val="accent5"/>
+    </dgm:linClrLst>
+    <dgm:effectClrLst/>
+    <dgm:txLinClrLst/>
+    <dgm:txFillClrLst meth="repeat">
+      <a:schemeClr val="dk1"/>
+    </dgm:txFillClrLst>
+    <dgm:txEffectClrLst/>
+  </dgm:styleLbl>
+  <dgm:styleLbl name="bgShp">
+    <dgm:fillClrLst meth="repeat">
+      <a:schemeClr val="accent2">
+        <a:tint val="40000"/>
+      </a:schemeClr>
+    </dgm:fillClrLst>
+    <dgm:linClrLst meth="repeat">
+      <a:schemeClr val="dk1"/>
+    </dgm:linClrLst>
+    <dgm:effectClrLst/>
+    <dgm:txLinClrLst/>
+    <dgm:txFillClrLst meth="repeat">
+      <a:schemeClr val="dk1"/>
+    </dgm:txFillClrLst>
+    <dgm:txEffectClrLst/>
+  </dgm:styleLbl>
+  <dgm:styleLbl name="dkBgShp">
+    <dgm:fillClrLst meth="repeat">
+      <a:schemeClr val="accent2">
+        <a:shade val="90000"/>
+      </a:schemeClr>
+    </dgm:fillClrLst>
+    <dgm:linClrLst meth="repeat">
+      <a:schemeClr val="dk1"/>
+    </dgm:linClrLst>
+    <dgm:effectClrLst/>
+    <dgm:txLinClrLst/>
+    <dgm:txFillClrLst meth="repeat">
+      <a:schemeClr val="lt1"/>
+    </dgm:txFillClrLst>
+    <dgm:txEffectClrLst/>
+  </dgm:styleLbl>
+  <dgm:styleLbl name="trBgShp">
+    <dgm:fillClrLst meth="repeat">
+      <a:schemeClr val="accent2">
+        <a:tint val="50000"/>
+        <a:alpha val="40000"/>
+      </a:schemeClr>
+    </dgm:fillClrLst>
+    <dgm:linClrLst meth="repeat">
+      <a:schemeClr val="accent2"/>
+    </dgm:linClrLst>
+    <dgm:effectClrLst/>
+    <dgm:txLinClrLst/>
+    <dgm:txFillClrLst meth="repeat">
+      <a:schemeClr val="lt1"/>
+    </dgm:txFillClrLst>
+    <dgm:txEffectClrLst/>
+  </dgm:styleLbl>
+  <dgm:styleLbl name="fgShp">
+    <dgm:fillClrLst meth="repeat">
+      <a:schemeClr val="accent2">
+        <a:tint val="40000"/>
+      </a:schemeClr>
+    </dgm:fillClrLst>
+    <dgm:linClrLst meth="repeat">
+      <a:schemeClr val="lt1"/>
+    </dgm:linClrLst>
+    <dgm:effectClrLst/>
+    <dgm:txLinClrLst/>
+    <dgm:txFillClrLst meth="repeat">
+      <a:schemeClr val="dk1"/>
+    </dgm:txFillClrLst>
+    <dgm:txEffectClrLst/>
+  </dgm:styleLbl>
+  <dgm:styleLbl name="revTx">
+    <dgm:fillClrLst meth="repeat">
+      <a:schemeClr val="lt1">
+        <a:alpha val="0"/>
+      </a:schemeClr>
+    </dgm:fillClrLst>
+    <dgm:linClrLst meth="repeat">
+      <a:schemeClr val="dk1">
+        <a:alpha val="0"/>
+      </a:schemeClr>
+    </dgm:linClrLst>
+    <dgm:effectClrLst/>
+    <dgm:txLinClrLst/>
+    <dgm:txFillClrLst meth="repeat">
+      <a:schemeClr val="tx1"/>
+    </dgm:txFillClrLst>
+    <dgm:txEffectClrLst/>
+  </dgm:styleLbl>
+</dgm:colorsDef>
+</file>
+
+<file path=ppt/diagrams/data1.xml><?xml version="1.0" encoding="utf-8"?>
+<dgm:dataModel xmlns:dgm="http://schemas.openxmlformats.org/drawingml/2006/diagram" xmlns:a="http://schemas.openxmlformats.org/drawingml/2006/main">
+  <dgm:ptLst>
+    <dgm:pt modelId="{8FE38F04-7A0D-45BB-A753-EAF6BB383CB9}" type="doc">
+      <dgm:prSet loTypeId="urn:microsoft.com/office/officeart/2005/8/layout/vList2" loCatId="list" qsTypeId="urn:microsoft.com/office/officeart/2005/8/quickstyle/simple1" qsCatId="simple" csTypeId="urn:microsoft.com/office/officeart/2005/8/colors/colorful2" csCatId="colorful" phldr="1"/>
+      <dgm:spPr/>
+      <dgm:t>
+        <a:bodyPr/>
+        <a:lstStyle/>
+        <a:p>
+          <a:endParaRPr lang="en-US"/>
+        </a:p>
+      </dgm:t>
+    </dgm:pt>
+    <dgm:pt modelId="{0669E256-C843-4707-B14F-A04020CC68B4}">
+      <dgm:prSet/>
+      <dgm:spPr/>
+      <dgm:t>
+        <a:bodyPr/>
+        <a:lstStyle/>
+        <a:p>
+          <a:r>
+            <a:rPr lang="en-US" dirty="0"/>
+            <a:t>If I were to repeat this project, this is what I would have done differently:</a:t>
+          </a:r>
+        </a:p>
+      </dgm:t>
+    </dgm:pt>
+    <dgm:pt modelId="{6794EDF6-0F2E-47AC-9E46-B43945622459}" type="parTrans" cxnId="{EC4759D2-E527-4C10-91A1-D9A76063E5C0}">
+      <dgm:prSet/>
+      <dgm:spPr/>
+      <dgm:t>
+        <a:bodyPr/>
+        <a:lstStyle/>
+        <a:p>
+          <a:endParaRPr lang="en-US"/>
+        </a:p>
+      </dgm:t>
+    </dgm:pt>
+    <dgm:pt modelId="{513FAFBA-42B1-4F5F-A535-908B91D79C14}" type="sibTrans" cxnId="{EC4759D2-E527-4C10-91A1-D9A76063E5C0}">
+      <dgm:prSet/>
+      <dgm:spPr/>
+      <dgm:t>
+        <a:bodyPr/>
+        <a:lstStyle/>
+        <a:p>
+          <a:endParaRPr lang="en-US"/>
+        </a:p>
+      </dgm:t>
+    </dgm:pt>
+    <dgm:pt modelId="{39D2FC60-7B4F-4116-A654-5CA63F83B8F4}">
+      <dgm:prSet/>
+      <dgm:spPr/>
+      <dgm:t>
+        <a:bodyPr/>
+        <a:lstStyle/>
+        <a:p>
+          <a:r>
+            <a:rPr lang="en-US" dirty="0"/>
+            <a:t>Conducted my quantitative data analysis after transforming my dataset (consisting of mostly categorical data) into numerical values.</a:t>
+          </a:r>
+        </a:p>
+      </dgm:t>
+    </dgm:pt>
+    <dgm:pt modelId="{EAEC2E7E-0823-4D5F-843E-65532F2A59E7}" type="parTrans" cxnId="{B3862CCD-2D21-481E-9889-B5DE0B5A9902}">
+      <dgm:prSet/>
+      <dgm:spPr/>
+      <dgm:t>
+        <a:bodyPr/>
+        <a:lstStyle/>
+        <a:p>
+          <a:endParaRPr lang="en-US"/>
+        </a:p>
+      </dgm:t>
+    </dgm:pt>
+    <dgm:pt modelId="{39213534-A639-4EC3-9028-8141F90AE736}" type="sibTrans" cxnId="{B3862CCD-2D21-481E-9889-B5DE0B5A9902}">
+      <dgm:prSet/>
+      <dgm:spPr/>
+      <dgm:t>
+        <a:bodyPr/>
+        <a:lstStyle/>
+        <a:p>
+          <a:endParaRPr lang="en-US"/>
+        </a:p>
+      </dgm:t>
+    </dgm:pt>
+    <dgm:pt modelId="{C8F55169-1456-4769-8E97-BA80735966C7}">
+      <dgm:prSet/>
+      <dgm:spPr/>
+      <dgm:t>
+        <a:bodyPr/>
+        <a:lstStyle/>
+        <a:p>
+          <a:r>
+            <a:rPr lang="en-US" dirty="0"/>
+            <a:t>Tested out assumptions before jumping into a model.</a:t>
+          </a:r>
+        </a:p>
+      </dgm:t>
+    </dgm:pt>
+    <dgm:pt modelId="{40E5CD73-D465-4D6D-9B96-68411E90B11E}" type="parTrans" cxnId="{020B934C-E00C-4268-BA74-944FA83140F1}">
+      <dgm:prSet/>
+      <dgm:spPr/>
+      <dgm:t>
+        <a:bodyPr/>
+        <a:lstStyle/>
+        <a:p>
+          <a:endParaRPr lang="en-US"/>
+        </a:p>
+      </dgm:t>
+    </dgm:pt>
+    <dgm:pt modelId="{603083C2-E885-4415-8CBF-799376457A60}" type="sibTrans" cxnId="{020B934C-E00C-4268-BA74-944FA83140F1}">
+      <dgm:prSet/>
+      <dgm:spPr/>
+      <dgm:t>
+        <a:bodyPr/>
+        <a:lstStyle/>
+        <a:p>
+          <a:endParaRPr lang="en-US"/>
+        </a:p>
+      </dgm:t>
+    </dgm:pt>
+    <dgm:pt modelId="{9301BD1E-0458-4460-892D-730F0D13FFBD}">
+      <dgm:prSet/>
+      <dgm:spPr/>
+      <dgm:t>
+        <a:bodyPr/>
+        <a:lstStyle/>
+        <a:p>
+          <a:r>
+            <a:rPr lang="en-US" dirty="0"/>
+            <a:t>It would be the most optimal to have multiple datasets like ours to test for drug persistency. If we had this, we could:</a:t>
+          </a:r>
+        </a:p>
+      </dgm:t>
+    </dgm:pt>
+    <dgm:pt modelId="{F1ABB60A-01C0-4CE1-ACAC-B17D6049D69B}" type="parTrans" cxnId="{355A531D-C9DF-4112-8463-E7B35FFB2984}">
+      <dgm:prSet/>
+      <dgm:spPr/>
+      <dgm:t>
+        <a:bodyPr/>
+        <a:lstStyle/>
+        <a:p>
+          <a:endParaRPr lang="en-US"/>
+        </a:p>
+      </dgm:t>
+    </dgm:pt>
+    <dgm:pt modelId="{34522158-93BF-4E29-BD76-53F12D3F5773}" type="sibTrans" cxnId="{355A531D-C9DF-4112-8463-E7B35FFB2984}">
+      <dgm:prSet/>
+      <dgm:spPr/>
+      <dgm:t>
+        <a:bodyPr/>
+        <a:lstStyle/>
+        <a:p>
+          <a:endParaRPr lang="en-US"/>
+        </a:p>
+      </dgm:t>
+    </dgm:pt>
+    <dgm:pt modelId="{AA0BBE92-EFC0-45B4-8371-91BDF6A65BE9}">
+      <dgm:prSet/>
+      <dgm:spPr/>
+      <dgm:t>
+        <a:bodyPr/>
+        <a:lstStyle/>
+        <a:p>
+          <a:r>
+            <a:rPr lang="en-US" dirty="0"/>
+            <a:t>Implement more sophisticated classification algorithms.</a:t>
+          </a:r>
+        </a:p>
+      </dgm:t>
+    </dgm:pt>
+    <dgm:pt modelId="{B2DB70B3-4126-4DCB-9A4B-C82BF522A932}" type="parTrans" cxnId="{F0152063-5224-41CB-820D-38D726271D63}">
+      <dgm:prSet/>
+      <dgm:spPr/>
+      <dgm:t>
+        <a:bodyPr/>
+        <a:lstStyle/>
+        <a:p>
+          <a:endParaRPr lang="en-US"/>
+        </a:p>
+      </dgm:t>
+    </dgm:pt>
+    <dgm:pt modelId="{735A2143-4246-4601-8AD7-A34B71B5EF3A}" type="sibTrans" cxnId="{F0152063-5224-41CB-820D-38D726271D63}">
+      <dgm:prSet/>
+      <dgm:spPr/>
+      <dgm:t>
+        <a:bodyPr/>
+        <a:lstStyle/>
+        <a:p>
+          <a:endParaRPr lang="en-US"/>
+        </a:p>
+      </dgm:t>
+    </dgm:pt>
+    <dgm:pt modelId="{9B7A173C-F887-41BE-978B-91AD584EEDCE}">
+      <dgm:prSet/>
+      <dgm:spPr/>
+      <dgm:t>
+        <a:bodyPr/>
+        <a:lstStyle/>
+        <a:p>
+          <a:r>
+            <a:rPr lang="en-US" dirty="0"/>
+            <a:t>Implement boosting models i.e., discrete AdaBoost would be a strong choice as it deals with binary classification problems.</a:t>
+          </a:r>
+        </a:p>
+      </dgm:t>
+    </dgm:pt>
+    <dgm:pt modelId="{FE8BDBDB-71EF-4DCE-AFA0-2D91476BF188}" type="parTrans" cxnId="{9241348A-3195-4FDF-ABC0-27BC0FFF47A4}">
+      <dgm:prSet/>
+      <dgm:spPr/>
+      <dgm:t>
+        <a:bodyPr/>
+        <a:lstStyle/>
+        <a:p>
+          <a:endParaRPr lang="en-US"/>
+        </a:p>
+      </dgm:t>
+    </dgm:pt>
+    <dgm:pt modelId="{EBBDFD90-4CB6-45D9-B4EB-3C66B644278E}" type="sibTrans" cxnId="{9241348A-3195-4FDF-ABC0-27BC0FFF47A4}">
+      <dgm:prSet/>
+      <dgm:spPr/>
+      <dgm:t>
+        <a:bodyPr/>
+        <a:lstStyle/>
+        <a:p>
+          <a:endParaRPr lang="en-US"/>
+        </a:p>
+      </dgm:t>
+    </dgm:pt>
+    <dgm:pt modelId="{EE8A7A94-0EF7-41DE-867D-5765FF79B566}">
+      <dgm:prSet/>
+      <dgm:spPr/>
+      <dgm:t>
+        <a:bodyPr/>
+        <a:lstStyle/>
+        <a:p>
+          <a:r>
+            <a:rPr lang="en-US" dirty="0"/>
+            <a:t>Implemented a logarithmic model and compared the results with the ones obtained from the multivariate polynomial regression model.</a:t>
+          </a:r>
+        </a:p>
+      </dgm:t>
+    </dgm:pt>
+    <dgm:pt modelId="{F838DE1C-4AC8-4859-928E-1B6E9BD59DDF}" type="parTrans" cxnId="{9BFC1976-BD73-4353-A2BF-9ABCF915B2C0}">
+      <dgm:prSet/>
+      <dgm:spPr/>
+      <dgm:t>
+        <a:bodyPr/>
+        <a:lstStyle/>
+        <a:p>
+          <a:endParaRPr lang="en-US"/>
+        </a:p>
+      </dgm:t>
+    </dgm:pt>
+    <dgm:pt modelId="{6F1C937A-08C9-49A1-8EE7-3155C6C0FDC4}" type="sibTrans" cxnId="{9BFC1976-BD73-4353-A2BF-9ABCF915B2C0}">
+      <dgm:prSet/>
+      <dgm:spPr/>
+      <dgm:t>
+        <a:bodyPr/>
+        <a:lstStyle/>
+        <a:p>
+          <a:endParaRPr lang="en-US"/>
+        </a:p>
+      </dgm:t>
+    </dgm:pt>
+    <dgm:pt modelId="{16967BA3-56CA-4919-8779-4DDBFE42BBB4}" type="pres">
+      <dgm:prSet presAssocID="{8FE38F04-7A0D-45BB-A753-EAF6BB383CB9}" presName="linear" presStyleCnt="0">
+        <dgm:presLayoutVars>
+          <dgm:animLvl val="lvl"/>
+          <dgm:resizeHandles val="exact"/>
+        </dgm:presLayoutVars>
+      </dgm:prSet>
+      <dgm:spPr/>
+    </dgm:pt>
+    <dgm:pt modelId="{105473DF-FC8C-44C8-8F35-BC3462CC9340}" type="pres">
+      <dgm:prSet presAssocID="{0669E256-C843-4707-B14F-A04020CC68B4}" presName="parentText" presStyleLbl="node1" presStyleIdx="0" presStyleCnt="2">
+        <dgm:presLayoutVars>
+          <dgm:chMax val="0"/>
+          <dgm:bulletEnabled val="1"/>
+        </dgm:presLayoutVars>
+      </dgm:prSet>
+      <dgm:spPr/>
+    </dgm:pt>
+    <dgm:pt modelId="{6A5A938F-E653-4621-AB10-2FB802FEDFF5}" type="pres">
+      <dgm:prSet presAssocID="{0669E256-C843-4707-B14F-A04020CC68B4}" presName="childText" presStyleLbl="revTx" presStyleIdx="0" presStyleCnt="2">
+        <dgm:presLayoutVars>
+          <dgm:bulletEnabled val="1"/>
+        </dgm:presLayoutVars>
+      </dgm:prSet>
+      <dgm:spPr/>
+    </dgm:pt>
+    <dgm:pt modelId="{27FE9BEC-6B9F-4F55-BC72-2989D4A437A4}" type="pres">
+      <dgm:prSet presAssocID="{9301BD1E-0458-4460-892D-730F0D13FFBD}" presName="parentText" presStyleLbl="node1" presStyleIdx="1" presStyleCnt="2">
+        <dgm:presLayoutVars>
+          <dgm:chMax val="0"/>
+          <dgm:bulletEnabled val="1"/>
+        </dgm:presLayoutVars>
+      </dgm:prSet>
+      <dgm:spPr/>
+    </dgm:pt>
+    <dgm:pt modelId="{DD29941F-2F69-4F3A-ADE1-90CAE99F4A50}" type="pres">
+      <dgm:prSet presAssocID="{9301BD1E-0458-4460-892D-730F0D13FFBD}" presName="childText" presStyleLbl="revTx" presStyleIdx="1" presStyleCnt="2">
+        <dgm:presLayoutVars>
+          <dgm:bulletEnabled val="1"/>
+        </dgm:presLayoutVars>
+      </dgm:prSet>
+      <dgm:spPr/>
+    </dgm:pt>
+  </dgm:ptLst>
+  <dgm:cxnLst>
+    <dgm:cxn modelId="{3736061A-C36B-4D0E-BA79-311E5585E2AC}" type="presOf" srcId="{0669E256-C843-4707-B14F-A04020CC68B4}" destId="{105473DF-FC8C-44C8-8F35-BC3462CC9340}" srcOrd="0" destOrd="0" presId="urn:microsoft.com/office/officeart/2005/8/layout/vList2"/>
+    <dgm:cxn modelId="{355A531D-C9DF-4112-8463-E7B35FFB2984}" srcId="{8FE38F04-7A0D-45BB-A753-EAF6BB383CB9}" destId="{9301BD1E-0458-4460-892D-730F0D13FFBD}" srcOrd="1" destOrd="0" parTransId="{F1ABB60A-01C0-4CE1-ACAC-B17D6049D69B}" sibTransId="{34522158-93BF-4E29-BD76-53F12D3F5773}"/>
+    <dgm:cxn modelId="{55281825-C491-405A-9E94-A2CC42968F78}" type="presOf" srcId="{C8F55169-1456-4769-8E97-BA80735966C7}" destId="{6A5A938F-E653-4621-AB10-2FB802FEDFF5}" srcOrd="0" destOrd="1" presId="urn:microsoft.com/office/officeart/2005/8/layout/vList2"/>
+    <dgm:cxn modelId="{75E6F42E-D311-4AF4-AFFF-9CBBF195DCE4}" type="presOf" srcId="{EE8A7A94-0EF7-41DE-867D-5765FF79B566}" destId="{6A5A938F-E653-4621-AB10-2FB802FEDFF5}" srcOrd="0" destOrd="2" presId="urn:microsoft.com/office/officeart/2005/8/layout/vList2"/>
+    <dgm:cxn modelId="{9FEC222F-B1A7-49CB-88DA-4C9061312338}" type="presOf" srcId="{9B7A173C-F887-41BE-978B-91AD584EEDCE}" destId="{DD29941F-2F69-4F3A-ADE1-90CAE99F4A50}" srcOrd="0" destOrd="1" presId="urn:microsoft.com/office/officeart/2005/8/layout/vList2"/>
+    <dgm:cxn modelId="{0AA1A95E-D69C-4BB0-95DD-0F87D3FA5C81}" type="presOf" srcId="{9301BD1E-0458-4460-892D-730F0D13FFBD}" destId="{27FE9BEC-6B9F-4F55-BC72-2989D4A437A4}" srcOrd="0" destOrd="0" presId="urn:microsoft.com/office/officeart/2005/8/layout/vList2"/>
+    <dgm:cxn modelId="{F0152063-5224-41CB-820D-38D726271D63}" srcId="{9301BD1E-0458-4460-892D-730F0D13FFBD}" destId="{AA0BBE92-EFC0-45B4-8371-91BDF6A65BE9}" srcOrd="0" destOrd="0" parTransId="{B2DB70B3-4126-4DCB-9A4B-C82BF522A932}" sibTransId="{735A2143-4246-4601-8AD7-A34B71B5EF3A}"/>
+    <dgm:cxn modelId="{AB3B7368-2C73-4C38-A0D9-42C3699C0F14}" type="presOf" srcId="{AA0BBE92-EFC0-45B4-8371-91BDF6A65BE9}" destId="{DD29941F-2F69-4F3A-ADE1-90CAE99F4A50}" srcOrd="0" destOrd="0" presId="urn:microsoft.com/office/officeart/2005/8/layout/vList2"/>
+    <dgm:cxn modelId="{020B934C-E00C-4268-BA74-944FA83140F1}" srcId="{0669E256-C843-4707-B14F-A04020CC68B4}" destId="{C8F55169-1456-4769-8E97-BA80735966C7}" srcOrd="1" destOrd="0" parTransId="{40E5CD73-D465-4D6D-9B96-68411E90B11E}" sibTransId="{603083C2-E885-4415-8CBF-799376457A60}"/>
+    <dgm:cxn modelId="{9BFC1976-BD73-4353-A2BF-9ABCF915B2C0}" srcId="{0669E256-C843-4707-B14F-A04020CC68B4}" destId="{EE8A7A94-0EF7-41DE-867D-5765FF79B566}" srcOrd="2" destOrd="0" parTransId="{F838DE1C-4AC8-4859-928E-1B6E9BD59DDF}" sibTransId="{6F1C937A-08C9-49A1-8EE7-3155C6C0FDC4}"/>
+    <dgm:cxn modelId="{9241348A-3195-4FDF-ABC0-27BC0FFF47A4}" srcId="{9301BD1E-0458-4460-892D-730F0D13FFBD}" destId="{9B7A173C-F887-41BE-978B-91AD584EEDCE}" srcOrd="1" destOrd="0" parTransId="{FE8BDBDB-71EF-4DCE-AFA0-2D91476BF188}" sibTransId="{EBBDFD90-4CB6-45D9-B4EB-3C66B644278E}"/>
+    <dgm:cxn modelId="{D9B59597-3207-4D68-8AD5-0A6EEA29E8D7}" type="presOf" srcId="{8FE38F04-7A0D-45BB-A753-EAF6BB383CB9}" destId="{16967BA3-56CA-4919-8779-4DDBFE42BBB4}" srcOrd="0" destOrd="0" presId="urn:microsoft.com/office/officeart/2005/8/layout/vList2"/>
+    <dgm:cxn modelId="{095D35AE-021E-48D7-9173-E95930176A3D}" type="presOf" srcId="{39D2FC60-7B4F-4116-A654-5CA63F83B8F4}" destId="{6A5A938F-E653-4621-AB10-2FB802FEDFF5}" srcOrd="0" destOrd="0" presId="urn:microsoft.com/office/officeart/2005/8/layout/vList2"/>
+    <dgm:cxn modelId="{B3862CCD-2D21-481E-9889-B5DE0B5A9902}" srcId="{0669E256-C843-4707-B14F-A04020CC68B4}" destId="{39D2FC60-7B4F-4116-A654-5CA63F83B8F4}" srcOrd="0" destOrd="0" parTransId="{EAEC2E7E-0823-4D5F-843E-65532F2A59E7}" sibTransId="{39213534-A639-4EC3-9028-8141F90AE736}"/>
+    <dgm:cxn modelId="{EC4759D2-E527-4C10-91A1-D9A76063E5C0}" srcId="{8FE38F04-7A0D-45BB-A753-EAF6BB383CB9}" destId="{0669E256-C843-4707-B14F-A04020CC68B4}" srcOrd="0" destOrd="0" parTransId="{6794EDF6-0F2E-47AC-9E46-B43945622459}" sibTransId="{513FAFBA-42B1-4F5F-A535-908B91D79C14}"/>
+    <dgm:cxn modelId="{712BF62F-D000-43D2-A191-15E87A6952A1}" type="presParOf" srcId="{16967BA3-56CA-4919-8779-4DDBFE42BBB4}" destId="{105473DF-FC8C-44C8-8F35-BC3462CC9340}" srcOrd="0" destOrd="0" presId="urn:microsoft.com/office/officeart/2005/8/layout/vList2"/>
+    <dgm:cxn modelId="{9AEAAC40-E9FA-4058-A9E2-3D9351C3739B}" type="presParOf" srcId="{16967BA3-56CA-4919-8779-4DDBFE42BBB4}" destId="{6A5A938F-E653-4621-AB10-2FB802FEDFF5}" srcOrd="1" destOrd="0" presId="urn:microsoft.com/office/officeart/2005/8/layout/vList2"/>
+    <dgm:cxn modelId="{FCAF7AE5-7297-462E-ACBF-97D076029FCD}" type="presParOf" srcId="{16967BA3-56CA-4919-8779-4DDBFE42BBB4}" destId="{27FE9BEC-6B9F-4F55-BC72-2989D4A437A4}" srcOrd="2" destOrd="0" presId="urn:microsoft.com/office/officeart/2005/8/layout/vList2"/>
+    <dgm:cxn modelId="{575AF4AC-2A38-40BD-BEA0-40ED2F4BFB4C}" type="presParOf" srcId="{16967BA3-56CA-4919-8779-4DDBFE42BBB4}" destId="{DD29941F-2F69-4F3A-ADE1-90CAE99F4A50}" srcOrd="3" destOrd="0" presId="urn:microsoft.com/office/officeart/2005/8/layout/vList2"/>
+  </dgm:cxnLst>
+  <dgm:bg/>
+  <dgm:whole/>
+  <dgm:extLst>
+    <a:ext uri="http://schemas.microsoft.com/office/drawing/2008/diagram">
+      <dsp:dataModelExt xmlns:dsp="http://schemas.microsoft.com/office/drawing/2008/diagram" relId="rId7" minVer="http://schemas.openxmlformats.org/drawingml/2006/diagram"/>
+    </a:ext>
+  </dgm:extLst>
+</dgm:dataModel>
+</file>
+
+<file path=ppt/diagrams/drawing1.xml><?xml version="1.0" encoding="utf-8"?>
+<dsp:drawing xmlns:dgm="http://schemas.openxmlformats.org/drawingml/2006/diagram" xmlns:dsp="http://schemas.microsoft.com/office/drawing/2008/diagram" xmlns:a="http://schemas.openxmlformats.org/drawingml/2006/main">
+  <dsp:spTree>
+    <dsp:nvGrpSpPr>
+      <dsp:cNvPr id="0" name=""/>
+      <dsp:cNvGrpSpPr/>
+    </dsp:nvGrpSpPr>
+    <dsp:grpSpPr/>
+    <dsp:sp modelId="{105473DF-FC8C-44C8-8F35-BC3462CC9340}">
+      <dsp:nvSpPr>
+        <dsp:cNvPr id="0" name=""/>
+        <dsp:cNvSpPr/>
+      </dsp:nvSpPr>
+      <dsp:spPr>
+        <a:xfrm>
+          <a:off x="0" y="62109"/>
+          <a:ext cx="6586489" cy="795600"/>
+        </a:xfrm>
+        <a:prstGeom prst="roundRect">
+          <a:avLst/>
+        </a:prstGeom>
+        <a:solidFill>
+          <a:schemeClr val="accent2">
+            <a:hueOff val="0"/>
+            <a:satOff val="0"/>
+            <a:lumOff val="0"/>
+            <a:alphaOff val="0"/>
+          </a:schemeClr>
+        </a:solidFill>
+        <a:ln w="12700" cap="flat" cmpd="sng" algn="ctr">
+          <a:solidFill>
+            <a:schemeClr val="lt1">
+              <a:hueOff val="0"/>
+              <a:satOff val="0"/>
+              <a:lumOff val="0"/>
+              <a:alphaOff val="0"/>
+            </a:schemeClr>
+          </a:solidFill>
+          <a:prstDash val="solid"/>
+          <a:miter lim="800000"/>
+        </a:ln>
+        <a:effectLst/>
+      </dsp:spPr>
+      <dsp:style>
+        <a:lnRef idx="2">
+          <a:scrgbClr r="0" g="0" b="0"/>
+        </a:lnRef>
+        <a:fillRef idx="1">
+          <a:scrgbClr r="0" g="0" b="0"/>
+        </a:fillRef>
+        <a:effectRef idx="0">
+          <a:scrgbClr r="0" g="0" b="0"/>
+        </a:effectRef>
+        <a:fontRef idx="minor">
+          <a:schemeClr val="lt1"/>
+        </a:fontRef>
+      </dsp:style>
+      <dsp:txBody>
+        <a:bodyPr spcFirstLastPara="0" vert="horz" wrap="square" lIns="76200" tIns="76200" rIns="76200" bIns="76200" numCol="1" spcCol="1270" anchor="ctr" anchorCtr="0">
+          <a:noAutofit/>
+        </a:bodyPr>
+        <a:lstStyle/>
+        <a:p>
+          <a:pPr marL="0" lvl="0" indent="0" algn="l" defTabSz="889000">
+            <a:lnSpc>
+              <a:spcPct val="90000"/>
+            </a:lnSpc>
+            <a:spcBef>
+              <a:spcPct val="0"/>
+            </a:spcBef>
+            <a:spcAft>
+              <a:spcPct val="35000"/>
+            </a:spcAft>
+            <a:buNone/>
+          </a:pPr>
+          <a:r>
+            <a:rPr lang="en-US" sz="2000" kern="1200" dirty="0"/>
+            <a:t>If I were to repeat this project, this is what I would have done differently:</a:t>
+          </a:r>
+        </a:p>
+      </dsp:txBody>
+      <dsp:txXfrm>
+        <a:off x="38838" y="100947"/>
+        <a:ext cx="6508813" cy="717924"/>
+      </dsp:txXfrm>
+    </dsp:sp>
+    <dsp:sp modelId="{6A5A938F-E653-4621-AB10-2FB802FEDFF5}">
+      <dsp:nvSpPr>
+        <dsp:cNvPr id="0" name=""/>
+        <dsp:cNvSpPr/>
+      </dsp:nvSpPr>
+      <dsp:spPr>
+        <a:xfrm>
+          <a:off x="0" y="857709"/>
+          <a:ext cx="6586489" cy="1283400"/>
+        </a:xfrm>
+        <a:prstGeom prst="rect">
+          <a:avLst/>
+        </a:prstGeom>
+        <a:noFill/>
+        <a:ln>
+          <a:noFill/>
+        </a:ln>
+        <a:effectLst/>
+      </dsp:spPr>
+      <dsp:style>
+        <a:lnRef idx="0">
+          <a:scrgbClr r="0" g="0" b="0"/>
+        </a:lnRef>
+        <a:fillRef idx="0">
+          <a:scrgbClr r="0" g="0" b="0"/>
+        </a:fillRef>
+        <a:effectRef idx="0">
+          <a:scrgbClr r="0" g="0" b="0"/>
+        </a:effectRef>
+        <a:fontRef idx="minor"/>
+      </dsp:style>
+      <dsp:txBody>
+        <a:bodyPr spcFirstLastPara="0" vert="horz" wrap="square" lIns="209121" tIns="25400" rIns="142240" bIns="25400" numCol="1" spcCol="1270" anchor="t" anchorCtr="0">
+          <a:noAutofit/>
+        </a:bodyPr>
+        <a:lstStyle/>
+        <a:p>
+          <a:pPr marL="171450" lvl="1" indent="-171450" algn="l" defTabSz="711200">
+            <a:lnSpc>
+              <a:spcPct val="90000"/>
+            </a:lnSpc>
+            <a:spcBef>
+              <a:spcPct val="0"/>
+            </a:spcBef>
+            <a:spcAft>
+              <a:spcPct val="20000"/>
+            </a:spcAft>
+            <a:buChar char="•"/>
+          </a:pPr>
+          <a:r>
+            <a:rPr lang="en-US" sz="1600" kern="1200" dirty="0"/>
+            <a:t>Conducted my quantitative data analysis after transforming my dataset (consisting of mostly categorical data) into numerical values.</a:t>
+          </a:r>
+        </a:p>
+        <a:p>
+          <a:pPr marL="171450" lvl="1" indent="-171450" algn="l" defTabSz="711200">
+            <a:lnSpc>
+              <a:spcPct val="90000"/>
+            </a:lnSpc>
+            <a:spcBef>
+              <a:spcPct val="0"/>
+            </a:spcBef>
+            <a:spcAft>
+              <a:spcPct val="20000"/>
+            </a:spcAft>
+            <a:buChar char="•"/>
+          </a:pPr>
+          <a:r>
+            <a:rPr lang="en-US" sz="1600" kern="1200" dirty="0"/>
+            <a:t>Tested out assumptions before jumping into a model.</a:t>
+          </a:r>
+        </a:p>
+        <a:p>
+          <a:pPr marL="171450" lvl="1" indent="-171450" algn="l" defTabSz="711200">
+            <a:lnSpc>
+              <a:spcPct val="90000"/>
+            </a:lnSpc>
+            <a:spcBef>
+              <a:spcPct val="0"/>
+            </a:spcBef>
+            <a:spcAft>
+              <a:spcPct val="20000"/>
+            </a:spcAft>
+            <a:buChar char="•"/>
+          </a:pPr>
+          <a:r>
+            <a:rPr lang="en-US" sz="1600" kern="1200" dirty="0"/>
+            <a:t>Implemented a logarithmic model and compared the results with the ones obtained from the multivariate polynomial regression model.</a:t>
+          </a:r>
+        </a:p>
+      </dsp:txBody>
+      <dsp:txXfrm>
+        <a:off x="0" y="857709"/>
+        <a:ext cx="6586489" cy="1283400"/>
+      </dsp:txXfrm>
+    </dsp:sp>
+    <dsp:sp modelId="{27FE9BEC-6B9F-4F55-BC72-2989D4A437A4}">
+      <dsp:nvSpPr>
+        <dsp:cNvPr id="0" name=""/>
+        <dsp:cNvSpPr/>
+      </dsp:nvSpPr>
+      <dsp:spPr>
+        <a:xfrm>
+          <a:off x="0" y="2141109"/>
+          <a:ext cx="6586489" cy="795600"/>
+        </a:xfrm>
+        <a:prstGeom prst="roundRect">
+          <a:avLst/>
+        </a:prstGeom>
+        <a:solidFill>
+          <a:schemeClr val="accent2">
+            <a:hueOff val="-1455363"/>
+            <a:satOff val="-83928"/>
+            <a:lumOff val="8628"/>
+            <a:alphaOff val="0"/>
+          </a:schemeClr>
+        </a:solidFill>
+        <a:ln w="12700" cap="flat" cmpd="sng" algn="ctr">
+          <a:solidFill>
+            <a:schemeClr val="lt1">
+              <a:hueOff val="0"/>
+              <a:satOff val="0"/>
+              <a:lumOff val="0"/>
+              <a:alphaOff val="0"/>
+            </a:schemeClr>
+          </a:solidFill>
+          <a:prstDash val="solid"/>
+          <a:miter lim="800000"/>
+        </a:ln>
+        <a:effectLst/>
+      </dsp:spPr>
+      <dsp:style>
+        <a:lnRef idx="2">
+          <a:scrgbClr r="0" g="0" b="0"/>
+        </a:lnRef>
+        <a:fillRef idx="1">
+          <a:scrgbClr r="0" g="0" b="0"/>
+        </a:fillRef>
+        <a:effectRef idx="0">
+          <a:scrgbClr r="0" g="0" b="0"/>
+        </a:effectRef>
+        <a:fontRef idx="minor">
+          <a:schemeClr val="lt1"/>
+        </a:fontRef>
+      </dsp:style>
+      <dsp:txBody>
+        <a:bodyPr spcFirstLastPara="0" vert="horz" wrap="square" lIns="76200" tIns="76200" rIns="76200" bIns="76200" numCol="1" spcCol="1270" anchor="ctr" anchorCtr="0">
+          <a:noAutofit/>
+        </a:bodyPr>
+        <a:lstStyle/>
+        <a:p>
+          <a:pPr marL="0" lvl="0" indent="0" algn="l" defTabSz="889000">
+            <a:lnSpc>
+              <a:spcPct val="90000"/>
+            </a:lnSpc>
+            <a:spcBef>
+              <a:spcPct val="0"/>
+            </a:spcBef>
+            <a:spcAft>
+              <a:spcPct val="35000"/>
+            </a:spcAft>
+            <a:buNone/>
+          </a:pPr>
+          <a:r>
+            <a:rPr lang="en-US" sz="2000" kern="1200" dirty="0"/>
+            <a:t>It would be the most optimal to have multiple datasets like ours to test for drug persistency. If we had this, we could:</a:t>
+          </a:r>
+        </a:p>
+      </dsp:txBody>
+      <dsp:txXfrm>
+        <a:off x="38838" y="2179947"/>
+        <a:ext cx="6508813" cy="717924"/>
+      </dsp:txXfrm>
+    </dsp:sp>
+    <dsp:sp modelId="{DD29941F-2F69-4F3A-ADE1-90CAE99F4A50}">
+      <dsp:nvSpPr>
+        <dsp:cNvPr id="0" name=""/>
+        <dsp:cNvSpPr/>
+      </dsp:nvSpPr>
+      <dsp:spPr>
+        <a:xfrm>
+          <a:off x="0" y="2936709"/>
+          <a:ext cx="6586489" cy="786599"/>
+        </a:xfrm>
+        <a:prstGeom prst="rect">
+          <a:avLst/>
+        </a:prstGeom>
+        <a:noFill/>
+        <a:ln>
+          <a:noFill/>
+        </a:ln>
+        <a:effectLst/>
+      </dsp:spPr>
+      <dsp:style>
+        <a:lnRef idx="0">
+          <a:scrgbClr r="0" g="0" b="0"/>
+        </a:lnRef>
+        <a:fillRef idx="0">
+          <a:scrgbClr r="0" g="0" b="0"/>
+        </a:fillRef>
+        <a:effectRef idx="0">
+          <a:scrgbClr r="0" g="0" b="0"/>
+        </a:effectRef>
+        <a:fontRef idx="minor"/>
+      </dsp:style>
+      <dsp:txBody>
+        <a:bodyPr spcFirstLastPara="0" vert="horz" wrap="square" lIns="209121" tIns="25400" rIns="142240" bIns="25400" numCol="1" spcCol="1270" anchor="t" anchorCtr="0">
+          <a:noAutofit/>
+        </a:bodyPr>
+        <a:lstStyle/>
+        <a:p>
+          <a:pPr marL="171450" lvl="1" indent="-171450" algn="l" defTabSz="711200">
+            <a:lnSpc>
+              <a:spcPct val="90000"/>
+            </a:lnSpc>
+            <a:spcBef>
+              <a:spcPct val="0"/>
+            </a:spcBef>
+            <a:spcAft>
+              <a:spcPct val="20000"/>
+            </a:spcAft>
+            <a:buChar char="•"/>
+          </a:pPr>
+          <a:r>
+            <a:rPr lang="en-US" sz="1600" kern="1200" dirty="0"/>
+            <a:t>Implement more sophisticated classification algorithms.</a:t>
+          </a:r>
+        </a:p>
+        <a:p>
+          <a:pPr marL="171450" lvl="1" indent="-171450" algn="l" defTabSz="711200">
+            <a:lnSpc>
+              <a:spcPct val="90000"/>
+            </a:lnSpc>
+            <a:spcBef>
+              <a:spcPct val="0"/>
+            </a:spcBef>
+            <a:spcAft>
+              <a:spcPct val="20000"/>
+            </a:spcAft>
+            <a:buChar char="•"/>
+          </a:pPr>
+          <a:r>
+            <a:rPr lang="en-US" sz="1600" kern="1200" dirty="0"/>
+            <a:t>Implement boosting models i.e., discrete AdaBoost would be a strong choice as it deals with binary classification problems.</a:t>
+          </a:r>
+        </a:p>
+      </dsp:txBody>
+      <dsp:txXfrm>
+        <a:off x="0" y="2936709"/>
+        <a:ext cx="6586489" cy="786599"/>
+      </dsp:txXfrm>
+    </dsp:sp>
+  </dsp:spTree>
+</dsp:drawing>
+</file>
+
+<file path=ppt/diagrams/layout1.xml><?xml version="1.0" encoding="utf-8"?>
+<dgm:layoutDef xmlns:dgm="http://schemas.openxmlformats.org/drawingml/2006/diagram" xmlns:a="http://schemas.openxmlformats.org/drawingml/2006/main" uniqueId="urn:microsoft.com/office/officeart/2005/8/layout/vList2">
+  <dgm:title val=""/>
+  <dgm:desc val=""/>
+  <dgm:catLst>
+    <dgm:cat type="list" pri="3000"/>
+    <dgm:cat type="convert" pri="1000"/>
+  </dgm:catLst>
+  <dgm:sampData>
+    <dgm:dataModel>
+      <dgm:ptLst>
+        <dgm:pt modelId="0" type="doc"/>
+        <dgm:pt modelId="1">
+          <dgm:prSet phldr="1"/>
+        </dgm:pt>
+        <dgm:pt modelId="11">
+          <dgm:prSet phldr="1"/>
+        </dgm:pt>
+        <dgm:pt modelId="2">
+          <dgm:prSet phldr="1"/>
+        </dgm:pt>
+        <dgm:pt modelId="21">
+          <dgm:prSet phldr="1"/>
+        </dgm:pt>
+      </dgm:ptLst>
+      <dgm:cxnLst>
+        <dgm:cxn modelId="4" srcId="0" destId="1" srcOrd="0" destOrd="0"/>
+        <dgm:cxn modelId="5" srcId="0" destId="2" srcOrd="1" destOrd="0"/>
+        <dgm:cxn modelId="12" srcId="1" destId="11" srcOrd="0" destOrd="0"/>
+        <dgm:cxn modelId="23" srcId="2" destId="21" srcOrd="0" destOrd="0"/>
+      </dgm:cxnLst>
+      <dgm:bg/>
+      <dgm:whole/>
+    </dgm:dataModel>
+  </dgm:sampData>
+  <dgm:styleData>
+    <dgm:dataModel>
+      <dgm:ptLst>
+        <dgm:pt modelId="0" type="doc"/>
+        <dgm:pt modelId="1"/>
+        <dgm:pt modelId="2"/>
+      </dgm:ptLst>
+      <dgm:cxnLst>
+        <dgm:cxn modelId="3" srcId="0" destId="1" srcOrd="0" destOrd="0"/>
+        <dgm:cxn modelId="4" srcId="0" destId="2" srcOrd="1" destOrd="0"/>
+      </dgm:cxnLst>
+      <dgm:bg/>
+      <dgm:whole/>
+    </dgm:dataModel>
+  </dgm:styleData>
+  <dgm:clrData>
+    <dgm:dataModel>
+      <dgm:ptLst>
+        <dgm:pt modelId="0" type="doc"/>
+        <dgm:pt modelId="1"/>
+        <dgm:pt modelId="2"/>
+        <dgm:pt modelId="3"/>
+        <dgm:pt modelId="4"/>
+      </dgm:ptLst>
+      <dgm:cxnLst>
+        <dgm:cxn modelId="5" srcId="0" destId="1" srcOrd="0" destOrd="0"/>
+        <dgm:cxn modelId="6" srcId="0" destId="2" srcOrd="1" destOrd="0"/>
+        <dgm:cxn modelId="7" srcId="0" destId="3" srcOrd="2" destOrd="0"/>
+        <dgm:cxn modelId="8" srcId="0" destId="4" srcOrd="3" destOrd="0"/>
+      </dgm:cxnLst>
+      <dgm:bg/>
+      <dgm:whole/>
+    </dgm:dataModel>
+  </dgm:clrData>
+  <dgm:layoutNode name="linear">
+    <dgm:varLst>
+      <dgm:animLvl val="lvl"/>
+      <dgm:resizeHandles val="exact"/>
+    </dgm:varLst>
+    <dgm:alg type="lin">
+      <dgm:param type="linDir" val="fromT"/>
+      <dgm:param type="vertAlign" val="mid"/>
+    </dgm:alg>
+    <dgm:shape xmlns:r="http://schemas.openxmlformats.org/officeDocument/2006/relationships" r:blip="">
+      <dgm:adjLst/>
+    </dgm:shape>
+    <dgm:presOf/>
+    <dgm:constrLst>
+      <dgm:constr type="w" for="ch" forName="parentText" refType="w"/>
+      <dgm:constr type="h" for="ch" forName="parentText" refType="primFontSz" refFor="ch" refForName="parentText" fact="0.52"/>
+      <dgm:constr type="w" for="ch" forName="childText" refType="w"/>
+      <dgm:constr type="h" for="ch" forName="childText" refType="primFontSz" refFor="ch" refForName="parentText" fact="0.46"/>
+      <dgm:constr type="h" for="ch" forName="parentText" op="equ"/>
+      <dgm:constr type="primFontSz" for="ch" forName="parentText" op="equ" val="65"/>
+      <dgm:constr type="primFontSz" for="ch" forName="childText" refType="primFontSz" refFor="ch" refForName="parentText" op="equ"/>
+      <dgm:constr type="h" for="ch" forName="spacer" refType="primFontSz" refFor="ch" refForName="parentText" fact="0.08"/>
+    </dgm:constrLst>
+    <dgm:ruleLst>
+      <dgm:rule type="primFontSz" for="ch" forName="parentText" val="5" fact="NaN" max="NaN"/>
+    </dgm:ruleLst>
+    <dgm:forEach name="Name0" axis="ch" ptType="node">
+      <dgm:layoutNode name="parentText" styleLbl="node1">
+        <dgm:varLst>
+          <dgm:chMax val="0"/>
+          <dgm:bulletEnabled val="1"/>
+        </dgm:varLst>
+        <dgm:alg type="tx">
+          <dgm:param type="parTxLTRAlign" val="l"/>
+          <dgm:param type="parTxRTLAlign" val="r"/>
+        </dgm:alg>
+        <dgm:shape xmlns:r="http://schemas.openxmlformats.org/officeDocument/2006/relationships" type="roundRect" r:blip="">
+          <dgm:adjLst/>
+        </dgm:shape>
+        <dgm:presOf axis="self"/>
+        <dgm:constrLst>
+          <dgm:constr type="tMarg" refType="primFontSz" fact="0.3"/>
+          <dgm:constr type="bMarg" refType="primFontSz" fact="0.3"/>
+          <dgm:constr type="lMarg" refType="primFontSz" fact="0.3"/>
+          <dgm:constr type="rMarg" refType="primFontSz" fact="0.3"/>
+        </dgm:constrLst>
+        <dgm:ruleLst>
+          <dgm:rule type="h" val="INF" fact="NaN" max="NaN"/>
+        </dgm:ruleLst>
+      </dgm:layoutNode>
+      <dgm:choose name="Name1">
+        <dgm:if name="Name2" axis="ch" ptType="node" func="cnt" op="gte" val="1">
+          <dgm:layoutNode name="childText" styleLbl="revTx">
+            <dgm:varLst>
+              <dgm:bulletEnabled val="1"/>
+            </dgm:varLst>
+            <dgm:alg type="tx">
+              <dgm:param type="stBulletLvl" val="1"/>
+              <dgm:param type="lnSpAfChP" val="20"/>
+            </dgm:alg>
+            <dgm:shape xmlns:r="http://schemas.openxmlformats.org/officeDocument/2006/relationships" type="rect" r:blip="">
+              <dgm:adjLst/>
+            </dgm:shape>
+            <dgm:presOf axis="des" ptType="node"/>
+            <dgm:constrLst>
+              <dgm:constr type="tMarg" refType="primFontSz" fact="0.1"/>
+              <dgm:constr type="bMarg" refType="primFontSz" fact="0.1"/>
+              <dgm:constr type="lMarg" refType="w" fact="0.09"/>
+            </dgm:constrLst>
+            <dgm:ruleLst>
+              <dgm:rule type="h" val="INF" fact="NaN" max="NaN"/>
+            </dgm:ruleLst>
+          </dgm:layoutNode>
+        </dgm:if>
+        <dgm:else name="Name3">
+          <dgm:choose name="Name4">
+            <dgm:if name="Name5" axis="par ch" ptType="doc node" func="cnt" op="gte" val="2">
+              <dgm:forEach name="Name6" axis="followSib" ptType="sibTrans" cnt="1">
+                <dgm:layoutNode name="spacer">
+                  <dgm:alg type="sp"/>
+                  <dgm:shape xmlns:r="http://schemas.openxmlformats.org/officeDocument/2006/relationships" r:blip="">
+                    <dgm:adjLst/>
+                  </dgm:shape>
+                  <dgm:presOf/>
+                  <dgm:constrLst/>
+                  <dgm:ruleLst/>
+                </dgm:layoutNode>
+              </dgm:forEach>
+            </dgm:if>
+            <dgm:else name="Name7"/>
+          </dgm:choose>
+        </dgm:else>
+      </dgm:choose>
+    </dgm:forEach>
+  </dgm:layoutNode>
+</dgm:layoutDef>
+</file>
+
+<file path=ppt/diagrams/quickStyle1.xml><?xml version="1.0" encoding="utf-8"?>
+<dgm:styleDef xmlns:dgm="http://schemas.openxmlformats.org/drawingml/2006/diagram" xmlns:a="http://schemas.openxmlformats.org/drawingml/2006/main" uniqueId="urn:microsoft.com/office/officeart/2005/8/quickstyle/simple1">
+  <dgm:title val=""/>
+  <dgm:desc val=""/>
+  <dgm:catLst>
+    <dgm:cat type="simple" pri="10100"/>
+  </dgm:catLst>
+  <dgm:scene3d>
+    <a:camera prst="orthographicFront"/>
+    <a:lightRig rig="threePt" dir="t"/>
+  </dgm:scene3d>
+  <dgm:styleLbl name="node0">
+    <dgm:scene3d>
+      <a:camera prst="orthographicFront"/>
+      <a:lightRig rig="threePt" dir="t"/>
+    </dgm:scene3d>
+    <dgm:sp3d/>
+    <dgm:txPr/>
+    <dgm:style>
+      <a:lnRef idx="2">
+        <a:scrgbClr r="0" g="0" b="0"/>
+      </a:lnRef>
+      <a:fillRef idx="1">
+        <a:scrgbClr r="0" g="0" b="0"/>
+      </a:fillRef>
+      <a:effectRef idx="0">
+        <a:scrgbClr r="0" g="0" b="0"/>
+      </a:effectRef>
+      <a:fontRef idx="minor">
+        <a:schemeClr val="lt1"/>
+      </a:fontRef>
+    </dgm:style>
+  </dgm:styleLbl>
+  <dgm:styleLbl name="lnNode1">
+    <dgm:scene3d>
+      <a:camera prst="orthographicFront"/>
+      <a:lightRig rig="threePt" dir="t"/>
+    </dgm:scene3d>
+    <dgm:sp3d/>
+    <dgm:txPr/>
+    <dgm:style>
+      <a:lnRef idx="2">
+        <a:scrgbClr r="0" g="0" b="0"/>
+      </a:lnRef>
+      <a:fillRef idx="1">
+        <a:scrgbClr r="0" g="0" b="0"/>
+      </a:fillRef>
+      <a:effectRef idx="0">
+        <a:scrgbClr r="0" g="0" b="0"/>
+      </a:effectRef>
+      <a:fontRef idx="minor">
+        <a:schemeClr val="lt1"/>
+      </a:fontRef>
+    </dgm:style>
+  </dgm:styleLbl>
+  <dgm:styleLbl name="vennNode1">
+    <dgm:scene3d>
+      <a:camera prst="orthographicFront"/>
+      <a:lightRig rig="threePt" dir="t"/>
+    </dgm:scene3d>
+    <dgm:sp3d/>
+    <dgm:txPr/>
+    <dgm:style>
+      <a:lnRef idx="2">
+        <a:scrgbClr r="0" g="0" b="0"/>
+      </a:lnRef>
+      <a:fillRef idx="1">
+        <a:scrgbClr r="0" g="0" b="0"/>
+      </a:fillRef>
+      <a:effectRef idx="0">
+        <a:scrgbClr r="0" g="0" b="0"/>
+      </a:effectRef>
+      <a:fontRef idx="minor">
+        <a:schemeClr val="tx1"/>
+      </a:fontRef>
+    </dgm:style>
+  </dgm:styleLbl>
+  <dgm:styleLbl name="alignNode1">
+    <dgm:scene3d>
+      <a:camera prst="orthographicFront"/>
+      <a:lightRig rig="threePt" dir="t"/>
+    </dgm:scene3d>
+    <dgm:sp3d/>
+    <dgm:txPr/>
+    <dgm:style>
+      <a:lnRef idx="2">
+        <a:scrgbClr r="0" g="0" b="0"/>
+      </a:lnRef>
+      <a:fillRef idx="1">
+        <a:scrgbClr r="0" g="0" b="0"/>
+      </a:fillRef>
+      <a:effectRef idx="0">
+        <a:scrgbClr r="0" g="0" b="0"/>
+      </a:effectRef>
+      <a:fontRef idx="minor">
+        <a:schemeClr val="lt1"/>
+      </a:fontRef>
+    </dgm:style>
+  </dgm:styleLbl>
+  <dgm:styleLbl name="node1">
+    <dgm:scene3d>
+      <a:camera prst="orthographicFront"/>
+      <a:lightRig rig="threePt" dir="t"/>
+    </dgm:scene3d>
+    <dgm:sp3d/>
+    <dgm:txPr/>
+    <dgm:style>
+      <a:lnRef idx="2">
+        <a:scrgbClr r="0" g="0" b="0"/>
+      </a:lnRef>
+      <a:fillRef idx="1">
+        <a:scrgbClr r="0" g="0" b="0"/>
+      </a:fillRef>
+      <a:effectRef idx="0">
+        <a:scrgbClr r="0" g="0" b="0"/>
+      </a:effectRef>
+      <a:fontRef idx="minor">
+        <a:schemeClr val="lt1"/>
+      </a:fontRef>
+    </dgm:style>
+  </dgm:styleLbl>
+  <dgm:styleLbl name="node2">
+    <dgm:scene3d>
+      <a:camera prst="orthographicFront"/>
+      <a:lightRig rig="threePt" dir="t"/>
+    </dgm:scene3d>
+    <dgm:sp3d/>
+    <dgm:txPr/>
+    <dgm:style>
+      <a:lnRef idx="2">
+        <a:scrgbClr r="0" g="0" b="0"/>
+      </a:lnRef>
+      <a:fillRef idx="1">
+        <a:scrgbClr r="0" g="0" b="0"/>
+      </a:fillRef>
+      <a:effectRef idx="0">
+        <a:scrgbClr r="0" g="0" b="0"/>
+      </a:effectRef>
+      <a:fontRef idx="minor">
+        <a:schemeClr val="lt1"/>
+      </a:fontRef>
+    </dgm:style>
+  </dgm:styleLbl>
+  <dgm:styleLbl name="node3">
+    <dgm:scene3d>
+      <a:camera prst="orthographicFront"/>
+      <a:lightRig rig="threePt" dir="t"/>
+    </dgm:scene3d>
+    <dgm:sp3d/>
+    <dgm:txPr/>
+    <dgm:style>
+      <a:lnRef idx="2">
+        <a:scrgbClr r="0" g="0" b="0"/>
+      </a:lnRef>
+      <a:fillRef idx="1">
+        <a:scrgbClr r="0" g="0" b="0"/>
+      </a:fillRef>
+      <a:effectRef idx="0">
+        <a:scrgbClr r="0" g="0" b="0"/>
+      </a:effectRef>
+      <a:fontRef idx="minor">
+        <a:schemeClr val="lt1"/>
+      </a:fontRef>
+    </dgm:style>
+  </dgm:styleLbl>
+  <dgm:styleLbl name="node4">
+    <dgm:scene3d>
+      <a:camera prst="orthographicFront"/>
+      <a:lightRig rig="threePt" dir="t"/>
+    </dgm:scene3d>
+    <dgm:sp3d/>
+    <dgm:txPr/>
+    <dgm:style>
+      <a:lnRef idx="2">
+        <a:scrgbClr r="0" g="0" b="0"/>
+      </a:lnRef>
+      <a:fillRef idx="1">
+        <a:scrgbClr r="0" g="0" b="0"/>
+      </a:fillRef>
+      <a:effectRef idx="0">
+        <a:scrgbClr r="0" g="0" b="0"/>
+      </a:effectRef>
+      <a:fontRef idx="minor">
+        <a:schemeClr val="lt1"/>
+      </a:fontRef>
+    </dgm:style>
+  </dgm:styleLbl>
+  <dgm:styleLbl name="fgImgPlace1">
+    <dgm:scene3d>
+      <a:camera prst="orthographicFront"/>
+      <a:lightRig rig="threePt" dir="t"/>
+    </dgm:scene3d>
+    <dgm:sp3d/>
+    <dgm:txPr/>
+    <dgm:style>
+      <a:lnRef idx="2">
+        <a:scrgbClr r="0" g="0" b="0"/>
+      </a:lnRef>
+      <a:fillRef idx="1">
+        <a:scrgbClr r="0" g="0" b="0"/>
+      </a:fillRef>
+      <a:effectRef idx="0">
+        <a:scrgbClr r="0" g="0" b="0"/>
+      </a:effectRef>
+      <a:fontRef idx="minor"/>
+    </dgm:style>
+  </dgm:styleLbl>
+  <dgm:styleLbl name="alignImgPlace1">
+    <dgm:scene3d>
+      <a:camera prst="orthographicFront"/>
+      <a:lightRig rig="threePt" dir="t"/>
+    </dgm:scene3d>
+    <dgm:sp3d/>
+    <dgm:txPr/>
+    <dgm:style>
+      <a:lnRef idx="2">
+        <a:scrgbClr r="0" g="0" b="0"/>
+      </a:lnRef>
+      <a:fillRef idx="1">
+        <a:scrgbClr r="0" g="0" b="0"/>
+      </a:fillRef>
+      <a:effectRef idx="0">
+        <a:scrgbClr r="0" g="0" b="0"/>
+      </a:effectRef>
+      <a:fontRef idx="minor"/>
+    </dgm:style>
+  </dgm:styleLbl>
+  <dgm:styleLbl name="bgImgPlace1">
+    <dgm:scene3d>
+      <a:camera prst="orthographicFront"/>
+      <a:lightRig rig="threePt" dir="t"/>
+    </dgm:scene3d>
+    <dgm:sp3d/>
+    <dgm:txPr/>
+    <dgm:style>
+      <a:lnRef idx="2">
+        <a:scrgbClr r="0" g="0" b="0"/>
+      </a:lnRef>
+      <a:fillRef idx="1">
+        <a:scrgbClr r="0" g="0" b="0"/>
+      </a:fillRef>
+      <a:effectRef idx="0">
+        <a:scrgbClr r="0" g="0" b="0"/>
+      </a:effectRef>
+      <a:fontRef idx="minor"/>
+    </dgm:style>
+  </dgm:styleLbl>
+  <dgm:styleLbl name="sibTrans2D1">
+    <dgm:scene3d>
+      <a:camera prst="orthographicFront"/>
+      <a:lightRig rig="threePt" dir="t"/>
+    </dgm:scene3d>
+    <dgm:sp3d/>
+    <dgm:txPr/>
+    <dgm:style>
+      <a:lnRef idx="0">
+        <a:scrgbClr r="0" g="0" b="0"/>
+      </a:lnRef>
+      <a:fillRef idx="1">
+        <a:scrgbClr r="0" g="0" b="0"/>
+      </a:fillRef>
+      <a:effectRef idx="0">
+        <a:scrgbClr r="0" g="0" b="0"/>
+      </a:effectRef>
+      <a:fontRef idx="minor">
+        <a:schemeClr val="lt1"/>
+      </a:fontRef>
+    </dgm:style>
+  </dgm:styleLbl>
+  <dgm:styleLbl name="fgSibTrans2D1">
+    <dgm:scene3d>
+      <a:camera prst="orthographicFront"/>
+      <a:lightRig rig="threePt" dir="t"/>
+    </dgm:scene3d>
+    <dgm:sp3d/>
+    <dgm:txPr/>
+    <dgm:style>
+      <a:lnRef idx="0">
+        <a:scrgbClr r="0" g="0" b="0"/>
+      </a:lnRef>
+      <a:fillRef idx="1">
+        <a:scrgbClr r="0" g="0" b="0"/>
+      </a:fillRef>
+      <a:effectRef idx="0">
+        <a:scrgbClr r="0" g="0" b="0"/>
+      </a:effectRef>
+      <a:fontRef idx="minor">
+        <a:schemeClr val="lt1"/>
+      </a:fontRef>
+    </dgm:style>
+  </dgm:styleLbl>
+  <dgm:styleLbl name="bgSibTrans2D1">
+    <dgm:scene3d>
+      <a:camera prst="orthographicFront"/>
+      <a:lightRig rig="threePt" dir="t"/>
+    </dgm:scene3d>
+    <dgm:sp3d/>
+    <dgm:txPr/>
+    <dgm:style>
+      <a:lnRef idx="0">
+        <a:scrgbClr r="0" g="0" b="0"/>
+      </a:lnRef>
+      <a:fillRef idx="1">
+        <a:scrgbClr r="0" g="0" b="0"/>
+      </a:fillRef>
+      <a:effectRef idx="0">
+        <a:scrgbClr r="0" g="0" b="0"/>
+      </a:effectRef>
+      <a:fontRef idx="minor">
+        <a:schemeClr val="lt1"/>
+      </a:fontRef>
+    </dgm:style>
+  </dgm:styleLbl>
+  <dgm:styleLbl name="sibTrans1D1">
+    <dgm:scene3d>
+      <a:camera prst="orthographicFront"/>
+      <a:lightRig rig="threePt" dir="t"/>
+    </dgm:scene3d>
+    <dgm:sp3d/>
+    <dgm:txPr/>
+    <dgm:style>
+      <a:lnRef idx="1">
+        <a:scrgbClr r="0" g="0" b="0"/>
+      </a:lnRef>
+      <a:fillRef idx="0">
+        <a:scrgbClr r="0" g="0" b="0"/>
+      </a:fillRef>
+      <a:effectRef idx="0">
+        <a:scrgbClr r="0" g="0" b="0"/>
+      </a:effectRef>
+      <a:fontRef idx="minor"/>
+    </dgm:style>
+  </dgm:styleLbl>
+  <dgm:styleLbl name="callout">
+    <dgm:scene3d>
+      <a:camera prst="orthographicFront"/>
+      <a:lightRig rig="threePt" dir="t"/>
+    </dgm:scene3d>
+    <dgm:sp3d/>
+    <dgm:txPr/>
+    <dgm:style>
+      <a:lnRef idx="2">
+        <a:scrgbClr r="0" g="0" b="0"/>
+      </a:lnRef>
+      <a:fillRef idx="1">
+        <a:scrgbClr r="0" g="0" b="0"/>
+      </a:fillRef>
+      <a:effectRef idx="0">
+        <a:scrgbClr r="0" g="0" b="0"/>
+      </a:effectRef>
+      <a:fontRef idx="minor"/>
+    </dgm:style>
+  </dgm:styleLbl>
+  <dgm:styleLbl name="asst0">
+    <dgm:scene3d>
+      <a:camera prst="orthographicFront"/>
+      <a:lightRig rig="threePt" dir="t"/>
+    </dgm:scene3d>
+    <dgm:sp3d/>
+    <dgm:txPr/>
+    <dgm:style>
+      <a:lnRef idx="2">
+        <a:scrgbClr r="0" g="0" b="0"/>
+      </a:lnRef>
+      <a:fillRef idx="1">
+        <a:scrgbClr r="0" g="0" b="0"/>
+      </a:fillRef>
+      <a:effectRef idx="0">
+        <a:scrgbClr r="0" g="0" b="0"/>
+      </a:effectRef>
+      <a:fontRef idx="minor">
+        <a:schemeClr val="lt1"/>
+      </a:fontRef>
+    </dgm:style>
+  </dgm:styleLbl>
+  <dgm:styleLbl name="asst1">
+    <dgm:scene3d>
+      <a:camera prst="orthographicFront"/>
+      <a:lightRig rig="threePt" dir="t"/>
+    </dgm:scene3d>
+    <dgm:sp3d/>
+    <dgm:txPr/>
+    <dgm:style>
+      <a:lnRef idx="2">
+        <a:scrgbClr r="0" g="0" b="0"/>
+      </a:lnRef>
+      <a:fillRef idx="1">
+        <a:scrgbClr r="0" g="0" b="0"/>
+      </a:fillRef>
+      <a:effectRef idx="0">
+        <a:scrgbClr r="0" g="0" b="0"/>
+      </a:effectRef>
+      <a:fontRef idx="minor">
+        <a:schemeClr val="lt1"/>
+      </a:fontRef>
+    </dgm:style>
+  </dgm:styleLbl>
+  <dgm:styleLbl name="asst2">
+    <dgm:scene3d>
+      <a:camera prst="orthographicFront"/>
+      <a:lightRig rig="threePt" dir="t"/>
+    </dgm:scene3d>
+    <dgm:sp3d/>
+    <dgm:txPr/>
+    <dgm:style>
+      <a:lnRef idx="2">
+        <a:scrgbClr r="0" g="0" b="0"/>
+      </a:lnRef>
+      <a:fillRef idx="1">
+        <a:scrgbClr r="0" g="0" b="0"/>
+      </a:fillRef>
+      <a:effectRef idx="0">
+        <a:scrgbClr r="0" g="0" b="0"/>
+      </a:effectRef>
+      <a:fontRef idx="minor">
+        <a:schemeClr val="lt1"/>
+      </a:fontRef>
+    </dgm:style>
+  </dgm:styleLbl>
+  <dgm:styleLbl name="asst3">
+    <dgm:scene3d>
+      <a:camera prst="orthographicFront"/>
+      <a:lightRig rig="threePt" dir="t"/>
+    </dgm:scene3d>
+    <dgm:sp3d/>
+    <dgm:txPr/>
+    <dgm:style>
+      <a:lnRef idx="2">
+        <a:scrgbClr r="0" g="0" b="0"/>
+      </a:lnRef>
+      <a:fillRef idx="1">
+        <a:scrgbClr r="0" g="0" b="0"/>
+      </a:fillRef>
+      <a:effectRef idx="0">
+        <a:scrgbClr r="0" g="0" b="0"/>
+      </a:effectRef>
+      <a:fontRef idx="minor">
+        <a:schemeClr val="lt1"/>
+      </a:fontRef>
+    </dgm:style>
+  </dgm:styleLbl>
+  <dgm:styleLbl name="asst4">
+    <dgm:scene3d>
+      <a:camera prst="orthographicFront"/>
+      <a:lightRig rig="threePt" dir="t"/>
+    </dgm:scene3d>
+    <dgm:sp3d/>
+    <dgm:txPr/>
+    <dgm:style>
+      <a:lnRef idx="2">
+        <a:scrgbClr r="0" g="0" b="0"/>
+      </a:lnRef>
+      <a:fillRef idx="1">
+        <a:scrgbClr r="0" g="0" b="0"/>
+      </a:fillRef>
+      <a:effectRef idx="0">
+        <a:scrgbClr r="0" g="0" b="0"/>
+      </a:effectRef>
+      <a:fontRef idx="minor">
+        <a:schemeClr val="lt1"/>
+      </a:fontRef>
+    </dgm:style>
+  </dgm:styleLbl>
+  <dgm:styleLbl name="parChTrans2D1">
+    <dgm:scene3d>
+      <a:camera prst="orthographicFront"/>
+      <a:lightRig rig="threePt" dir="t"/>
+    </dgm:scene3d>
+    <dgm:sp3d/>
+    <dgm:txPr/>
+    <dgm:style>
+      <a:lnRef idx="2">
+        <a:scrgbClr r="0" g="0" b="0"/>
+      </a:lnRef>
+      <a:fillRef idx="1">
+        <a:scrgbClr r="0" g="0" b="0"/>
+      </a:fillRef>
+      <a:effectRef idx="0">
+        <a:scrgbClr r="0" g="0" b="0"/>
+      </a:effectRef>
+      <a:fontRef idx="minor">
+        <a:schemeClr val="lt1"/>
+      </a:fontRef>
+    </dgm:style>
+  </dgm:styleLbl>
+  <dgm:styleLbl name="parChTrans2D2">
+    <dgm:scene3d>
+      <a:camera prst="orthographicFront"/>
+      <a:lightRig rig="threePt" dir="t"/>
+    </dgm:scene3d>
+    <dgm:sp3d/>
+    <dgm:txPr/>
+    <dgm:style>
+      <a:lnRef idx="2">
+        <a:scrgbClr r="0" g="0" b="0"/>
+      </a:lnRef>
+      <a:fillRef idx="1">
+        <a:scrgbClr r="0" g="0" b="0"/>
+      </a:fillRef>
+      <a:effectRef idx="0">
+        <a:scrgbClr r="0" g="0" b="0"/>
+      </a:effectRef>
+      <a:fontRef idx="minor">
+        <a:schemeClr val="lt1"/>
+      </a:fontRef>
+    </dgm:style>
+  </dgm:styleLbl>
+  <dgm:styleLbl name="parChTrans2D3">
+    <dgm:scene3d>
+      <a:camera prst="orthographicFront"/>
+      <a:lightRig rig="threePt" dir="t"/>
+    </dgm:scene3d>
+    <dgm:sp3d/>
+    <dgm:txPr/>
+    <dgm:style>
+      <a:lnRef idx="2">
+        <a:scrgbClr r="0" g="0" b="0"/>
+      </a:lnRef>
+      <a:fillRef idx="1">
+        <a:scrgbClr r="0" g="0" b="0"/>
+      </a:fillRef>
+      <a:effectRef idx="0">
+        <a:scrgbClr r="0" g="0" b="0"/>
+      </a:effectRef>
+      <a:fontRef idx="minor">
+        <a:schemeClr val="lt1"/>
+      </a:fontRef>
+    </dgm:style>
+  </dgm:styleLbl>
+  <dgm:styleLbl name="parChTrans2D4">
+    <dgm:scene3d>
+      <a:camera prst="orthographicFront"/>
+      <a:lightRig rig="threePt" dir="t"/>
+    </dgm:scene3d>
+    <dgm:sp3d/>
+    <dgm:txPr/>
+    <dgm:style>
+      <a:lnRef idx="2">
+        <a:scrgbClr r="0" g="0" b="0"/>
+      </a:lnRef>
+      <a:fillRef idx="1">
+        <a:scrgbClr r="0" g="0" b="0"/>
+      </a:fillRef>
+      <a:effectRef idx="0">
+        <a:scrgbClr r="0" g="0" b="0"/>
+      </a:effectRef>
+      <a:fontRef idx="minor">
+        <a:schemeClr val="lt1"/>
+      </a:fontRef>
+    </dgm:style>
+  </dgm:styleLbl>
+  <dgm:styleLbl name="parChTrans1D1">
+    <dgm:scene3d>
+      <a:camera prst="orthographicFront"/>
+      <a:lightRig rig="threePt" dir="t"/>
+    </dgm:scene3d>
+    <dgm:sp3d/>
+    <dgm:txPr/>
+    <dgm:style>
+      <a:lnRef idx="2">
+        <a:scrgbClr r="0" g="0" b="0"/>
+      </a:lnRef>
+      <a:fillRef idx="0">
+        <a:scrgbClr r="0" g="0" b="0"/>
+      </a:fillRef>
+      <a:effectRef idx="0">
+        <a:scrgbClr r="0" g="0" b="0"/>
+      </a:effectRef>
+      <a:fontRef idx="minor"/>
+    </dgm:style>
+  </dgm:styleLbl>
+  <dgm:styleLbl name="parChTrans1D2">
+    <dgm:scene3d>
+      <a:camera prst="orthographicFront"/>
+      <a:lightRig rig="threePt" dir="t"/>
+    </dgm:scene3d>
+    <dgm:sp3d/>
+    <dgm:txPr/>
+    <dgm:style>
+      <a:lnRef idx="2">
+        <a:scrgbClr r="0" g="0" b="0"/>
+      </a:lnRef>
+      <a:fillRef idx="0">
+        <a:scrgbClr r="0" g="0" b="0"/>
+      </a:fillRef>
+      <a:effectRef idx="0">
+        <a:scrgbClr r="0" g="0" b="0"/>
+      </a:effectRef>
+      <a:fontRef idx="minor"/>
+    </dgm:style>
+  </dgm:styleLbl>
+  <dgm:styleLbl name="parChTrans1D3">
+    <dgm:scene3d>
+      <a:camera prst="orthographicFront"/>
+      <a:lightRig rig="threePt" dir="t"/>
+    </dgm:scene3d>
+    <dgm:sp3d/>
+    <dgm:txPr/>
+    <dgm:style>
+      <a:lnRef idx="2">
+        <a:scrgbClr r="0" g="0" b="0"/>
+      </a:lnRef>
+      <a:fillRef idx="0">
+        <a:scrgbClr r="0" g="0" b="0"/>
+      </a:fillRef>
+      <a:effectRef idx="0">
+        <a:scrgbClr r="0" g="0" b="0"/>
+      </a:effectRef>
+      <a:fontRef idx="minor"/>
+    </dgm:style>
+  </dgm:styleLbl>
+  <dgm:styleLbl name="parChTrans1D4">
+    <dgm:scene3d>
+      <a:camera prst="orthographicFront"/>
+      <a:lightRig rig="threePt" dir="t"/>
+    </dgm:scene3d>
+    <dgm:sp3d/>
+    <dgm:txPr/>
+    <dgm:style>
+      <a:lnRef idx="2">
+        <a:scrgbClr r="0" g="0" b="0"/>
+      </a:lnRef>
+      <a:fillRef idx="0">
+        <a:scrgbClr r="0" g="0" b="0"/>
+      </a:fillRef>
+      <a:effectRef idx="0">
+        <a:scrgbClr r="0" g="0" b="0"/>
+      </a:effectRef>
+      <a:fontRef idx="minor"/>
+    </dgm:style>
+  </dgm:styleLbl>
+  <dgm:styleLbl name="fgAcc1">
+    <dgm:scene3d>
+      <a:camera prst="orthographicFront"/>
+      <a:lightRig rig="threePt" dir="t"/>
+    </dgm:scene3d>
+    <dgm:sp3d/>
+    <dgm:txPr/>
+    <dgm:style>
+      <a:lnRef idx="2">
+        <a:scrgbClr r="0" g="0" b="0"/>
+      </a:lnRef>
+      <a:fillRef idx="1">
+        <a:scrgbClr r="0" g="0" b="0"/>
+      </a:fillRef>
+      <a:effectRef idx="0">
+        <a:scrgbClr r="0" g="0" b="0"/>
+      </a:effectRef>
+      <a:fontRef idx="minor"/>
+    </dgm:style>
+  </dgm:styleLbl>
+  <dgm:styleLbl name="conFgAcc1">
+    <dgm:scene3d>
+      <a:camera prst="orthographicFront"/>
+      <a:lightRig rig="threePt" dir="t"/>
+    </dgm:scene3d>
+    <dgm:sp3d/>
+    <dgm:txPr/>
+    <dgm:style>
+      <a:lnRef idx="2">
+        <a:scrgbClr r="0" g="0" b="0"/>
+      </a:lnRef>
+      <a:fillRef idx="1">
+        <a:scrgbClr r="0" g="0" b="0"/>
+      </a:fillRef>
+      <a:effectRef idx="0">
+        <a:scrgbClr r="0" g="0" b="0"/>
+      </a:effectRef>
+      <a:fontRef idx="minor"/>
+    </dgm:style>
+  </dgm:styleLbl>
+  <dgm:styleLbl name="alignAcc1">
+    <dgm:scene3d>
+      <a:camera prst="orthographicFront"/>
+      <a:lightRig rig="threePt" dir="t"/>
+    </dgm:scene3d>
+    <dgm:sp3d/>
+    <dgm:txPr/>
+    <dgm:style>
+      <a:lnRef idx="2">
+        <a:scrgbClr r="0" g="0" b="0"/>
+      </a:lnRef>
+      <a:fillRef idx="1">
+        <a:scrgbClr r="0" g="0" b="0"/>
+      </a:fillRef>
+      <a:effectRef idx="0">
+        <a:scrgbClr r="0" g="0" b="0"/>
+      </a:effectRef>
+      <a:fontRef idx="minor"/>
+    </dgm:style>
+  </dgm:styleLbl>
+  <dgm:styleLbl name="trAlignAcc1">
+    <dgm:scene3d>
+      <a:camera prst="orthographicFront"/>
+      <a:lightRig rig="threePt" dir="t"/>
+    </dgm:scene3d>
+    <dgm:sp3d/>
+    <dgm:txPr/>
+    <dgm:style>
+      <a:lnRef idx="1">
+        <a:scrgbClr r="0" g="0" b="0"/>
+      </a:lnRef>
+      <a:fillRef idx="1">
+        <a:scrgbClr r="0" g="0" b="0"/>
+      </a:fillRef>
+      <a:effectRef idx="0">
+        <a:scrgbClr r="0" g="0" b="0"/>
+      </a:effectRef>
+      <a:fontRef idx="minor"/>
+    </dgm:style>
+  </dgm:styleLbl>
+  <dgm:styleLbl name="bgAcc1">
+    <dgm:scene3d>
+      <a:camera prst="orthographicFront"/>
+      <a:lightRig rig="threePt" dir="t"/>
+    </dgm:scene3d>
+    <dgm:sp3d/>
+    <dgm:txPr/>
+    <dgm:style>
+      <a:lnRef idx="2">
+        <a:scrgbClr r="0" g="0" b="0"/>
+      </a:lnRef>
+      <a:fillRef idx="1">
+        <a:scrgbClr r="0" g="0" b="0"/>
+      </a:fillRef>
+      <a:effectRef idx="0">
+        <a:scrgbClr r="0" g="0" b="0"/>
+      </a:effectRef>
+      <a:fontRef idx="minor"/>
+    </dgm:style>
+  </dgm:styleLbl>
+  <dgm:styleLbl name="solidFgAcc1">
+    <dgm:scene3d>
+      <a:camera prst="orthographicFront"/>
+      <a:lightRig rig="threePt" dir="t"/>
+    </dgm:scene3d>
+    <dgm:sp3d/>
+    <dgm:txPr/>
+    <dgm:style>
+      <a:lnRef idx="2">
+        <a:scrgbClr r="0" g="0" b="0"/>
+      </a:lnRef>
+      <a:fillRef idx="1">
+        <a:scrgbClr r="0" g="0" b="0"/>
+      </a:fillRef>
+      <a:effectRef idx="0">
+        <a:scrgbClr r="0" g="0" b="0"/>
+      </a:effectRef>
+      <a:fontRef idx="minor"/>
+    </dgm:style>
+  </dgm:styleLbl>
+  <dgm:styleLbl name="solidAlignAcc1">
+    <dgm:scene3d>
+      <a:camera prst="orthographicFront"/>
+      <a:lightRig rig="threePt" dir="t"/>
+    </dgm:scene3d>
+    <dgm:sp3d/>
+    <dgm:txPr/>
+    <dgm:style>
+      <a:lnRef idx="2">
+        <a:scrgbClr r="0" g="0" b="0"/>
+      </a:lnRef>
+      <a:fillRef idx="1">
+        <a:scrgbClr r="0" g="0" b="0"/>
+      </a:fillRef>
+      <a:effectRef idx="0">
+        <a:scrgbClr r="0" g="0" b="0"/>
+      </a:effectRef>
+      <a:fontRef idx="minor"/>
+    </dgm:style>
+  </dgm:styleLbl>
+  <dgm:styleLbl name="solidBgAcc1">
+    <dgm:scene3d>
+      <a:camera prst="orthographicFront"/>
+      <a:lightRig rig="threePt" dir="t"/>
+    </dgm:scene3d>
+    <dgm:sp3d/>
+    <dgm:txPr/>
+    <dgm:style>
+      <a:lnRef idx="2">
+        <a:scrgbClr r="0" g="0" b="0"/>
+      </a:lnRef>
+      <a:fillRef idx="1">
+        <a:scrgbClr r="0" g="0" b="0"/>
+      </a:fillRef>
+      <a:effectRef idx="0">
+        <a:scrgbClr r="0" g="0" b="0"/>
+      </a:effectRef>
+      <a:fontRef idx="minor"/>
+    </dgm:style>
+  </dgm:styleLbl>
+  <dgm:styleLbl name="fgAccFollowNode1">
+    <dgm:scene3d>
+      <a:camera prst="orthographicFront"/>
+      <a:lightRig rig="threePt" dir="t"/>
+    </dgm:scene3d>
+    <dgm:sp3d/>
+    <dgm:txPr/>
+    <dgm:style>
+      <a:lnRef idx="2">
+        <a:scrgbClr r="0" g="0" b="0"/>
+      </a:lnRef>
+      <a:fillRef idx="1">
+        <a:scrgbClr r="0" g="0" b="0"/>
+      </a:fillRef>
+      <a:effectRef idx="0">
+        <a:scrgbClr r="0" g="0" b="0"/>
+      </a:effectRef>
+      <a:fontRef idx="minor"/>
+    </dgm:style>
+  </dgm:styleLbl>
+  <dgm:styleLbl name="alignAccFollowNode1">
+    <dgm:scene3d>
+      <a:camera prst="orthographicFront"/>
+      <a:lightRig rig="threePt" dir="t"/>
+    </dgm:scene3d>
+    <dgm:sp3d/>
+    <dgm:txPr/>
+    <dgm:style>
+      <a:lnRef idx="2">
+        <a:scrgbClr r="0" g="0" b="0"/>
+      </a:lnRef>
+      <a:fillRef idx="1">
+        <a:scrgbClr r="0" g="0" b="0"/>
+      </a:fillRef>
+      <a:effectRef idx="0">
+        <a:scrgbClr r="0" g="0" b="0"/>
+      </a:effectRef>
+      <a:fontRef idx="minor"/>
+    </dgm:style>
+  </dgm:styleLbl>
+  <dgm:styleLbl name="bgAccFollowNode1">
+    <dgm:scene3d>
+      <a:camera prst="orthographicFront"/>
+      <a:lightRig rig="threePt" dir="t"/>
+    </dgm:scene3d>
+    <dgm:sp3d/>
+    <dgm:txPr/>
+    <dgm:style>
+      <a:lnRef idx="2">
+        <a:scrgbClr r="0" g="0" b="0"/>
+      </a:lnRef>
+      <a:fillRef idx="1">
+        <a:scrgbClr r="0" g="0" b="0"/>
+      </a:fillRef>
+      <a:effectRef idx="0">
+        <a:scrgbClr r="0" g="0" b="0"/>
+      </a:effectRef>
+      <a:fontRef idx="minor"/>
+    </dgm:style>
+  </dgm:styleLbl>
+  <dgm:styleLbl name="fgAcc0">
+    <dgm:scene3d>
+      <a:camera prst="orthographicFront"/>
+      <a:lightRig rig="threePt" dir="t"/>
+    </dgm:scene3d>
+    <dgm:sp3d/>
+    <dgm:txPr/>
+    <dgm:style>
+      <a:lnRef idx="2">
+        <a:scrgbClr r="0" g="0" b="0"/>
+      </a:lnRef>
+      <a:fillRef idx="1">
+        <a:scrgbClr r="0" g="0" b="0"/>
+      </a:fillRef>
+      <a:effectRef idx="0">
+        <a:scrgbClr r="0" g="0" b="0"/>
+      </a:effectRef>
+      <a:fontRef idx="minor"/>
+    </dgm:style>
+  </dgm:styleLbl>
+  <dgm:styleLbl name="fgAcc2">
+    <dgm:scene3d>
+      <a:camera prst="orthographicFront"/>
+      <a:lightRig rig="threePt" dir="t"/>
+    </dgm:scene3d>
+    <dgm:sp3d/>
+    <dgm:txPr/>
+    <dgm:style>
+      <a:lnRef idx="2">
+        <a:scrgbClr r="0" g="0" b="0"/>
+      </a:lnRef>
+      <a:fillRef idx="1">
+        <a:scrgbClr r="0" g="0" b="0"/>
+      </a:fillRef>
+      <a:effectRef idx="0">
+        <a:scrgbClr r="0" g="0" b="0"/>
+      </a:effectRef>
+      <a:fontRef idx="minor"/>
+    </dgm:style>
+  </dgm:styleLbl>
+  <dgm:styleLbl name="fgAcc3">
+    <dgm:scene3d>
+      <a:camera prst="orthographicFront"/>
+      <a:lightRig rig="threePt" dir="t"/>
+    </dgm:scene3d>
+    <dgm:sp3d/>
+    <dgm:txPr/>
+    <dgm:style>
+      <a:lnRef idx="2">
+        <a:scrgbClr r="0" g="0" b="0"/>
+      </a:lnRef>
+      <a:fillRef idx="1">
+        <a:scrgbClr r="0" g="0" b="0"/>
+      </a:fillRef>
+      <a:effectRef idx="0">
+        <a:scrgbClr r="0" g="0" b="0"/>
+      </a:effectRef>
+      <a:fontRef idx="minor"/>
+    </dgm:style>
+  </dgm:styleLbl>
+  <dgm:styleLbl name="fgAcc4">
+    <dgm:scene3d>
+      <a:camera prst="orthographicFront"/>
+      <a:lightRig rig="threePt" dir="t"/>
+    </dgm:scene3d>
+    <dgm:sp3d/>
+    <dgm:txPr/>
+    <dgm:style>
+      <a:lnRef idx="2">
+        <a:scrgbClr r="0" g="0" b="0"/>
+      </a:lnRef>
+      <a:fillRef idx="1">
+        <a:scrgbClr r="0" g="0" b="0"/>
+      </a:fillRef>
+      <a:effectRef idx="0">
+        <a:scrgbClr r="0" g="0" b="0"/>
+      </a:effectRef>
+      <a:fontRef idx="minor"/>
+    </dgm:style>
+  </dgm:styleLbl>
+  <dgm:styleLbl name="bgShp">
+    <dgm:scene3d>
+      <a:camera prst="orthographicFront"/>
+      <a:lightRig rig="threePt" dir="t"/>
+    </dgm:scene3d>
+    <dgm:sp3d/>
+    <dgm:txPr/>
+    <dgm:style>
+      <a:lnRef idx="0">
+        <a:scrgbClr r="0" g="0" b="0"/>
+      </a:lnRef>
+      <a:fillRef idx="1">
+        <a:scrgbClr r="0" g="0" b="0"/>
+      </a:fillRef>
+      <a:effectRef idx="0">
+        <a:scrgbClr r="0" g="0" b="0"/>
+      </a:effectRef>
+      <a:fontRef idx="minor"/>
+    </dgm:style>
+  </dgm:styleLbl>
+  <dgm:styleLbl name="dkBgShp">
+    <dgm:scene3d>
+      <a:camera prst="orthographicFront"/>
+      <a:lightRig rig="threePt" dir="t"/>
+    </dgm:scene3d>
+    <dgm:sp3d/>
+    <dgm:txPr/>
+    <dgm:style>
+      <a:lnRef idx="0">
+        <a:scrgbClr r="0" g="0" b="0"/>
+      </a:lnRef>
+      <a:fillRef idx="1">
+        <a:scrgbClr r="0" g="0" b="0"/>
+      </a:fillRef>
+      <a:effectRef idx="0">
+        <a:scrgbClr r="0" g="0" b="0"/>
+      </a:effectRef>
+      <a:fontRef idx="minor"/>
+    </dgm:style>
+  </dgm:styleLbl>
+  <dgm:styleLbl name="trBgShp">
+    <dgm:scene3d>
+      <a:camera prst="orthographicFront"/>
+      <a:lightRig rig="threePt" dir="t"/>
+    </dgm:scene3d>
+    <dgm:sp3d/>
+    <dgm:txPr/>
+    <dgm:style>
+      <a:lnRef idx="0">
+        <a:scrgbClr r="0" g="0" b="0"/>
+      </a:lnRef>
+      <a:fillRef idx="1">
+        <a:scrgbClr r="0" g="0" b="0"/>
+      </a:fillRef>
+      <a:effectRef idx="0">
+        <a:scrgbClr r="0" g="0" b="0"/>
+      </a:effectRef>
+      <a:fontRef idx="minor"/>
+    </dgm:style>
+  </dgm:styleLbl>
+  <dgm:styleLbl name="fgShp">
+    <dgm:scene3d>
+      <a:camera prst="orthographicFront"/>
+      <a:lightRig rig="threePt" dir="t"/>
+    </dgm:scene3d>
+    <dgm:sp3d/>
+    <dgm:txPr/>
+    <dgm:style>
+      <a:lnRef idx="2">
+        <a:scrgbClr r="0" g="0" b="0"/>
+      </a:lnRef>
+      <a:fillRef idx="1">
+        <a:scrgbClr r="0" g="0" b="0"/>
+      </a:fillRef>
+      <a:effectRef idx="0">
+        <a:scrgbClr r="0" g="0" b="0"/>
+      </a:effectRef>
+      <a:fontRef idx="minor"/>
+    </dgm:style>
+  </dgm:styleLbl>
+  <dgm:styleLbl name="revTx">
+    <dgm:scene3d>
+      <a:camera prst="orthographicFront"/>
+      <a:lightRig rig="threePt" dir="t"/>
+    </dgm:scene3d>
+    <dgm:sp3d/>
+    <dgm:txPr/>
+    <dgm:style>
+      <a:lnRef idx="0">
+        <a:scrgbClr r="0" g="0" b="0"/>
+      </a:lnRef>
+      <a:fillRef idx="0">
+        <a:scrgbClr r="0" g="0" b="0"/>
+      </a:fillRef>
+      <a:effectRef idx="0">
+        <a:scrgbClr r="0" g="0" b="0"/>
+      </a:effectRef>
+      <a:fontRef idx="minor"/>
+    </dgm:style>
+  </dgm:styleLbl>
+</dgm:styleDef>
+</file>
+
+<file path=ppt/notesMasters/notesMaster1.xml><?xml version="1.0" encoding="utf-8"?>
+<p:notesMaster xmlns:a="http://schemas.openxmlformats.org/drawingml/2006/main" xmlns:r="http://schemas.openxmlformats.org/officeDocument/2006/relationships" xmlns:p="http://schemas.openxmlformats.org/presentationml/2006/main">
+  <p:cSld>
+    <p:bg>
+      <p:bgRef idx="1001">
+        <a:schemeClr val="bg1"/>
+      </p:bgRef>
+    </p:bg>
+    <p:spTree>
+      <p:nvGrpSpPr>
+        <p:cNvPr id="1" name=""/>
+        <p:cNvGrpSpPr/>
+        <p:nvPr/>
+      </p:nvGrpSpPr>
+      <p:grpSpPr>
+        <a:xfrm>
+          <a:off x="0" y="0"/>
+          <a:ext cx="0" cy="0"/>
+          <a:chOff x="0" y="0"/>
+          <a:chExt cx="0" cy="0"/>
+        </a:xfrm>
+      </p:grpSpPr>
+      <p:sp>
+        <p:nvSpPr>
+          <p:cNvPr id="2" name="Header Placeholder 1"/>
+          <p:cNvSpPr>
+            <a:spLocks noGrp="1"/>
+          </p:cNvSpPr>
+          <p:nvPr>
+            <p:ph type="hdr" sz="quarter"/>
+          </p:nvPr>
+        </p:nvSpPr>
+        <p:spPr>
+          <a:xfrm>
+            <a:off x="0" y="0"/>
+            <a:ext cx="2971800" cy="458788"/>
+          </a:xfrm>
+          <a:prstGeom prst="rect">
+            <a:avLst/>
+          </a:prstGeom>
+        </p:spPr>
+        <p:txBody>
+          <a:bodyPr vert="horz" lIns="91440" tIns="45720" rIns="91440" bIns="45720" rtlCol="0"/>
+          <a:lstStyle>
+            <a:lvl1pPr algn="l">
+              <a:defRPr sz="1200"/>
+            </a:lvl1pPr>
+          </a:lstStyle>
+          <a:p>
+            <a:endParaRPr lang="en-US"/>
+          </a:p>
+        </p:txBody>
+      </p:sp>
+      <p:sp>
+        <p:nvSpPr>
+          <p:cNvPr id="3" name="Date Placeholder 2"/>
+          <p:cNvSpPr>
+            <a:spLocks noGrp="1"/>
+          </p:cNvSpPr>
+          <p:nvPr>
+            <p:ph type="dt" idx="1"/>
+          </p:nvPr>
+        </p:nvSpPr>
+        <p:spPr>
+          <a:xfrm>
+            <a:off x="3884613" y="0"/>
+            <a:ext cx="2971800" cy="458788"/>
+          </a:xfrm>
+          <a:prstGeom prst="rect">
+            <a:avLst/>
+          </a:prstGeom>
+        </p:spPr>
+        <p:txBody>
+          <a:bodyPr vert="horz" lIns="91440" tIns="45720" rIns="91440" bIns="45720" rtlCol="0"/>
+          <a:lstStyle>
+            <a:lvl1pPr algn="r">
+              <a:defRPr sz="1200"/>
+            </a:lvl1pPr>
+          </a:lstStyle>
+          <a:p>
+            <a:fld id="{C01CCE06-F6C6-4570-8D0F-524CE1A32992}" type="datetimeFigureOut">
+              <a:rPr lang="en-US" smtClean="0"/>
+              <a:t>1/14/2023</a:t>
+            </a:fld>
+            <a:endParaRPr lang="en-US"/>
+          </a:p>
+        </p:txBody>
+      </p:sp>
+      <p:sp>
+        <p:nvSpPr>
+          <p:cNvPr id="4" name="Slide Image Placeholder 3"/>
+          <p:cNvSpPr>
+            <a:spLocks noGrp="1" noRot="1" noChangeAspect="1"/>
+          </p:cNvSpPr>
+          <p:nvPr>
+            <p:ph type="sldImg" idx="2"/>
+          </p:nvPr>
+        </p:nvSpPr>
+        <p:spPr>
+          <a:xfrm>
+            <a:off x="685800" y="1143000"/>
+            <a:ext cx="5486400" cy="3086100"/>
+          </a:xfrm>
+          <a:prstGeom prst="rect">
+            <a:avLst/>
+          </a:prstGeom>
+          <a:noFill/>
+          <a:ln w="12700">
+            <a:solidFill>
+              <a:prstClr val="black"/>
+            </a:solidFill>
+          </a:ln>
+        </p:spPr>
+        <p:txBody>
+          <a:bodyPr vert="horz" lIns="91440" tIns="45720" rIns="91440" bIns="45720" rtlCol="0" anchor="ctr"/>
+          <a:lstStyle/>
+          <a:p>
+            <a:endParaRPr lang="en-US"/>
+          </a:p>
+        </p:txBody>
+      </p:sp>
+      <p:sp>
+        <p:nvSpPr>
+          <p:cNvPr id="5" name="Notes Placeholder 4"/>
+          <p:cNvSpPr>
+            <a:spLocks noGrp="1"/>
+          </p:cNvSpPr>
+          <p:nvPr>
+            <p:ph type="body" sz="quarter" idx="3"/>
+          </p:nvPr>
+        </p:nvSpPr>
+        <p:spPr>
+          <a:xfrm>
+            <a:off x="685800" y="4400550"/>
+            <a:ext cx="5486400" cy="3600450"/>
+          </a:xfrm>
+          <a:prstGeom prst="rect">
+            <a:avLst/>
+          </a:prstGeom>
+        </p:spPr>
+        <p:txBody>
+          <a:bodyPr vert="horz" lIns="91440" tIns="45720" rIns="91440" bIns="45720" rtlCol="0"/>
+          <a:lstStyle/>
+          <a:p>
+            <a:pPr lvl="0"/>
+            <a:r>
+              <a:rPr lang="en-US"/>
+              <a:t>Click to edit Master text styles</a:t>
+            </a:r>
+          </a:p>
+          <a:p>
+            <a:pPr lvl="1"/>
+            <a:r>
+              <a:rPr lang="en-US"/>
+              <a:t>Second level</a:t>
+            </a:r>
+          </a:p>
+          <a:p>
+            <a:pPr lvl="2"/>
+            <a:r>
+              <a:rPr lang="en-US"/>
+              <a:t>Third level</a:t>
+            </a:r>
+          </a:p>
+          <a:p>
+            <a:pPr lvl="3"/>
+            <a:r>
+              <a:rPr lang="en-US"/>
+              <a:t>Fourth level</a:t>
+            </a:r>
+          </a:p>
+          <a:p>
+            <a:pPr lvl="4"/>
+            <a:r>
+              <a:rPr lang="en-US"/>
+              <a:t>Fifth level</a:t>
+            </a:r>
+          </a:p>
+        </p:txBody>
+      </p:sp>
+      <p:sp>
+        <p:nvSpPr>
+          <p:cNvPr id="6" name="Footer Placeholder 5"/>
+          <p:cNvSpPr>
+            <a:spLocks noGrp="1"/>
+          </p:cNvSpPr>
+          <p:nvPr>
+            <p:ph type="ftr" sz="quarter" idx="4"/>
+          </p:nvPr>
+        </p:nvSpPr>
+        <p:spPr>
+          <a:xfrm>
+            <a:off x="0" y="8685213"/>
+            <a:ext cx="2971800" cy="458787"/>
+          </a:xfrm>
+          <a:prstGeom prst="rect">
+            <a:avLst/>
+          </a:prstGeom>
+        </p:spPr>
+        <p:txBody>
+          <a:bodyPr vert="horz" lIns="91440" tIns="45720" rIns="91440" bIns="45720" rtlCol="0" anchor="b"/>
+          <a:lstStyle>
+            <a:lvl1pPr algn="l">
+              <a:defRPr sz="1200"/>
+            </a:lvl1pPr>
+          </a:lstStyle>
+          <a:p>
+            <a:endParaRPr lang="en-US"/>
+          </a:p>
+        </p:txBody>
+      </p:sp>
+      <p:sp>
+        <p:nvSpPr>
+          <p:cNvPr id="7" name="Slide Number Placeholder 6"/>
+          <p:cNvSpPr>
+            <a:spLocks noGrp="1"/>
+          </p:cNvSpPr>
+          <p:nvPr>
+            <p:ph type="sldNum" sz="quarter" idx="5"/>
+          </p:nvPr>
+        </p:nvSpPr>
+        <p:spPr>
+          <a:xfrm>
+            <a:off x="3884613" y="8685213"/>
+            <a:ext cx="2971800" cy="458787"/>
+          </a:xfrm>
+          <a:prstGeom prst="rect">
+            <a:avLst/>
+          </a:prstGeom>
+        </p:spPr>
+        <p:txBody>
+          <a:bodyPr vert="horz" lIns="91440" tIns="45720" rIns="91440" bIns="45720" rtlCol="0" anchor="b"/>
+          <a:lstStyle>
+            <a:lvl1pPr algn="r">
+              <a:defRPr sz="1200"/>
+            </a:lvl1pPr>
+          </a:lstStyle>
+          <a:p>
+            <a:fld id="{85D1E18F-DE7C-4660-8A8D-2ECE80D3AADD}" type="slidenum">
+              <a:rPr lang="en-US" smtClean="0"/>
+              <a:t>‹#›</a:t>
+            </a:fld>
+            <a:endParaRPr lang="en-US"/>
+          </a:p>
+        </p:txBody>
+      </p:sp>
+    </p:spTree>
+    <p:extLst>
+      <p:ext uri="{BB962C8B-B14F-4D97-AF65-F5344CB8AC3E}">
+        <p14:creationId xmlns:p14="http://schemas.microsoft.com/office/powerpoint/2010/main" val="2513697975"/>
+      </p:ext>
+    </p:extLst>
+  </p:cSld>
+  <p:clrMap bg1="lt1" tx1="dk1" bg2="lt2" tx2="dk2" accent1="accent1" accent2="accent2" accent3="accent3" accent4="accent4" accent5="accent5" accent6="accent6" hlink="hlink" folHlink="folHlink"/>
+  <p:notesStyle>
+    <a:lvl1pPr marL="0" algn="l" defTabSz="914400" rtl="0" eaLnBrk="1" latinLnBrk="0" hangingPunct="1">
+      <a:defRPr sz="1200" kern="1200">
+        <a:solidFill>
+          <a:schemeClr val="tx1"/>
+        </a:solidFill>
+        <a:latin typeface="+mn-lt"/>
+        <a:ea typeface="+mn-ea"/>
+        <a:cs typeface="+mn-cs"/>
+      </a:defRPr>
+    </a:lvl1pPr>
+    <a:lvl2pPr marL="457200" algn="l" defTabSz="914400" rtl="0" eaLnBrk="1" latinLnBrk="0" hangingPunct="1">
+      <a:defRPr sz="1200" kern="1200">
+        <a:solidFill>
+          <a:schemeClr val="tx1"/>
+        </a:solidFill>
+        <a:latin typeface="+mn-lt"/>
+        <a:ea typeface="+mn-ea"/>
+        <a:cs typeface="+mn-cs"/>
+      </a:defRPr>
+    </a:lvl2pPr>
+    <a:lvl3pPr marL="914400" algn="l" defTabSz="914400" rtl="0" eaLnBrk="1" latinLnBrk="0" hangingPunct="1">
+      <a:defRPr sz="1200" kern="1200">
+        <a:solidFill>
+          <a:schemeClr val="tx1"/>
+        </a:solidFill>
+        <a:latin typeface="+mn-lt"/>
+        <a:ea typeface="+mn-ea"/>
+        <a:cs typeface="+mn-cs"/>
+      </a:defRPr>
+    </a:lvl3pPr>
+    <a:lvl4pPr marL="1371600" algn="l" defTabSz="914400" rtl="0" eaLnBrk="1" latinLnBrk="0" hangingPunct="1">
+      <a:defRPr sz="1200" kern="1200">
+        <a:solidFill>
+          <a:schemeClr val="tx1"/>
+        </a:solidFill>
+        <a:latin typeface="+mn-lt"/>
+        <a:ea typeface="+mn-ea"/>
+        <a:cs typeface="+mn-cs"/>
+      </a:defRPr>
+    </a:lvl4pPr>
+    <a:lvl5pPr marL="1828800" algn="l" defTabSz="914400" rtl="0" eaLnBrk="1" latinLnBrk="0" hangingPunct="1">
+      <a:defRPr sz="1200" kern="1200">
+        <a:solidFill>
+          <a:schemeClr val="tx1"/>
+        </a:solidFill>
+        <a:latin typeface="+mn-lt"/>
+        <a:ea typeface="+mn-ea"/>
+        <a:cs typeface="+mn-cs"/>
+      </a:defRPr>
+    </a:lvl5pPr>
+    <a:lvl6pPr marL="2286000" algn="l" defTabSz="914400" rtl="0" eaLnBrk="1" latinLnBrk="0" hangingPunct="1">
+      <a:defRPr sz="1200" kern="1200">
+        <a:solidFill>
+          <a:schemeClr val="tx1"/>
+        </a:solidFill>
+        <a:latin typeface="+mn-lt"/>
+        <a:ea typeface="+mn-ea"/>
+        <a:cs typeface="+mn-cs"/>
+      </a:defRPr>
+    </a:lvl6pPr>
+    <a:lvl7pPr marL="2743200" algn="l" defTabSz="914400" rtl="0" eaLnBrk="1" latinLnBrk="0" hangingPunct="1">
+      <a:defRPr sz="1200" kern="1200">
+        <a:solidFill>
+          <a:schemeClr val="tx1"/>
+        </a:solidFill>
+        <a:latin typeface="+mn-lt"/>
+        <a:ea typeface="+mn-ea"/>
+        <a:cs typeface="+mn-cs"/>
+      </a:defRPr>
+    </a:lvl7pPr>
+    <a:lvl8pPr marL="3200400" algn="l" defTabSz="914400" rtl="0" eaLnBrk="1" latinLnBrk="0" hangingPunct="1">
+      <a:defRPr sz="1200" kern="1200">
+        <a:solidFill>
+          <a:schemeClr val="tx1"/>
+        </a:solidFill>
+        <a:latin typeface="+mn-lt"/>
+        <a:ea typeface="+mn-ea"/>
+        <a:cs typeface="+mn-cs"/>
+      </a:defRPr>
+    </a:lvl8pPr>
+    <a:lvl9pPr marL="3657600" algn="l" defTabSz="914400" rtl="0" eaLnBrk="1" latinLnBrk="0" hangingPunct="1">
+      <a:defRPr sz="1200" kern="1200">
+        <a:solidFill>
+          <a:schemeClr val="tx1"/>
+        </a:solidFill>
+        <a:latin typeface="+mn-lt"/>
+        <a:ea typeface="+mn-ea"/>
+        <a:cs typeface="+mn-cs"/>
+      </a:defRPr>
+    </a:lvl9pPr>
+  </p:notesStyle>
+</p:notesMaster>
+</file>
+
+<file path=ppt/notesSlides/notesSlide1.xml><?xml version="1.0" encoding="utf-8"?>
+<p:notes xmlns:a="http://schemas.openxmlformats.org/drawingml/2006/main" xmlns:r="http://schemas.openxmlformats.org/officeDocument/2006/relationships" xmlns:p="http://schemas.openxmlformats.org/presentationml/2006/main">
+  <p:cSld>
+    <p:spTree>
+      <p:nvGrpSpPr>
+        <p:cNvPr id="1" name=""/>
+        <p:cNvGrpSpPr/>
+        <p:nvPr/>
+      </p:nvGrpSpPr>
+      <p:grpSpPr>
+        <a:xfrm>
+          <a:off x="0" y="0"/>
+          <a:ext cx="0" cy="0"/>
+          <a:chOff x="0" y="0"/>
+          <a:chExt cx="0" cy="0"/>
+        </a:xfrm>
+      </p:grpSpPr>
+      <p:sp>
+        <p:nvSpPr>
+          <p:cNvPr id="2" name="Slide Image Placeholder 1"/>
+          <p:cNvSpPr>
+            <a:spLocks noGrp="1" noRot="1" noChangeAspect="1"/>
+          </p:cNvSpPr>
+          <p:nvPr>
+            <p:ph type="sldImg"/>
+          </p:nvPr>
+        </p:nvSpPr>
+        <p:spPr/>
+      </p:sp>
+      <p:sp>
+        <p:nvSpPr>
+          <p:cNvPr id="3" name="Notes Placeholder 2"/>
+          <p:cNvSpPr>
+            <a:spLocks noGrp="1"/>
+          </p:cNvSpPr>
+          <p:nvPr>
+            <p:ph type="body" idx="1"/>
+          </p:nvPr>
+        </p:nvSpPr>
+        <p:spPr/>
+        <p:txBody>
+          <a:bodyPr/>
+          <a:lstStyle/>
+          <a:p>
+            <a:endParaRPr lang="en-US" dirty="0"/>
+          </a:p>
+        </p:txBody>
+      </p:sp>
+      <p:sp>
+        <p:nvSpPr>
+          <p:cNvPr id="4" name="Slide Number Placeholder 3"/>
+          <p:cNvSpPr>
+            <a:spLocks noGrp="1"/>
+          </p:cNvSpPr>
+          <p:nvPr>
+            <p:ph type="sldNum" sz="quarter" idx="5"/>
+          </p:nvPr>
+        </p:nvSpPr>
+        <p:spPr/>
+        <p:txBody>
+          <a:bodyPr/>
+          <a:lstStyle/>
+          <a:p>
+            <a:fld id="{85D1E18F-DE7C-4660-8A8D-2ECE80D3AADD}" type="slidenum">
+              <a:rPr lang="en-US" smtClean="0"/>
+              <a:t>21</a:t>
+            </a:fld>
+            <a:endParaRPr lang="en-US"/>
+          </a:p>
+        </p:txBody>
+      </p:sp>
+    </p:spTree>
+    <p:extLst>
+      <p:ext uri="{BB962C8B-B14F-4D97-AF65-F5344CB8AC3E}">
+        <p14:creationId xmlns:p14="http://schemas.microsoft.com/office/powerpoint/2010/main" val="2115900774"/>
+      </p:ext>
+    </p:extLst>
+  </p:cSld>
+  <p:clrMapOvr>
+    <a:masterClrMapping/>
+  </p:clrMapOvr>
+</p:notes>
 </file>
 
 <file path=ppt/slideLayouts/slideLayout1.xml><?xml version="1.0" encoding="utf-8"?>
@@ -294,7 +3806,7 @@
           <a:p>
             <a:fld id="{C764DE79-268F-4C1A-8933-263129D2AF90}" type="datetimeFigureOut">
               <a:rPr lang="en-US" dirty="0"/>
-              <a:t>1/11/2023</a:t>
+              <a:t>1/14/2023</a:t>
             </a:fld>
             <a:endParaRPr lang="en-US"/>
           </a:p>
@@ -462,7 +3974,7 @@
           <a:p>
             <a:fld id="{C764DE79-268F-4C1A-8933-263129D2AF90}" type="datetimeFigureOut">
               <a:rPr lang="en-US" dirty="0"/>
-              <a:t>1/11/2023</a:t>
+              <a:t>1/14/2023</a:t>
             </a:fld>
             <a:endParaRPr lang="en-US"/>
           </a:p>
@@ -640,7 +4152,7 @@
           <a:p>
             <a:fld id="{C764DE79-268F-4C1A-8933-263129D2AF90}" type="datetimeFigureOut">
               <a:rPr lang="en-US" dirty="0"/>
-              <a:t>1/11/2023</a:t>
+              <a:t>1/14/2023</a:t>
             </a:fld>
             <a:endParaRPr lang="en-US"/>
           </a:p>
@@ -808,7 +4320,7 @@
           <a:p>
             <a:fld id="{C764DE79-268F-4C1A-8933-263129D2AF90}" type="datetimeFigureOut">
               <a:rPr lang="en-US" dirty="0"/>
-              <a:t>1/11/2023</a:t>
+              <a:t>1/14/2023</a:t>
             </a:fld>
             <a:endParaRPr lang="en-US"/>
           </a:p>
@@ -1053,7 +4565,7 @@
           <a:p>
             <a:fld id="{C764DE79-268F-4C1A-8933-263129D2AF90}" type="datetimeFigureOut">
               <a:rPr lang="en-US" dirty="0"/>
-              <a:t>1/11/2023</a:t>
+              <a:t>1/14/2023</a:t>
             </a:fld>
             <a:endParaRPr lang="en-US"/>
           </a:p>
@@ -1282,7 +4794,7 @@
           <a:p>
             <a:fld id="{C764DE79-268F-4C1A-8933-263129D2AF90}" type="datetimeFigureOut">
               <a:rPr lang="en-US" dirty="0"/>
-              <a:t>1/11/2023</a:t>
+              <a:t>1/14/2023</a:t>
             </a:fld>
             <a:endParaRPr lang="en-US"/>
           </a:p>
@@ -1646,7 +5158,7 @@
           <a:p>
             <a:fld id="{C764DE79-268F-4C1A-8933-263129D2AF90}" type="datetimeFigureOut">
               <a:rPr lang="en-US" dirty="0"/>
-              <a:t>1/11/2023</a:t>
+              <a:t>1/14/2023</a:t>
             </a:fld>
             <a:endParaRPr lang="en-US"/>
           </a:p>
@@ -1763,7 +5275,7 @@
           <a:p>
             <a:fld id="{C764DE79-268F-4C1A-8933-263129D2AF90}" type="datetimeFigureOut">
               <a:rPr lang="en-US" dirty="0"/>
-              <a:t>1/11/2023</a:t>
+              <a:t>1/14/2023</a:t>
             </a:fld>
             <a:endParaRPr lang="en-US"/>
           </a:p>
@@ -1858,7 +5370,7 @@
           <a:p>
             <a:fld id="{C764DE79-268F-4C1A-8933-263129D2AF90}" type="datetimeFigureOut">
               <a:rPr lang="en-US" dirty="0"/>
-              <a:t>1/11/2023</a:t>
+              <a:t>1/14/2023</a:t>
             </a:fld>
             <a:endParaRPr lang="en-US"/>
           </a:p>
@@ -2133,7 +5645,7 @@
           <a:p>
             <a:fld id="{C764DE79-268F-4C1A-8933-263129D2AF90}" type="datetimeFigureOut">
               <a:rPr lang="en-US" dirty="0"/>
-              <a:t>1/11/2023</a:t>
+              <a:t>1/14/2023</a:t>
             </a:fld>
             <a:endParaRPr lang="en-US"/>
           </a:p>
@@ -2388,7 +5900,7 @@
           <a:p>
             <a:fld id="{C764DE79-268F-4C1A-8933-263129D2AF90}" type="datetimeFigureOut">
               <a:rPr lang="en-US" dirty="0"/>
-              <a:t>1/11/2023</a:t>
+              <a:t>1/14/2023</a:t>
             </a:fld>
             <a:endParaRPr lang="en-US"/>
           </a:p>
@@ -2599,7 +6111,7 @@
           <a:p>
             <a:fld id="{C764DE79-268F-4C1A-8933-263129D2AF90}" type="datetimeFigureOut">
               <a:rPr lang="en-US" dirty="0"/>
-              <a:t>1/11/2023</a:t>
+              <a:t>1/14/2023</a:t>
             </a:fld>
             <a:endParaRPr lang="en-US"/>
           </a:p>
@@ -3063,7 +6575,7 @@
         <p:spPr>
           <a:xfrm>
             <a:off x="870857" y="2380343"/>
-            <a:ext cx="9235605" cy="3631763"/>
+            <a:ext cx="9235605" cy="2616101"/>
           </a:xfrm>
           <a:prstGeom prst="rect">
             <a:avLst/>
@@ -3077,16 +6589,6 @@
             <a:spAutoFit/>
           </a:bodyPr>
           <a:lstStyle/>
-          <a:p>
-            <a:r>
-              <a:rPr lang="en-US" sz="6600" dirty="0">
-                <a:solidFill>
-                  <a:srgbClr val="FF6600"/>
-                </a:solidFill>
-              </a:rPr>
-              <a:t>Exploratory Data Analysis</a:t>
-            </a:r>
-          </a:p>
           <a:p>
             <a:r>
               <a:rPr lang="en-US" sz="4000" dirty="0">
@@ -3545,10 +7047,10 @@
       </p:sp>
       <p:pic>
         <p:nvPicPr>
-          <p:cNvPr id="6146" name="Picture 2" descr="Chart, bar chart, waterfall chart&#10;&#10;Description automatically generated">
+          <p:cNvPr id="6148" name="Picture 4" descr="Chart, pie chart&#10;&#10;Description automatically generated">
             <a:extLst>
               <a:ext uri="{FF2B5EF4-FFF2-40B4-BE49-F238E27FC236}">
-                <a16:creationId xmlns:a16="http://schemas.microsoft.com/office/drawing/2014/main" id="{EA4F375B-A5ED-85DF-1EDC-9745F0D217BB}"/>
+                <a16:creationId xmlns:a16="http://schemas.microsoft.com/office/drawing/2014/main" id="{E808E8EB-B825-875D-D5C7-ACE6283968E3}"/>
               </a:ext>
             </a:extLst>
           </p:cNvPr>
@@ -3571,8 +7073,8 @@
         </p:blipFill>
         <p:spPr bwMode="auto">
           <a:xfrm>
-            <a:off x="1075868" y="2569464"/>
-            <a:ext cx="4249063" cy="3678936"/>
+            <a:off x="6679908" y="2569464"/>
+            <a:ext cx="4617287" cy="3678936"/>
           </a:xfrm>
           <a:prstGeom prst="rect">
             <a:avLst/>
@@ -3591,10 +7093,10 @@
       </p:pic>
       <p:pic>
         <p:nvPicPr>
-          <p:cNvPr id="6148" name="Picture 4" descr="Chart, pie chart&#10;&#10;Description automatically generated">
+          <p:cNvPr id="2050" name="Picture 2">
             <a:extLst>
               <a:ext uri="{FF2B5EF4-FFF2-40B4-BE49-F238E27FC236}">
-                <a16:creationId xmlns:a16="http://schemas.microsoft.com/office/drawing/2014/main" id="{E808E8EB-B825-875D-D5C7-ACE6283968E3}"/>
+                <a16:creationId xmlns:a16="http://schemas.microsoft.com/office/drawing/2014/main" id="{417B8347-5C97-6AB3-2C20-7E0CC8657394}"/>
               </a:ext>
             </a:extLst>
           </p:cNvPr>
@@ -3611,14 +7113,15 @@
               </a:ext>
             </a:extLst>
           </a:blip>
+          <a:srcRect/>
           <a:stretch>
             <a:fillRect/>
           </a:stretch>
         </p:blipFill>
         <p:spPr bwMode="auto">
           <a:xfrm>
-            <a:off x="6679908" y="2569464"/>
-            <a:ext cx="4617287" cy="3678936"/>
+            <a:off x="1486280" y="2990850"/>
+            <a:ext cx="3762375" cy="3257550"/>
           </a:xfrm>
           <a:prstGeom prst="rect">
             <a:avLst/>
@@ -5805,19 +9308,19 @@
           <a:p>
             <a:r>
               <a:rPr lang="en-US" sz="1700" dirty="0"/>
-              <a:t>Around 44 of the 69 variables or 64% of the variables are said to be dependent with flag persistency (2 quantitative and 67 categorical variables).</a:t>
+              <a:t>Around 44 of the 69 features or 64% of the variables are said to be dependent with flag persistency (2 quantitative and 67 categorical variables).</a:t>
             </a:r>
           </a:p>
           <a:p>
             <a:r>
               <a:rPr lang="en-US" sz="1700" dirty="0"/>
-              <a:t>It will be these 44 variables that will be going into our machine learning model.</a:t>
+              <a:t>It will be these 44 features that will be going into our machine learning model.</a:t>
             </a:r>
           </a:p>
           <a:p>
             <a:r>
               <a:rPr lang="en-US" sz="1700" dirty="0"/>
-              <a:t>The picture to the right, listing some of the dependent variables, is not comprehensive</a:t>
+              <a:t>The picture to the right, listing some of the features, is not comprehensive</a:t>
             </a:r>
           </a:p>
           <a:p>
@@ -6114,6 +9617,14 @@
 <file path=ppt/slides/slide16.xml><?xml version="1.0" encoding="utf-8"?>
 <p:sld xmlns:a="http://schemas.openxmlformats.org/drawingml/2006/main" xmlns:r="http://schemas.openxmlformats.org/officeDocument/2006/relationships" xmlns:p="http://schemas.openxmlformats.org/presentationml/2006/main">
   <p:cSld>
+    <p:bg>
+      <p:bgPr>
+        <a:solidFill>
+          <a:schemeClr val="bg1"/>
+        </a:solidFill>
+        <a:effectLst/>
+      </p:bgPr>
+    </p:bg>
     <p:spTree>
       <p:nvGrpSpPr>
         <p:cNvPr id="1" name=""/>
@@ -6133,7 +9644,7 @@
           <p:cNvPr id="2" name="Title 1">
             <a:extLst>
               <a:ext uri="{FF2B5EF4-FFF2-40B4-BE49-F238E27FC236}">
-                <a16:creationId xmlns:a16="http://schemas.microsoft.com/office/drawing/2014/main" id="{E8B8F26E-9345-4747-9094-972E38700A17}"/>
+                <a16:creationId xmlns:a16="http://schemas.microsoft.com/office/drawing/2014/main" id="{064FA635-27CF-8A4F-FBA3-CF6B8E552C8B}"/>
               </a:ext>
             </a:extLst>
           </p:cNvPr>
@@ -6141,39 +9652,112 @@
             <a:spLocks noGrp="1"/>
           </p:cNvSpPr>
           <p:nvPr>
-            <p:ph type="ctrTitle"/>
+            <p:ph type="title"/>
           </p:nvPr>
         </p:nvSpPr>
         <p:spPr>
-          <a:xfrm rot="5400000">
-            <a:off x="-562431" y="562430"/>
-            <a:ext cx="6858002" cy="5733142"/>
+          <a:xfrm>
+            <a:off x="4965430" y="629266"/>
+            <a:ext cx="6586491" cy="1676603"/>
           </a:xfrm>
-          <a:solidFill>
-            <a:srgbClr val="3B3B3B"/>
-          </a:solidFill>
         </p:spPr>
         <p:txBody>
-          <a:bodyPr vert="vert270" anchor="t" anchorCtr="0"/>
+          <a:bodyPr>
+            <a:normAutofit/>
+          </a:bodyPr>
           <a:lstStyle/>
           <a:p>
             <a:r>
-              <a:rPr lang="en-US" b="1" dirty="0">
-                <a:solidFill>
-                  <a:srgbClr val="FF6600"/>
-                </a:solidFill>
-              </a:rPr>
-              <a:t>The End.</a:t>
+              <a:rPr lang="en-US" sz="5400" dirty="0"/>
+              <a:t>Machine Learning Results</a:t>
             </a:r>
+          </a:p>
+        </p:txBody>
+      </p:sp>
+      <p:sp>
+        <p:nvSpPr>
+          <p:cNvPr id="3" name="Content Placeholder 2">
+            <a:extLst>
+              <a:ext uri="{FF2B5EF4-FFF2-40B4-BE49-F238E27FC236}">
+                <a16:creationId xmlns:a16="http://schemas.microsoft.com/office/drawing/2014/main" id="{B3437C12-31A2-11ED-25D1-131DE25DBAB5}"/>
+              </a:ext>
+            </a:extLst>
+          </p:cNvPr>
+          <p:cNvSpPr>
+            <a:spLocks noGrp="1"/>
+          </p:cNvSpPr>
+          <p:nvPr>
+            <p:ph idx="1"/>
+          </p:nvPr>
+        </p:nvSpPr>
+        <p:spPr>
+          <a:xfrm>
+            <a:off x="4965431" y="2438400"/>
+            <a:ext cx="6586489" cy="3785419"/>
+          </a:xfrm>
+        </p:spPr>
+        <p:txBody>
+          <a:bodyPr>
+            <a:normAutofit/>
+          </a:bodyPr>
+          <a:lstStyle/>
+          <a:p>
+            <a:r>
+              <a:rPr lang="en-US" sz="2400" dirty="0"/>
+              <a:t>A multiple linear regression model was selected due to a lack of comparable test datasets needed for other choices i.e., decision trees. Before we dive into the results, let us state the assumptions:</a:t>
+            </a:r>
+          </a:p>
+          <a:p>
+            <a:pPr marL="514350" indent="-514350">
+              <a:buFont typeface="+mj-lt"/>
+              <a:buAutoNum type="arabicPeriod"/>
+            </a:pPr>
+            <a:r>
+              <a:rPr lang="en-US" sz="2400" dirty="0"/>
+              <a:t>Linearity</a:t>
+            </a:r>
+          </a:p>
+          <a:p>
+            <a:pPr marL="514350" indent="-514350">
+              <a:buFont typeface="+mj-lt"/>
+              <a:buAutoNum type="arabicPeriod"/>
+            </a:pPr>
+            <a:r>
+              <a:rPr lang="en-US" sz="2400" dirty="0"/>
+              <a:t>Independence</a:t>
+            </a:r>
+          </a:p>
+          <a:p>
+            <a:pPr marL="514350" indent="-514350">
+              <a:buFont typeface="+mj-lt"/>
+              <a:buAutoNum type="arabicPeriod"/>
+            </a:pPr>
+            <a:r>
+              <a:rPr lang="en-US" sz="2400" dirty="0"/>
+              <a:t>Homoscedasticity</a:t>
+            </a:r>
+          </a:p>
+          <a:p>
+            <a:pPr marL="514350" indent="-514350">
+              <a:buFont typeface="+mj-lt"/>
+              <a:buAutoNum type="arabicPeriod"/>
+            </a:pPr>
+            <a:r>
+              <a:rPr lang="en-US" sz="2400" dirty="0"/>
+              <a:t>Normality</a:t>
+            </a:r>
+          </a:p>
+          <a:p>
+            <a:endParaRPr lang="en-US" sz="2400" dirty="0"/>
           </a:p>
         </p:txBody>
       </p:sp>
       <p:pic>
         <p:nvPicPr>
-          <p:cNvPr id="4" name="Picture 3">
+          <p:cNvPr id="5" name="Picture 4" descr="Light bulb on yellow background with sketched light beams and cord">
             <a:extLst>
               <a:ext uri="{FF2B5EF4-FFF2-40B4-BE49-F238E27FC236}">
-                <a16:creationId xmlns:a16="http://schemas.microsoft.com/office/drawing/2014/main" id="{7A465064-0714-5743-882B-8875105A7023}"/>
+                <a16:creationId xmlns:a16="http://schemas.microsoft.com/office/drawing/2014/main" id="{9D85EFA8-6A96-7EA0-BFC9-98DC4A3BFFF2}"/>
               </a:ext>
             </a:extLst>
           </p:cNvPr>
@@ -6182,8 +9766,1722 @@
           </p:cNvPicPr>
           <p:nvPr/>
         </p:nvPicPr>
+        <p:blipFill rotWithShape="1">
+          <a:blip r:embed="rId2"/>
+          <a:srcRect l="51344" r="7086"/>
+          <a:stretch/>
+        </p:blipFill>
+        <p:spPr>
+          <a:xfrm>
+            <a:off x="20" y="10"/>
+            <a:ext cx="4635571" cy="6857990"/>
+          </a:xfrm>
+          <a:prstGeom prst="rect">
+            <a:avLst/>
+          </a:prstGeom>
+          <a:effectLst/>
+        </p:spPr>
+      </p:pic>
+    </p:spTree>
+    <p:extLst>
+      <p:ext uri="{BB962C8B-B14F-4D97-AF65-F5344CB8AC3E}">
+        <p14:creationId xmlns:p14="http://schemas.microsoft.com/office/powerpoint/2010/main" val="3640026683"/>
+      </p:ext>
+    </p:extLst>
+  </p:cSld>
+  <p:clrMapOvr>
+    <a:masterClrMapping/>
+  </p:clrMapOvr>
+</p:sld>
+</file>
+
+<file path=ppt/slides/slide17.xml><?xml version="1.0" encoding="utf-8"?>
+<p:sld xmlns:a="http://schemas.openxmlformats.org/drawingml/2006/main" xmlns:r="http://schemas.openxmlformats.org/officeDocument/2006/relationships" xmlns:p="http://schemas.openxmlformats.org/presentationml/2006/main">
+  <p:cSld>
+    <p:bg>
+      <p:bgPr>
+        <a:solidFill>
+          <a:schemeClr val="bg1"/>
+        </a:solidFill>
+        <a:effectLst/>
+      </p:bgPr>
+    </p:bg>
+    <p:spTree>
+      <p:nvGrpSpPr>
+        <p:cNvPr id="1" name=""/>
+        <p:cNvGrpSpPr/>
+        <p:nvPr/>
+      </p:nvGrpSpPr>
+      <p:grpSpPr>
+        <a:xfrm>
+          <a:off x="0" y="0"/>
+          <a:ext cx="0" cy="0"/>
+          <a:chOff x="0" y="0"/>
+          <a:chExt cx="0" cy="0"/>
+        </a:xfrm>
+      </p:grpSpPr>
+      <p:sp useBgFill="1">
+        <p:nvSpPr>
+          <p:cNvPr id="8" name="Rectangle 7">
+            <a:extLst>
+              <a:ext uri="{FF2B5EF4-FFF2-40B4-BE49-F238E27FC236}">
+                <a16:creationId xmlns:a16="http://schemas.microsoft.com/office/drawing/2014/main" id="{1709F1D5-B0F1-4714-A239-E5B61C161915}"/>
+              </a:ext>
+              <a:ext uri="{C183D7F6-B498-43B3-948B-1728B52AA6E4}">
+                <adec:decorative xmlns:adec="http://schemas.microsoft.com/office/drawing/2017/decorative" val="1"/>
+              </a:ext>
+            </a:extLst>
+          </p:cNvPr>
+          <p:cNvSpPr>
+            <a:spLocks noGrp="1" noRot="1" noChangeAspect="1" noMove="1" noResize="1" noEditPoints="1" noAdjustHandles="1" noChangeArrowheads="1" noChangeShapeType="1" noTextEdit="1"/>
+          </p:cNvSpPr>
+          <p:nvPr>
+            <p:extLst>
+              <p:ext uri="{386F3935-93C4-4BCD-93E2-E3B085C9AB24}">
+                <p16:designElem xmlns:p16="http://schemas.microsoft.com/office/powerpoint/2015/main" val="1"/>
+              </p:ext>
+            </p:extLst>
+          </p:nvPr>
+        </p:nvSpPr>
+        <p:spPr>
+          <a:xfrm>
+            <a:off x="3048" y="0"/>
+            <a:ext cx="12188952" cy="6858000"/>
+          </a:xfrm>
+          <a:prstGeom prst="rect">
+            <a:avLst/>
+          </a:prstGeom>
+          <a:ln>
+            <a:noFill/>
+          </a:ln>
+        </p:spPr>
+        <p:style>
+          <a:lnRef idx="2">
+            <a:schemeClr val="accent1">
+              <a:shade val="50000"/>
+            </a:schemeClr>
+          </a:lnRef>
+          <a:fillRef idx="1">
+            <a:schemeClr val="accent1"/>
+          </a:fillRef>
+          <a:effectRef idx="0">
+            <a:schemeClr val="accent1"/>
+          </a:effectRef>
+          <a:fontRef idx="minor">
+            <a:schemeClr val="lt1"/>
+          </a:fontRef>
+        </p:style>
+        <p:txBody>
+          <a:bodyPr rtlCol="0" anchor="ctr"/>
+          <a:lstStyle/>
+          <a:p>
+            <a:pPr algn="ctr"/>
+            <a:endParaRPr lang="en-US"/>
+          </a:p>
+        </p:txBody>
+      </p:sp>
+      <p:sp>
+        <p:nvSpPr>
+          <p:cNvPr id="10" name="Rectangle: Rounded Corners 9">
+            <a:extLst>
+              <a:ext uri="{FF2B5EF4-FFF2-40B4-BE49-F238E27FC236}">
+                <a16:creationId xmlns:a16="http://schemas.microsoft.com/office/drawing/2014/main" id="{228FB460-D3FF-4440-A020-05982A09E517}"/>
+              </a:ext>
+              <a:ext uri="{C183D7F6-B498-43B3-948B-1728B52AA6E4}">
+                <adec:decorative xmlns:adec="http://schemas.microsoft.com/office/drawing/2017/decorative" val="1"/>
+              </a:ext>
+            </a:extLst>
+          </p:cNvPr>
+          <p:cNvSpPr>
+            <a:spLocks noGrp="1" noRot="1" noChangeAspect="1" noMove="1" noResize="1" noEditPoints="1" noAdjustHandles="1" noChangeArrowheads="1" noChangeShapeType="1" noTextEdit="1"/>
+          </p:cNvSpPr>
+          <p:nvPr>
+            <p:extLst>
+              <p:ext uri="{386F3935-93C4-4BCD-93E2-E3B085C9AB24}">
+                <p16:designElem xmlns:p16="http://schemas.microsoft.com/office/powerpoint/2015/main" val="1"/>
+              </p:ext>
+            </p:extLst>
+          </p:nvPr>
+        </p:nvSpPr>
+        <p:spPr>
+          <a:xfrm>
+            <a:off x="740546" y="1011045"/>
+            <a:ext cx="4369859" cy="4369859"/>
+          </a:xfrm>
+          <a:prstGeom prst="roundRect">
+            <a:avLst>
+              <a:gd name="adj" fmla="val 2757"/>
+            </a:avLst>
+          </a:prstGeom>
+          <a:solidFill>
+            <a:schemeClr val="accent2"/>
+          </a:solidFill>
+          <a:ln>
+            <a:noFill/>
+          </a:ln>
+        </p:spPr>
+        <p:style>
+          <a:lnRef idx="2">
+            <a:schemeClr val="accent1">
+              <a:shade val="50000"/>
+            </a:schemeClr>
+          </a:lnRef>
+          <a:fillRef idx="1">
+            <a:schemeClr val="accent1"/>
+          </a:fillRef>
+          <a:effectRef idx="0">
+            <a:schemeClr val="accent1"/>
+          </a:effectRef>
+          <a:fontRef idx="minor">
+            <a:schemeClr val="lt1"/>
+          </a:fontRef>
+        </p:style>
+        <p:txBody>
+          <a:bodyPr rtlCol="0" anchor="ctr"/>
+          <a:lstStyle/>
+          <a:p>
+            <a:pPr algn="ctr"/>
+            <a:endParaRPr lang="en-US"/>
+          </a:p>
+        </p:txBody>
+      </p:sp>
+      <p:sp>
+        <p:nvSpPr>
+          <p:cNvPr id="2" name="Title 1">
+            <a:extLst>
+              <a:ext uri="{FF2B5EF4-FFF2-40B4-BE49-F238E27FC236}">
+                <a16:creationId xmlns:a16="http://schemas.microsoft.com/office/drawing/2014/main" id="{28CE69A4-2B77-3C5C-1144-34981D53A3F3}"/>
+              </a:ext>
+            </a:extLst>
+          </p:cNvPr>
+          <p:cNvSpPr>
+            <a:spLocks noGrp="1"/>
+          </p:cNvSpPr>
+          <p:nvPr>
+            <p:ph type="title"/>
+          </p:nvPr>
+        </p:nvSpPr>
+        <p:spPr>
+          <a:xfrm>
+            <a:off x="956826" y="1112969"/>
+            <a:ext cx="3937298" cy="4166010"/>
+          </a:xfrm>
+        </p:spPr>
+        <p:txBody>
+          <a:bodyPr>
+            <a:normAutofit/>
+          </a:bodyPr>
+          <a:lstStyle/>
+          <a:p>
+            <a:r>
+              <a:rPr lang="en-US">
+                <a:solidFill>
+                  <a:srgbClr val="FFFFFF"/>
+                </a:solidFill>
+              </a:rPr>
+              <a:t>Machine Learning Results</a:t>
+            </a:r>
+          </a:p>
+        </p:txBody>
+      </p:sp>
+      <p:sp>
+        <p:nvSpPr>
+          <p:cNvPr id="12" name="Freeform: Shape 11">
+            <a:extLst>
+              <a:ext uri="{FF2B5EF4-FFF2-40B4-BE49-F238E27FC236}">
+                <a16:creationId xmlns:a16="http://schemas.microsoft.com/office/drawing/2014/main" id="{14847E93-7DC1-4D4B-8829-B19AA7137C50}"/>
+              </a:ext>
+              <a:ext uri="{C183D7F6-B498-43B3-948B-1728B52AA6E4}">
+                <adec:decorative xmlns:adec="http://schemas.microsoft.com/office/drawing/2017/decorative" val="1"/>
+              </a:ext>
+            </a:extLst>
+          </p:cNvPr>
+          <p:cNvSpPr>
+            <a:spLocks noGrp="1" noRot="1" noChangeAspect="1" noMove="1" noResize="1" noEditPoints="1" noAdjustHandles="1" noChangeArrowheads="1" noChangeShapeType="1" noTextEdit="1"/>
+          </p:cNvSpPr>
+          <p:nvPr>
+            <p:extLst>
+              <p:ext uri="{386F3935-93C4-4BCD-93E2-E3B085C9AB24}">
+                <p16:designElem xmlns:p16="http://schemas.microsoft.com/office/powerpoint/2015/main" val="1"/>
+              </p:ext>
+            </p:extLst>
+          </p:nvPr>
+        </p:nvSpPr>
+        <p:spPr>
+          <a:xfrm flipH="1">
+            <a:off x="530529" y="0"/>
+            <a:ext cx="1155142" cy="591009"/>
+          </a:xfrm>
+          <a:custGeom>
+            <a:avLst/>
+            <a:gdLst>
+              <a:gd name="connsiteX0" fmla="*/ 1355 w 1155142"/>
+              <a:gd name="connsiteY0" fmla="*/ 0 h 591009"/>
+              <a:gd name="connsiteX1" fmla="*/ 1153787 w 1155142"/>
+              <a:gd name="connsiteY1" fmla="*/ 0 h 591009"/>
+              <a:gd name="connsiteX2" fmla="*/ 1155142 w 1155142"/>
+              <a:gd name="connsiteY2" fmla="*/ 13438 h 591009"/>
+              <a:gd name="connsiteX3" fmla="*/ 577571 w 1155142"/>
+              <a:gd name="connsiteY3" fmla="*/ 591009 h 591009"/>
+              <a:gd name="connsiteX4" fmla="*/ 0 w 1155142"/>
+              <a:gd name="connsiteY4" fmla="*/ 13438 h 591009"/>
+            </a:gdLst>
+            <a:ahLst/>
+            <a:cxnLst>
+              <a:cxn ang="0">
+                <a:pos x="connsiteX0" y="connsiteY0"/>
+              </a:cxn>
+              <a:cxn ang="0">
+                <a:pos x="connsiteX1" y="connsiteY1"/>
+              </a:cxn>
+              <a:cxn ang="0">
+                <a:pos x="connsiteX2" y="connsiteY2"/>
+              </a:cxn>
+              <a:cxn ang="0">
+                <a:pos x="connsiteX3" y="connsiteY3"/>
+              </a:cxn>
+              <a:cxn ang="0">
+                <a:pos x="connsiteX4" y="connsiteY4"/>
+              </a:cxn>
+            </a:cxnLst>
+            <a:rect l="l" t="t" r="r" b="b"/>
+            <a:pathLst>
+              <a:path w="1155142" h="591009">
+                <a:moveTo>
+                  <a:pt x="1355" y="0"/>
+                </a:moveTo>
+                <a:lnTo>
+                  <a:pt x="1153787" y="0"/>
+                </a:lnTo>
+                <a:lnTo>
+                  <a:pt x="1155142" y="13438"/>
+                </a:lnTo>
+                <a:cubicBezTo>
+                  <a:pt x="1155142" y="332422"/>
+                  <a:pt x="896555" y="591009"/>
+                  <a:pt x="577571" y="591009"/>
+                </a:cubicBezTo>
+                <a:cubicBezTo>
+                  <a:pt x="258587" y="591009"/>
+                  <a:pt x="0" y="332422"/>
+                  <a:pt x="0" y="13438"/>
+                </a:cubicBezTo>
+                <a:close/>
+              </a:path>
+            </a:pathLst>
+          </a:custGeom>
+          <a:solidFill>
+            <a:schemeClr val="accent5"/>
+          </a:solidFill>
+          <a:ln>
+            <a:noFill/>
+          </a:ln>
+        </p:spPr>
+        <p:style>
+          <a:lnRef idx="2">
+            <a:schemeClr val="accent1">
+              <a:shade val="50000"/>
+            </a:schemeClr>
+          </a:lnRef>
+          <a:fillRef idx="1">
+            <a:schemeClr val="accent1"/>
+          </a:fillRef>
+          <a:effectRef idx="0">
+            <a:schemeClr val="accent1"/>
+          </a:effectRef>
+          <a:fontRef idx="minor">
+            <a:schemeClr val="lt1"/>
+          </a:fontRef>
+        </p:style>
+        <p:txBody>
+          <a:bodyPr wrap="square" rtlCol="0" anchor="ctr">
+            <a:noAutofit/>
+          </a:bodyPr>
+          <a:lstStyle/>
+          <a:p>
+            <a:pPr algn="ctr"/>
+            <a:endParaRPr lang="en-US"/>
+          </a:p>
+        </p:txBody>
+      </p:sp>
+      <p:sp>
+        <p:nvSpPr>
+          <p:cNvPr id="14" name="Freeform: Shape 13">
+            <a:extLst>
+              <a:ext uri="{FF2B5EF4-FFF2-40B4-BE49-F238E27FC236}">
+                <a16:creationId xmlns:a16="http://schemas.microsoft.com/office/drawing/2014/main" id="{5566D6E1-03A1-4D73-A4E0-35D74D568A04}"/>
+              </a:ext>
+              <a:ext uri="{C183D7F6-B498-43B3-948B-1728B52AA6E4}">
+                <adec:decorative xmlns:adec="http://schemas.microsoft.com/office/drawing/2017/decorative" val="1"/>
+              </a:ext>
+            </a:extLst>
+          </p:cNvPr>
+          <p:cNvSpPr>
+            <a:spLocks noGrp="1" noRot="1" noChangeAspect="1" noMove="1" noResize="1" noEditPoints="1" noAdjustHandles="1" noChangeArrowheads="1" noChangeShapeType="1" noTextEdit="1"/>
+          </p:cNvSpPr>
+          <p:nvPr>
+            <p:extLst>
+              <p:ext uri="{386F3935-93C4-4BCD-93E2-E3B085C9AB24}">
+                <p16:designElem xmlns:p16="http://schemas.microsoft.com/office/powerpoint/2015/main" val="1"/>
+              </p:ext>
+            </p:extLst>
+          </p:nvPr>
+        </p:nvSpPr>
+        <p:spPr>
+          <a:xfrm flipH="1">
+            <a:off x="3961511" y="-1"/>
+            <a:ext cx="1737401" cy="959536"/>
+          </a:xfrm>
+          <a:custGeom>
+            <a:avLst/>
+            <a:gdLst>
+              <a:gd name="connsiteX0" fmla="*/ 0 w 1737401"/>
+              <a:gd name="connsiteY0" fmla="*/ 0 h 959536"/>
+              <a:gd name="connsiteX1" fmla="*/ 123825 w 1737401"/>
+              <a:gd name="connsiteY1" fmla="*/ 0 h 959536"/>
+              <a:gd name="connsiteX2" fmla="*/ 123825 w 1737401"/>
+              <a:gd name="connsiteY2" fmla="*/ 790277 h 959536"/>
+              <a:gd name="connsiteX3" fmla="*/ 1490095 w 1737401"/>
+              <a:gd name="connsiteY3" fmla="*/ 0 h 959536"/>
+              <a:gd name="connsiteX4" fmla="*/ 1737401 w 1737401"/>
+              <a:gd name="connsiteY4" fmla="*/ 0 h 959536"/>
+              <a:gd name="connsiteX5" fmla="*/ 92869 w 1737401"/>
+              <a:gd name="connsiteY5" fmla="*/ 951249 h 959536"/>
+              <a:gd name="connsiteX6" fmla="*/ 61913 w 1737401"/>
+              <a:gd name="connsiteY6" fmla="*/ 959536 h 959536"/>
+              <a:gd name="connsiteX7" fmla="*/ 0 w 1737401"/>
+              <a:gd name="connsiteY7" fmla="*/ 897624 h 959536"/>
+            </a:gdLst>
+            <a:ahLst/>
+            <a:cxnLst>
+              <a:cxn ang="0">
+                <a:pos x="connsiteX0" y="connsiteY0"/>
+              </a:cxn>
+              <a:cxn ang="0">
+                <a:pos x="connsiteX1" y="connsiteY1"/>
+              </a:cxn>
+              <a:cxn ang="0">
+                <a:pos x="connsiteX2" y="connsiteY2"/>
+              </a:cxn>
+              <a:cxn ang="0">
+                <a:pos x="connsiteX3" y="connsiteY3"/>
+              </a:cxn>
+              <a:cxn ang="0">
+                <a:pos x="connsiteX4" y="connsiteY4"/>
+              </a:cxn>
+              <a:cxn ang="0">
+                <a:pos x="connsiteX5" y="connsiteY5"/>
+              </a:cxn>
+              <a:cxn ang="0">
+                <a:pos x="connsiteX6" y="connsiteY6"/>
+              </a:cxn>
+              <a:cxn ang="0">
+                <a:pos x="connsiteX7" y="connsiteY7"/>
+              </a:cxn>
+            </a:cxnLst>
+            <a:rect l="l" t="t" r="r" b="b"/>
+            <a:pathLst>
+              <a:path w="1737401" h="959536">
+                <a:moveTo>
+                  <a:pt x="0" y="0"/>
+                </a:moveTo>
+                <a:lnTo>
+                  <a:pt x="123825" y="0"/>
+                </a:lnTo>
+                <a:lnTo>
+                  <a:pt x="123825" y="790277"/>
+                </a:lnTo>
+                <a:lnTo>
+                  <a:pt x="1490095" y="0"/>
+                </a:lnTo>
+                <a:lnTo>
+                  <a:pt x="1737401" y="0"/>
+                </a:lnTo>
+                <a:lnTo>
+                  <a:pt x="92869" y="951249"/>
+                </a:lnTo>
+                <a:cubicBezTo>
+                  <a:pt x="83458" y="956688"/>
+                  <a:pt x="72780" y="959546"/>
+                  <a:pt x="61913" y="959536"/>
+                </a:cubicBezTo>
+                <a:cubicBezTo>
+                  <a:pt x="27719" y="959536"/>
+                  <a:pt x="0" y="931818"/>
+                  <a:pt x="0" y="897624"/>
+                </a:cubicBezTo>
+                <a:close/>
+              </a:path>
+            </a:pathLst>
+          </a:custGeom>
+          <a:solidFill>
+            <a:schemeClr val="accent6"/>
+          </a:solidFill>
+          <a:ln w="9525" cap="flat">
+            <a:noFill/>
+            <a:prstDash val="solid"/>
+            <a:miter/>
+          </a:ln>
+        </p:spPr>
+        <p:txBody>
+          <a:bodyPr rtlCol="0" anchor="ctr"/>
+          <a:lstStyle/>
+          <a:p>
+            <a:endParaRPr lang="en-US"/>
+          </a:p>
+        </p:txBody>
+      </p:sp>
+      <p:sp>
+        <p:nvSpPr>
+          <p:cNvPr id="16" name="Freeform: Shape 15">
+            <a:extLst>
+              <a:ext uri="{FF2B5EF4-FFF2-40B4-BE49-F238E27FC236}">
+                <a16:creationId xmlns:a16="http://schemas.microsoft.com/office/drawing/2014/main" id="{9F835A99-04AC-494A-A572-AFE8413CC938}"/>
+              </a:ext>
+              <a:ext uri="{C183D7F6-B498-43B3-948B-1728B52AA6E4}">
+                <adec:decorative xmlns:adec="http://schemas.microsoft.com/office/drawing/2017/decorative" val="1"/>
+              </a:ext>
+            </a:extLst>
+          </p:cNvPr>
+          <p:cNvSpPr>
+            <a:spLocks noGrp="1" noRot="1" noChangeAspect="1" noMove="1" noResize="1" noEditPoints="1" noAdjustHandles="1" noChangeArrowheads="1" noChangeShapeType="1" noTextEdit="1"/>
+          </p:cNvSpPr>
+          <p:nvPr>
+            <p:extLst>
+              <p:ext uri="{386F3935-93C4-4BCD-93E2-E3B085C9AB24}">
+                <p16:designElem xmlns:p16="http://schemas.microsoft.com/office/powerpoint/2015/main" val="1"/>
+              </p:ext>
+            </p:extLst>
+          </p:nvPr>
+        </p:nvSpPr>
+        <p:spPr>
+          <a:xfrm flipH="1">
+            <a:off x="0" y="2936831"/>
+            <a:ext cx="159741" cy="552996"/>
+          </a:xfrm>
+          <a:custGeom>
+            <a:avLst/>
+            <a:gdLst>
+              <a:gd name="connsiteX0" fmla="*/ 159741 w 159741"/>
+              <a:gd name="connsiteY0" fmla="*/ 0 h 552996"/>
+              <a:gd name="connsiteX1" fmla="*/ 159741 w 159741"/>
+              <a:gd name="connsiteY1" fmla="*/ 552996 h 552996"/>
+              <a:gd name="connsiteX2" fmla="*/ 141849 w 159741"/>
+              <a:gd name="connsiteY2" fmla="*/ 543285 h 552996"/>
+              <a:gd name="connsiteX3" fmla="*/ 0 w 159741"/>
+              <a:gd name="connsiteY3" fmla="*/ 276498 h 552996"/>
+              <a:gd name="connsiteX4" fmla="*/ 141849 w 159741"/>
+              <a:gd name="connsiteY4" fmla="*/ 9711 h 552996"/>
+            </a:gdLst>
+            <a:ahLst/>
+            <a:cxnLst>
+              <a:cxn ang="0">
+                <a:pos x="connsiteX0" y="connsiteY0"/>
+              </a:cxn>
+              <a:cxn ang="0">
+                <a:pos x="connsiteX1" y="connsiteY1"/>
+              </a:cxn>
+              <a:cxn ang="0">
+                <a:pos x="connsiteX2" y="connsiteY2"/>
+              </a:cxn>
+              <a:cxn ang="0">
+                <a:pos x="connsiteX3" y="connsiteY3"/>
+              </a:cxn>
+              <a:cxn ang="0">
+                <a:pos x="connsiteX4" y="connsiteY4"/>
+              </a:cxn>
+            </a:cxnLst>
+            <a:rect l="l" t="t" r="r" b="b"/>
+            <a:pathLst>
+              <a:path w="159741" h="552996">
+                <a:moveTo>
+                  <a:pt x="159741" y="0"/>
+                </a:moveTo>
+                <a:lnTo>
+                  <a:pt x="159741" y="552996"/>
+                </a:lnTo>
+                <a:lnTo>
+                  <a:pt x="141849" y="543285"/>
+                </a:lnTo>
+                <a:cubicBezTo>
+                  <a:pt x="56268" y="485467"/>
+                  <a:pt x="0" y="387554"/>
+                  <a:pt x="0" y="276498"/>
+                </a:cubicBezTo>
+                <a:cubicBezTo>
+                  <a:pt x="0" y="165443"/>
+                  <a:pt x="56268" y="67529"/>
+                  <a:pt x="141849" y="9711"/>
+                </a:cubicBezTo>
+                <a:close/>
+              </a:path>
+            </a:pathLst>
+          </a:custGeom>
+          <a:solidFill>
+            <a:schemeClr val="accent4"/>
+          </a:solidFill>
+          <a:ln w="127000">
+            <a:noFill/>
+          </a:ln>
+        </p:spPr>
+        <p:style>
+          <a:lnRef idx="2">
+            <a:schemeClr val="accent1">
+              <a:shade val="50000"/>
+            </a:schemeClr>
+          </a:lnRef>
+          <a:fillRef idx="1">
+            <a:schemeClr val="accent1"/>
+          </a:fillRef>
+          <a:effectRef idx="0">
+            <a:schemeClr val="accent1"/>
+          </a:effectRef>
+          <a:fontRef idx="minor">
+            <a:schemeClr val="lt1"/>
+          </a:fontRef>
+        </p:style>
+        <p:txBody>
+          <a:bodyPr wrap="square" rtlCol="0" anchor="ctr">
+            <a:noAutofit/>
+          </a:bodyPr>
+          <a:lstStyle/>
+          <a:p>
+            <a:pPr algn="ctr"/>
+            <a:endParaRPr lang="en-US"/>
+          </a:p>
+        </p:txBody>
+      </p:sp>
+      <mc:AlternateContent xmlns:mc="http://schemas.openxmlformats.org/markup-compatibility/2006">
+        <mc:Choice xmlns:a14="http://schemas.microsoft.com/office/drawing/2010/main" Requires="a14">
+          <p:sp>
+            <p:nvSpPr>
+              <p:cNvPr id="3" name="Content Placeholder 2">
+                <a:extLst>
+                  <a:ext uri="{FF2B5EF4-FFF2-40B4-BE49-F238E27FC236}">
+                    <a16:creationId xmlns:a16="http://schemas.microsoft.com/office/drawing/2014/main" id="{88E9A3EB-E265-72AA-C8AA-0D5CF420F26D}"/>
+                  </a:ext>
+                </a:extLst>
+              </p:cNvPr>
+              <p:cNvSpPr>
+                <a:spLocks noGrp="1"/>
+              </p:cNvSpPr>
+              <p:nvPr>
+                <p:ph idx="1"/>
+              </p:nvPr>
+            </p:nvSpPr>
+            <p:spPr>
+              <a:xfrm>
+                <a:off x="6096000" y="820880"/>
+                <a:ext cx="5257799" cy="4889350"/>
+              </a:xfrm>
+            </p:spPr>
+            <p:txBody>
+              <a:bodyPr anchor="t">
+                <a:normAutofit fontScale="92500"/>
+              </a:bodyPr>
+              <a:lstStyle/>
+              <a:p>
+                <a:r>
+                  <a:rPr lang="en-US" sz="2200" dirty="0"/>
+                  <a:t>The multiple linear regression model has proved to not be a good fit. Here is why:</a:t>
+                </a:r>
+              </a:p>
+              <a:p>
+                <a:pPr marL="514350" indent="-514350">
+                  <a:buFont typeface="+mj-lt"/>
+                  <a:buAutoNum type="arabicPeriod"/>
+                </a:pPr>
+                <a:r>
+                  <a:rPr lang="en-US" sz="2200" dirty="0"/>
+                  <a:t>The coefficient of determination is about 0.4 (weak). For comparison, a 1.0 represents a perfect fit. This might be an indication of underfitting and that we need to use a more complicated model.</a:t>
+                </a:r>
+              </a:p>
+              <a:p>
+                <a:pPr marL="514350" indent="-514350">
+                  <a:buFont typeface="+mj-lt"/>
+                  <a:buAutoNum type="arabicPeriod"/>
+                </a:pPr>
+                <a:r>
+                  <a:rPr lang="en-US" sz="2200" dirty="0"/>
+                  <a:t>Some of the individual </a:t>
+                </a:r>
+                <a14:m>
+                  <m:oMath xmlns:m="http://schemas.openxmlformats.org/officeDocument/2006/math">
+                    <m:sSup>
+                      <m:sSupPr>
+                        <m:ctrlPr>
+                          <a:rPr lang="en-US" sz="2200" b="0" i="1" smtClean="0">
+                            <a:latin typeface="Cambria Math" panose="02040503050406030204" pitchFamily="18" charset="0"/>
+                          </a:rPr>
+                        </m:ctrlPr>
+                      </m:sSupPr>
+                      <m:e>
+                        <m:sSup>
+                          <m:sSupPr>
+                            <m:ctrlPr>
+                              <a:rPr lang="en-US" sz="2200" i="1" smtClean="0">
+                                <a:latin typeface="Cambria Math" panose="02040503050406030204" pitchFamily="18" charset="0"/>
+                              </a:rPr>
+                            </m:ctrlPr>
+                          </m:sSupPr>
+                          <m:e>
+                            <m:r>
+                              <a:rPr lang="en-US" sz="2200" b="0" i="1" smtClean="0">
+                                <a:latin typeface="Cambria Math" panose="02040503050406030204" pitchFamily="18" charset="0"/>
+                              </a:rPr>
+                              <m:t>𝑅</m:t>
+                            </m:r>
+                          </m:e>
+                          <m:sup>
+                            <m:r>
+                              <a:rPr lang="en-US" sz="2200" b="0" i="1" smtClean="0">
+                                <a:latin typeface="Cambria Math" panose="02040503050406030204" pitchFamily="18" charset="0"/>
+                              </a:rPr>
+                              <m:t>2</m:t>
+                            </m:r>
+                          </m:sup>
+                        </m:sSup>
+                      </m:e>
+                      <m:sup>
+                        <m:r>
+                          <a:rPr lang="en-US" sz="2200" b="0" i="0" smtClean="0">
+                            <a:latin typeface="Cambria Math" panose="02040503050406030204" pitchFamily="18" charset="0"/>
+                          </a:rPr>
+                          <m:t>′</m:t>
+                        </m:r>
+                      </m:sup>
+                    </m:sSup>
+                    <m:r>
+                      <m:rPr>
+                        <m:sty m:val="p"/>
+                      </m:rPr>
+                      <a:rPr lang="en-US" sz="2200" b="0" i="0" smtClean="0">
+                        <a:latin typeface="Cambria Math" panose="02040503050406030204" pitchFamily="18" charset="0"/>
+                      </a:rPr>
+                      <m:t>s</m:t>
+                    </m:r>
+                  </m:oMath>
+                </a14:m>
+                <a:r>
+                  <a:rPr lang="en-US" sz="2200" dirty="0"/>
+                  <a:t> for the independent variables turned out negative.</a:t>
+                </a:r>
+              </a:p>
+              <a:p>
+                <a:pPr marL="514350" indent="-514350">
+                  <a:buFont typeface="+mj-lt"/>
+                  <a:buAutoNum type="arabicPeriod"/>
+                </a:pPr>
+                <a:r>
+                  <a:rPr lang="en-US" sz="2200" dirty="0"/>
+                  <a:t>The assumptions might not be applicable with our data.</a:t>
+                </a:r>
+              </a:p>
+              <a:p>
+                <a:pPr marL="0" indent="0">
+                  <a:buNone/>
+                </a:pPr>
+                <a:r>
+                  <a:rPr lang="en-US" sz="2200" dirty="0"/>
+                  <a:t>Solution: Fit the data with a multivariate polynomial regression model with a degree that is &gt; 1.</a:t>
+                </a:r>
+              </a:p>
+            </p:txBody>
+          </p:sp>
+        </mc:Choice>
+        <mc:Fallback>
+          <p:sp>
+            <p:nvSpPr>
+              <p:cNvPr id="3" name="Content Placeholder 2">
+                <a:extLst>
+                  <a:ext uri="{FF2B5EF4-FFF2-40B4-BE49-F238E27FC236}">
+                    <a16:creationId xmlns:a16="http://schemas.microsoft.com/office/drawing/2014/main" id="{88E9A3EB-E265-72AA-C8AA-0D5CF420F26D}"/>
+                  </a:ext>
+                </a:extLst>
+              </p:cNvPr>
+              <p:cNvSpPr>
+                <a:spLocks noGrp="1" noRot="1" noChangeAspect="1" noMove="1" noResize="1" noEditPoints="1" noAdjustHandles="1" noChangeArrowheads="1" noChangeShapeType="1" noTextEdit="1"/>
+              </p:cNvSpPr>
+              <p:nvPr>
+                <p:ph idx="1"/>
+              </p:nvPr>
+            </p:nvSpPr>
+            <p:spPr>
+              <a:xfrm>
+                <a:off x="6096000" y="820880"/>
+                <a:ext cx="5257799" cy="4889350"/>
+              </a:xfrm>
+              <a:blipFill>
+                <a:blip r:embed="rId2"/>
+                <a:stretch>
+                  <a:fillRect l="-1276" t="-1372" r="-116"/>
+                </a:stretch>
+              </a:blipFill>
+            </p:spPr>
+            <p:txBody>
+              <a:bodyPr/>
+              <a:lstStyle/>
+              <a:p>
+                <a:r>
+                  <a:rPr lang="en-US">
+                    <a:noFill/>
+                  </a:rPr>
+                  <a:t> </a:t>
+                </a:r>
+              </a:p>
+            </p:txBody>
+          </p:sp>
+        </mc:Fallback>
+      </mc:AlternateContent>
+      <p:sp>
+        <p:nvSpPr>
+          <p:cNvPr id="18" name="Freeform: Shape 17">
+            <a:extLst>
+              <a:ext uri="{FF2B5EF4-FFF2-40B4-BE49-F238E27FC236}">
+                <a16:creationId xmlns:a16="http://schemas.microsoft.com/office/drawing/2014/main" id="{7B786209-1B0B-4CA9-9BDD-F7327066A84D}"/>
+              </a:ext>
+              <a:ext uri="{C183D7F6-B498-43B3-948B-1728B52AA6E4}">
+                <adec:decorative xmlns:adec="http://schemas.microsoft.com/office/drawing/2017/decorative" val="1"/>
+              </a:ext>
+            </a:extLst>
+          </p:cNvPr>
+          <p:cNvSpPr>
+            <a:spLocks noGrp="1" noRot="1" noChangeAspect="1" noMove="1" noResize="1" noEditPoints="1" noAdjustHandles="1" noChangeArrowheads="1" noChangeShapeType="1" noTextEdit="1"/>
+          </p:cNvSpPr>
+          <p:nvPr>
+            <p:extLst>
+              <p:ext uri="{386F3935-93C4-4BCD-93E2-E3B085C9AB24}">
+                <p16:designElem xmlns:p16="http://schemas.microsoft.com/office/powerpoint/2015/main" val="1"/>
+              </p:ext>
+            </p:extLst>
+          </p:nvPr>
+        </p:nvSpPr>
+        <p:spPr>
+          <a:xfrm flipH="1">
+            <a:off x="0" y="5835649"/>
+            <a:ext cx="1548180" cy="1022351"/>
+          </a:xfrm>
+          <a:custGeom>
+            <a:avLst/>
+            <a:gdLst>
+              <a:gd name="connsiteX0" fmla="*/ 61913 w 1548180"/>
+              <a:gd name="connsiteY0" fmla="*/ 0 h 1022351"/>
+              <a:gd name="connsiteX1" fmla="*/ 1548180 w 1548180"/>
+              <a:gd name="connsiteY1" fmla="*/ 0 h 1022351"/>
+              <a:gd name="connsiteX2" fmla="*/ 1548180 w 1548180"/>
+              <a:gd name="connsiteY2" fmla="*/ 123825 h 1022351"/>
+              <a:gd name="connsiteX3" fmla="*/ 123825 w 1548180"/>
+              <a:gd name="connsiteY3" fmla="*/ 123825 h 1022351"/>
+              <a:gd name="connsiteX4" fmla="*/ 123825 w 1548180"/>
+              <a:gd name="connsiteY4" fmla="*/ 1022351 h 1022351"/>
+              <a:gd name="connsiteX5" fmla="*/ 0 w 1548180"/>
+              <a:gd name="connsiteY5" fmla="*/ 1022351 h 1022351"/>
+              <a:gd name="connsiteX6" fmla="*/ 0 w 1548180"/>
+              <a:gd name="connsiteY6" fmla="*/ 61913 h 1022351"/>
+              <a:gd name="connsiteX7" fmla="*/ 61913 w 1548180"/>
+              <a:gd name="connsiteY7" fmla="*/ 0 h 1022351"/>
+            </a:gdLst>
+            <a:ahLst/>
+            <a:cxnLst>
+              <a:cxn ang="0">
+                <a:pos x="connsiteX0" y="connsiteY0"/>
+              </a:cxn>
+              <a:cxn ang="0">
+                <a:pos x="connsiteX1" y="connsiteY1"/>
+              </a:cxn>
+              <a:cxn ang="0">
+                <a:pos x="connsiteX2" y="connsiteY2"/>
+              </a:cxn>
+              <a:cxn ang="0">
+                <a:pos x="connsiteX3" y="connsiteY3"/>
+              </a:cxn>
+              <a:cxn ang="0">
+                <a:pos x="connsiteX4" y="connsiteY4"/>
+              </a:cxn>
+              <a:cxn ang="0">
+                <a:pos x="connsiteX5" y="connsiteY5"/>
+              </a:cxn>
+              <a:cxn ang="0">
+                <a:pos x="connsiteX6" y="connsiteY6"/>
+              </a:cxn>
+              <a:cxn ang="0">
+                <a:pos x="connsiteX7" y="connsiteY7"/>
+              </a:cxn>
+            </a:cxnLst>
+            <a:rect l="l" t="t" r="r" b="b"/>
+            <a:pathLst>
+              <a:path w="1548180" h="1022351">
+                <a:moveTo>
+                  <a:pt x="61913" y="0"/>
+                </a:moveTo>
+                <a:lnTo>
+                  <a:pt x="1548180" y="0"/>
+                </a:lnTo>
+                <a:lnTo>
+                  <a:pt x="1548180" y="123825"/>
+                </a:lnTo>
+                <a:lnTo>
+                  <a:pt x="123825" y="123825"/>
+                </a:lnTo>
+                <a:lnTo>
+                  <a:pt x="123825" y="1022351"/>
+                </a:lnTo>
+                <a:lnTo>
+                  <a:pt x="0" y="1022351"/>
+                </a:lnTo>
+                <a:lnTo>
+                  <a:pt x="0" y="61913"/>
+                </a:lnTo>
+                <a:cubicBezTo>
+                  <a:pt x="0" y="27719"/>
+                  <a:pt x="27719" y="0"/>
+                  <a:pt x="61913" y="0"/>
+                </a:cubicBezTo>
+                <a:close/>
+              </a:path>
+            </a:pathLst>
+          </a:custGeom>
+          <a:solidFill>
+            <a:schemeClr val="accent6"/>
+          </a:solidFill>
+          <a:ln w="9525" cap="flat">
+            <a:noFill/>
+            <a:prstDash val="solid"/>
+            <a:miter/>
+          </a:ln>
+        </p:spPr>
+        <p:txBody>
+          <a:bodyPr rtlCol="0" anchor="ctr"/>
+          <a:lstStyle/>
+          <a:p>
+            <a:endParaRPr lang="en-US"/>
+          </a:p>
+        </p:txBody>
+      </p:sp>
+      <p:sp>
+        <p:nvSpPr>
+          <p:cNvPr id="20" name="Freeform: Shape 19">
+            <a:extLst>
+              <a:ext uri="{FF2B5EF4-FFF2-40B4-BE49-F238E27FC236}">
+                <a16:creationId xmlns:a16="http://schemas.microsoft.com/office/drawing/2014/main" id="{2D2964BB-484D-45AE-AD66-D407D0629652}"/>
+              </a:ext>
+              <a:ext uri="{C183D7F6-B498-43B3-948B-1728B52AA6E4}">
+                <adec:decorative xmlns:adec="http://schemas.microsoft.com/office/drawing/2017/decorative" val="1"/>
+              </a:ext>
+            </a:extLst>
+          </p:cNvPr>
+          <p:cNvSpPr>
+            <a:spLocks noGrp="1" noRot="1" noChangeAspect="1" noMove="1" noResize="1" noEditPoints="1" noAdjustHandles="1" noChangeArrowheads="1" noChangeShapeType="1" noTextEdit="1"/>
+          </p:cNvSpPr>
+          <p:nvPr>
+            <p:extLst>
+              <p:ext uri="{386F3935-93C4-4BCD-93E2-E3B085C9AB24}">
+                <p16:designElem xmlns:p16="http://schemas.microsoft.com/office/powerpoint/2015/main" val="1"/>
+              </p:ext>
+            </p:extLst>
+          </p:nvPr>
+        </p:nvSpPr>
+        <p:spPr>
+          <a:xfrm flipH="1">
+            <a:off x="3418308" y="5717905"/>
+            <a:ext cx="1771609" cy="1140095"/>
+          </a:xfrm>
+          <a:custGeom>
+            <a:avLst/>
+            <a:gdLst>
+              <a:gd name="connsiteX0" fmla="*/ 1561721 w 1771609"/>
+              <a:gd name="connsiteY0" fmla="*/ 763041 h 1140095"/>
+              <a:gd name="connsiteX1" fmla="*/ 1623024 w 1771609"/>
+              <a:gd name="connsiteY1" fmla="*/ 792810 h 1140095"/>
+              <a:gd name="connsiteX2" fmla="*/ 1711735 w 1771609"/>
+              <a:gd name="connsiteY2" fmla="*/ 970132 h 1140095"/>
+              <a:gd name="connsiteX3" fmla="*/ 1771609 w 1771609"/>
+              <a:gd name="connsiteY3" fmla="*/ 1140095 h 1140095"/>
+              <a:gd name="connsiteX4" fmla="*/ 1637225 w 1771609"/>
+              <a:gd name="connsiteY4" fmla="*/ 1140095 h 1140095"/>
+              <a:gd name="connsiteX5" fmla="*/ 1594820 w 1771609"/>
+              <a:gd name="connsiteY5" fmla="*/ 1019711 h 1140095"/>
+              <a:gd name="connsiteX6" fmla="*/ 1513200 w 1771609"/>
+              <a:gd name="connsiteY6" fmla="*/ 856627 h 1140095"/>
+              <a:gd name="connsiteX7" fmla="*/ 1538499 w 1771609"/>
+              <a:gd name="connsiteY7" fmla="*/ 770415 h 1140095"/>
+              <a:gd name="connsiteX8" fmla="*/ 1561721 w 1771609"/>
+              <a:gd name="connsiteY8" fmla="*/ 763041 h 1140095"/>
+              <a:gd name="connsiteX9" fmla="*/ 933455 w 1771609"/>
+              <a:gd name="connsiteY9" fmla="*/ 161309 h 1140095"/>
+              <a:gd name="connsiteX10" fmla="*/ 957797 w 1771609"/>
+              <a:gd name="connsiteY10" fmla="*/ 167970 h 1140095"/>
+              <a:gd name="connsiteX11" fmla="*/ 1286982 w 1771609"/>
+              <a:gd name="connsiteY11" fmla="*/ 387616 h 1140095"/>
+              <a:gd name="connsiteX12" fmla="*/ 1293725 w 1771609"/>
+              <a:gd name="connsiteY12" fmla="*/ 477075 h 1140095"/>
+              <a:gd name="connsiteX13" fmla="*/ 1245453 w 1771609"/>
+              <a:gd name="connsiteY13" fmla="*/ 499154 h 1140095"/>
+              <a:gd name="connsiteX14" fmla="*/ 1245167 w 1771609"/>
+              <a:gd name="connsiteY14" fmla="*/ 499154 h 1140095"/>
+              <a:gd name="connsiteX15" fmla="*/ 1203638 w 1771609"/>
+              <a:gd name="connsiteY15" fmla="*/ 484104 h 1140095"/>
+              <a:gd name="connsiteX16" fmla="*/ 900647 w 1771609"/>
+              <a:gd name="connsiteY16" fmla="*/ 281508 h 1140095"/>
+              <a:gd name="connsiteX17" fmla="*/ 872454 w 1771609"/>
+              <a:gd name="connsiteY17" fmla="*/ 196164 h 1140095"/>
+              <a:gd name="connsiteX18" fmla="*/ 933455 w 1771609"/>
+              <a:gd name="connsiteY18" fmla="*/ 161309 h 1140095"/>
+              <a:gd name="connsiteX19" fmla="*/ 256260 w 1771609"/>
+              <a:gd name="connsiteY19" fmla="*/ 29 h 1140095"/>
+              <a:gd name="connsiteX20" fmla="*/ 454020 w 1771609"/>
+              <a:gd name="connsiteY20" fmla="*/ 13474 h 1140095"/>
+              <a:gd name="connsiteX21" fmla="*/ 509236 w 1771609"/>
+              <a:gd name="connsiteY21" fmla="*/ 84182 h 1140095"/>
+              <a:gd name="connsiteX22" fmla="*/ 445829 w 1771609"/>
+              <a:gd name="connsiteY22" fmla="*/ 139871 h 1140095"/>
+              <a:gd name="connsiteX23" fmla="*/ 437447 w 1771609"/>
+              <a:gd name="connsiteY23" fmla="*/ 139395 h 1140095"/>
+              <a:gd name="connsiteX24" fmla="*/ 73211 w 1771609"/>
+              <a:gd name="connsiteY24" fmla="*/ 137204 h 1140095"/>
+              <a:gd name="connsiteX25" fmla="*/ 749 w 1771609"/>
+              <a:gd name="connsiteY25" fmla="*/ 84082 h 1140095"/>
+              <a:gd name="connsiteX26" fmla="*/ 53871 w 1771609"/>
+              <a:gd name="connsiteY26" fmla="*/ 11621 h 1140095"/>
+              <a:gd name="connsiteX27" fmla="*/ 58352 w 1771609"/>
+              <a:gd name="connsiteY27" fmla="*/ 11093 h 1140095"/>
+              <a:gd name="connsiteX28" fmla="*/ 256260 w 1771609"/>
+              <a:gd name="connsiteY28" fmla="*/ 29 h 1140095"/>
+            </a:gdLst>
+            <a:ahLst/>
+            <a:cxnLst>
+              <a:cxn ang="0">
+                <a:pos x="connsiteX0" y="connsiteY0"/>
+              </a:cxn>
+              <a:cxn ang="0">
+                <a:pos x="connsiteX1" y="connsiteY1"/>
+              </a:cxn>
+              <a:cxn ang="0">
+                <a:pos x="connsiteX2" y="connsiteY2"/>
+              </a:cxn>
+              <a:cxn ang="0">
+                <a:pos x="connsiteX3" y="connsiteY3"/>
+              </a:cxn>
+              <a:cxn ang="0">
+                <a:pos x="connsiteX4" y="connsiteY4"/>
+              </a:cxn>
+              <a:cxn ang="0">
+                <a:pos x="connsiteX5" y="connsiteY5"/>
+              </a:cxn>
+              <a:cxn ang="0">
+                <a:pos x="connsiteX6" y="connsiteY6"/>
+              </a:cxn>
+              <a:cxn ang="0">
+                <a:pos x="connsiteX7" y="connsiteY7"/>
+              </a:cxn>
+              <a:cxn ang="0">
+                <a:pos x="connsiteX8" y="connsiteY8"/>
+              </a:cxn>
+              <a:cxn ang="0">
+                <a:pos x="connsiteX9" y="connsiteY9"/>
+              </a:cxn>
+              <a:cxn ang="0">
+                <a:pos x="connsiteX10" y="connsiteY10"/>
+              </a:cxn>
+              <a:cxn ang="0">
+                <a:pos x="connsiteX11" y="connsiteY11"/>
+              </a:cxn>
+              <a:cxn ang="0">
+                <a:pos x="connsiteX12" y="connsiteY12"/>
+              </a:cxn>
+              <a:cxn ang="0">
+                <a:pos x="connsiteX13" y="connsiteY13"/>
+              </a:cxn>
+              <a:cxn ang="0">
+                <a:pos x="connsiteX14" y="connsiteY14"/>
+              </a:cxn>
+              <a:cxn ang="0">
+                <a:pos x="connsiteX15" y="connsiteY15"/>
+              </a:cxn>
+              <a:cxn ang="0">
+                <a:pos x="connsiteX16" y="connsiteY16"/>
+              </a:cxn>
+              <a:cxn ang="0">
+                <a:pos x="connsiteX17" y="connsiteY17"/>
+              </a:cxn>
+              <a:cxn ang="0">
+                <a:pos x="connsiteX18" y="connsiteY18"/>
+              </a:cxn>
+              <a:cxn ang="0">
+                <a:pos x="connsiteX19" y="connsiteY19"/>
+              </a:cxn>
+              <a:cxn ang="0">
+                <a:pos x="connsiteX20" y="connsiteY20"/>
+              </a:cxn>
+              <a:cxn ang="0">
+                <a:pos x="connsiteX21" y="connsiteY21"/>
+              </a:cxn>
+              <a:cxn ang="0">
+                <a:pos x="connsiteX22" y="connsiteY22"/>
+              </a:cxn>
+              <a:cxn ang="0">
+                <a:pos x="connsiteX23" y="connsiteY23"/>
+              </a:cxn>
+              <a:cxn ang="0">
+                <a:pos x="connsiteX24" y="connsiteY24"/>
+              </a:cxn>
+              <a:cxn ang="0">
+                <a:pos x="connsiteX25" y="connsiteY25"/>
+              </a:cxn>
+              <a:cxn ang="0">
+                <a:pos x="connsiteX26" y="connsiteY26"/>
+              </a:cxn>
+              <a:cxn ang="0">
+                <a:pos x="connsiteX27" y="connsiteY27"/>
+              </a:cxn>
+              <a:cxn ang="0">
+                <a:pos x="connsiteX28" y="connsiteY28"/>
+              </a:cxn>
+            </a:cxnLst>
+            <a:rect l="l" t="t" r="r" b="b"/>
+            <a:pathLst>
+              <a:path w="1771609" h="1140095">
+                <a:moveTo>
+                  <a:pt x="1561721" y="763041"/>
+                </a:moveTo>
+                <a:cubicBezTo>
+                  <a:pt x="1585506" y="760324"/>
+                  <a:pt x="1609722" y="771249"/>
+                  <a:pt x="1623024" y="792810"/>
+                </a:cubicBezTo>
+                <a:cubicBezTo>
+                  <a:pt x="1656300" y="850065"/>
+                  <a:pt x="1685920" y="909291"/>
+                  <a:pt x="1711735" y="970132"/>
+                </a:cubicBezTo>
+                <a:lnTo>
+                  <a:pt x="1771609" y="1140095"/>
+                </a:lnTo>
+                <a:lnTo>
+                  <a:pt x="1637225" y="1140095"/>
+                </a:lnTo>
+                <a:lnTo>
+                  <a:pt x="1594820" y="1019711"/>
+                </a:lnTo>
+                <a:cubicBezTo>
+                  <a:pt x="1571072" y="963753"/>
+                  <a:pt x="1543818" y="909282"/>
+                  <a:pt x="1513200" y="856627"/>
+                </a:cubicBezTo>
+                <a:cubicBezTo>
+                  <a:pt x="1496379" y="825834"/>
+                  <a:pt x="1507704" y="787236"/>
+                  <a:pt x="1538499" y="770415"/>
+                </a:cubicBezTo>
+                <a:cubicBezTo>
+                  <a:pt x="1545912" y="766367"/>
+                  <a:pt x="1553792" y="763946"/>
+                  <a:pt x="1561721" y="763041"/>
+                </a:cubicBezTo>
+                <a:close/>
+                <a:moveTo>
+                  <a:pt x="933455" y="161309"/>
+                </a:moveTo>
+                <a:cubicBezTo>
+                  <a:pt x="941693" y="161855"/>
+                  <a:pt x="949959" y="164025"/>
+                  <a:pt x="957797" y="167970"/>
+                </a:cubicBezTo>
+                <a:cubicBezTo>
+                  <a:pt x="1076184" y="227289"/>
+                  <a:pt x="1186759" y="301068"/>
+                  <a:pt x="1286982" y="387616"/>
+                </a:cubicBezTo>
+                <a:cubicBezTo>
+                  <a:pt x="1313547" y="410457"/>
+                  <a:pt x="1316566" y="450510"/>
+                  <a:pt x="1293725" y="477075"/>
+                </a:cubicBezTo>
+                <a:cubicBezTo>
+                  <a:pt x="1281638" y="491137"/>
+                  <a:pt x="1263998" y="499204"/>
+                  <a:pt x="1245453" y="499154"/>
+                </a:cubicBezTo>
+                <a:lnTo>
+                  <a:pt x="1245167" y="499154"/>
+                </a:lnTo>
+                <a:cubicBezTo>
+                  <a:pt x="1229965" y="499301"/>
+                  <a:pt x="1215220" y="493956"/>
+                  <a:pt x="1203638" y="484104"/>
+                </a:cubicBezTo>
+                <a:cubicBezTo>
+                  <a:pt x="1111407" y="404300"/>
+                  <a:pt x="1009633" y="336248"/>
+                  <a:pt x="900647" y="281508"/>
+                </a:cubicBezTo>
+                <a:cubicBezTo>
+                  <a:pt x="869295" y="265726"/>
+                  <a:pt x="856672" y="227516"/>
+                  <a:pt x="872454" y="196164"/>
+                </a:cubicBezTo>
+                <a:cubicBezTo>
+                  <a:pt x="884290" y="172650"/>
+                  <a:pt x="908742" y="159670"/>
+                  <a:pt x="933455" y="161309"/>
+                </a:cubicBezTo>
+                <a:close/>
+                <a:moveTo>
+                  <a:pt x="256260" y="29"/>
+                </a:moveTo>
+                <a:cubicBezTo>
+                  <a:pt x="322331" y="427"/>
+                  <a:pt x="388378" y="4909"/>
+                  <a:pt x="454020" y="13474"/>
+                </a:cubicBezTo>
+                <a:cubicBezTo>
+                  <a:pt x="488793" y="17752"/>
+                  <a:pt x="513514" y="49409"/>
+                  <a:pt x="509236" y="84182"/>
+                </a:cubicBezTo>
+                <a:cubicBezTo>
+                  <a:pt x="505303" y="116151"/>
+                  <a:pt x="478038" y="140098"/>
+                  <a:pt x="445829" y="139871"/>
+                </a:cubicBezTo>
+                <a:cubicBezTo>
+                  <a:pt x="443027" y="139899"/>
+                  <a:pt x="440227" y="139740"/>
+                  <a:pt x="437447" y="139395"/>
+                </a:cubicBezTo>
+                <a:cubicBezTo>
+                  <a:pt x="316592" y="123615"/>
+                  <a:pt x="194247" y="122878"/>
+                  <a:pt x="73211" y="137204"/>
+                </a:cubicBezTo>
+                <a:cubicBezTo>
+                  <a:pt x="38532" y="142545"/>
+                  <a:pt x="6090" y="118762"/>
+                  <a:pt x="749" y="84082"/>
+                </a:cubicBezTo>
+                <a:cubicBezTo>
+                  <a:pt x="-4591" y="49403"/>
+                  <a:pt x="19192" y="16961"/>
+                  <a:pt x="53871" y="11621"/>
+                </a:cubicBezTo>
+                <a:cubicBezTo>
+                  <a:pt x="55358" y="11392"/>
+                  <a:pt x="56852" y="11216"/>
+                  <a:pt x="58352" y="11093"/>
+                </a:cubicBezTo>
+                <a:cubicBezTo>
+                  <a:pt x="124093" y="3319"/>
+                  <a:pt x="190189" y="-369"/>
+                  <a:pt x="256260" y="29"/>
+                </a:cubicBezTo>
+                <a:close/>
+              </a:path>
+            </a:pathLst>
+          </a:custGeom>
+          <a:solidFill>
+            <a:schemeClr val="accent4"/>
+          </a:solidFill>
+          <a:ln w="9525" cap="flat">
+            <a:noFill/>
+            <a:prstDash val="solid"/>
+            <a:miter/>
+          </a:ln>
+        </p:spPr>
+        <p:txBody>
+          <a:bodyPr rtlCol="0" anchor="ctr"/>
+          <a:lstStyle/>
+          <a:p>
+            <a:endParaRPr lang="en-US"/>
+          </a:p>
+        </p:txBody>
+      </p:sp>
+      <p:sp>
+        <p:nvSpPr>
+          <p:cNvPr id="22" name="Freeform: Shape 21">
+            <a:extLst>
+              <a:ext uri="{FF2B5EF4-FFF2-40B4-BE49-F238E27FC236}">
+                <a16:creationId xmlns:a16="http://schemas.microsoft.com/office/drawing/2014/main" id="{6691AC69-A76E-4DAB-B565-468B6B87ACF3}"/>
+              </a:ext>
+              <a:ext uri="{C183D7F6-B498-43B3-948B-1728B52AA6E4}">
+                <adec:decorative xmlns:adec="http://schemas.microsoft.com/office/drawing/2017/decorative" val="1"/>
+              </a:ext>
+            </a:extLst>
+          </p:cNvPr>
+          <p:cNvSpPr>
+            <a:spLocks noGrp="1" noRot="1" noChangeAspect="1" noMove="1" noResize="1" noEditPoints="1" noAdjustHandles="1" noChangeArrowheads="1" noChangeShapeType="1" noTextEdit="1"/>
+          </p:cNvSpPr>
+          <p:nvPr>
+            <p:extLst>
+              <p:ext uri="{386F3935-93C4-4BCD-93E2-E3B085C9AB24}">
+                <p16:designElem xmlns:p16="http://schemas.microsoft.com/office/powerpoint/2015/main" val="1"/>
+              </p:ext>
+            </p:extLst>
+          </p:nvPr>
+        </p:nvSpPr>
+        <p:spPr>
+          <a:xfrm flipH="1">
+            <a:off x="4132972" y="6258755"/>
+            <a:ext cx="1565940" cy="599245"/>
+          </a:xfrm>
+          <a:custGeom>
+            <a:avLst/>
+            <a:gdLst>
+              <a:gd name="connsiteX0" fmla="*/ 782970 w 1565940"/>
+              <a:gd name="connsiteY0" fmla="*/ 0 h 599245"/>
+              <a:gd name="connsiteX1" fmla="*/ 1528042 w 1565940"/>
+              <a:gd name="connsiteY1" fmla="*/ 480469 h 599245"/>
+              <a:gd name="connsiteX2" fmla="*/ 1565940 w 1565940"/>
+              <a:gd name="connsiteY2" fmla="*/ 599245 h 599245"/>
+              <a:gd name="connsiteX3" fmla="*/ 0 w 1565940"/>
+              <a:gd name="connsiteY3" fmla="*/ 599245 h 599245"/>
+              <a:gd name="connsiteX4" fmla="*/ 37898 w 1565940"/>
+              <a:gd name="connsiteY4" fmla="*/ 480469 h 599245"/>
+              <a:gd name="connsiteX5" fmla="*/ 782970 w 1565940"/>
+              <a:gd name="connsiteY5" fmla="*/ 0 h 599245"/>
+            </a:gdLst>
+            <a:ahLst/>
+            <a:cxnLst>
+              <a:cxn ang="0">
+                <a:pos x="connsiteX0" y="connsiteY0"/>
+              </a:cxn>
+              <a:cxn ang="0">
+                <a:pos x="connsiteX1" y="connsiteY1"/>
+              </a:cxn>
+              <a:cxn ang="0">
+                <a:pos x="connsiteX2" y="connsiteY2"/>
+              </a:cxn>
+              <a:cxn ang="0">
+                <a:pos x="connsiteX3" y="connsiteY3"/>
+              </a:cxn>
+              <a:cxn ang="0">
+                <a:pos x="connsiteX4" y="connsiteY4"/>
+              </a:cxn>
+              <a:cxn ang="0">
+                <a:pos x="connsiteX5" y="connsiteY5"/>
+              </a:cxn>
+            </a:cxnLst>
+            <a:rect l="l" t="t" r="r" b="b"/>
+            <a:pathLst>
+              <a:path w="1565940" h="599245">
+                <a:moveTo>
+                  <a:pt x="782970" y="0"/>
+                </a:moveTo>
+                <a:cubicBezTo>
+                  <a:pt x="1117910" y="0"/>
+                  <a:pt x="1405287" y="198118"/>
+                  <a:pt x="1528042" y="480469"/>
+                </a:cubicBezTo>
+                <a:lnTo>
+                  <a:pt x="1565940" y="599245"/>
+                </a:lnTo>
+                <a:lnTo>
+                  <a:pt x="0" y="599245"/>
+                </a:lnTo>
+                <a:lnTo>
+                  <a:pt x="37898" y="480469"/>
+                </a:lnTo>
+                <a:cubicBezTo>
+                  <a:pt x="160653" y="198118"/>
+                  <a:pt x="448030" y="0"/>
+                  <a:pt x="782970" y="0"/>
+                </a:cubicBezTo>
+                <a:close/>
+              </a:path>
+            </a:pathLst>
+          </a:custGeom>
+          <a:solidFill>
+            <a:schemeClr val="accent2"/>
+          </a:solidFill>
+          <a:ln>
+            <a:noFill/>
+          </a:ln>
+        </p:spPr>
+        <p:style>
+          <a:lnRef idx="2">
+            <a:schemeClr val="accent1">
+              <a:shade val="50000"/>
+            </a:schemeClr>
+          </a:lnRef>
+          <a:fillRef idx="1">
+            <a:schemeClr val="accent1"/>
+          </a:fillRef>
+          <a:effectRef idx="0">
+            <a:schemeClr val="accent1"/>
+          </a:effectRef>
+          <a:fontRef idx="minor">
+            <a:schemeClr val="lt1"/>
+          </a:fontRef>
+        </p:style>
+        <p:txBody>
+          <a:bodyPr wrap="square" rtlCol="0" anchor="ctr">
+            <a:noAutofit/>
+          </a:bodyPr>
+          <a:lstStyle/>
+          <a:p>
+            <a:pPr algn="ctr"/>
+            <a:endParaRPr lang="en-US" dirty="0"/>
+          </a:p>
+        </p:txBody>
+      </p:sp>
+    </p:spTree>
+    <p:extLst>
+      <p:ext uri="{BB962C8B-B14F-4D97-AF65-F5344CB8AC3E}">
+        <p14:creationId xmlns:p14="http://schemas.microsoft.com/office/powerpoint/2010/main" val="3723067953"/>
+      </p:ext>
+    </p:extLst>
+  </p:cSld>
+  <p:clrMapOvr>
+    <a:masterClrMapping/>
+  </p:clrMapOvr>
+</p:sld>
+</file>
+
+<file path=ppt/slides/slide18.xml><?xml version="1.0" encoding="utf-8"?>
+<p:sld xmlns:a="http://schemas.openxmlformats.org/drawingml/2006/main" xmlns:r="http://schemas.openxmlformats.org/officeDocument/2006/relationships" xmlns:p="http://schemas.openxmlformats.org/presentationml/2006/main">
+  <p:cSld>
+    <p:bg>
+      <p:bgPr>
+        <a:solidFill>
+          <a:schemeClr val="bg1"/>
+        </a:solidFill>
+        <a:effectLst/>
+      </p:bgPr>
+    </p:bg>
+    <p:spTree>
+      <p:nvGrpSpPr>
+        <p:cNvPr id="1" name=""/>
+        <p:cNvGrpSpPr/>
+        <p:nvPr/>
+      </p:nvGrpSpPr>
+      <p:grpSpPr>
+        <a:xfrm>
+          <a:off x="0" y="0"/>
+          <a:ext cx="0" cy="0"/>
+          <a:chOff x="0" y="0"/>
+          <a:chExt cx="0" cy="0"/>
+        </a:xfrm>
+      </p:grpSpPr>
+      <p:sp>
+        <p:nvSpPr>
+          <p:cNvPr id="1031" name="Rectangle 1030">
+            <a:extLst>
+              <a:ext uri="{FF2B5EF4-FFF2-40B4-BE49-F238E27FC236}">
+                <a16:creationId xmlns:a16="http://schemas.microsoft.com/office/drawing/2014/main" id="{2B566528-1B12-4246-9431-5C2D7D081168}"/>
+              </a:ext>
+              <a:ext uri="{C183D7F6-B498-43B3-948B-1728B52AA6E4}">
+                <adec:decorative xmlns:adec="http://schemas.microsoft.com/office/drawing/2017/decorative" val="1"/>
+              </a:ext>
+            </a:extLst>
+          </p:cNvPr>
+          <p:cNvSpPr>
+            <a:spLocks noGrp="1" noRot="1" noChangeAspect="1" noMove="1" noResize="1" noEditPoints="1" noAdjustHandles="1" noChangeArrowheads="1" noChangeShapeType="1" noTextEdit="1"/>
+          </p:cNvSpPr>
+          <p:nvPr>
+            <p:extLst>
+              <p:ext uri="{386F3935-93C4-4BCD-93E2-E3B085C9AB24}">
+                <p16:designElem xmlns:p16="http://schemas.microsoft.com/office/powerpoint/2015/main" val="1"/>
+              </p:ext>
+            </p:extLst>
+          </p:nvPr>
+        </p:nvSpPr>
+        <p:spPr>
+          <a:xfrm>
+            <a:off x="0" y="0"/>
+            <a:ext cx="12192000" cy="6858000"/>
+          </a:xfrm>
+          <a:prstGeom prst="rect">
+            <a:avLst/>
+          </a:prstGeom>
+          <a:solidFill>
+            <a:schemeClr val="bg1"/>
+          </a:solidFill>
+          <a:ln>
+            <a:noFill/>
+          </a:ln>
+        </p:spPr>
+        <p:style>
+          <a:lnRef idx="2">
+            <a:schemeClr val="accent1">
+              <a:shade val="50000"/>
+            </a:schemeClr>
+          </a:lnRef>
+          <a:fillRef idx="1">
+            <a:schemeClr val="accent1"/>
+          </a:fillRef>
+          <a:effectRef idx="0">
+            <a:schemeClr val="accent1"/>
+          </a:effectRef>
+          <a:fontRef idx="minor">
+            <a:schemeClr val="lt1"/>
+          </a:fontRef>
+        </p:style>
+        <p:txBody>
+          <a:bodyPr rtlCol="0" anchor="ctr"/>
+          <a:lstStyle/>
+          <a:p>
+            <a:pPr algn="ctr"/>
+            <a:endParaRPr lang="en-US" dirty="0"/>
+          </a:p>
+        </p:txBody>
+      </p:sp>
+      <p:sp>
+        <p:nvSpPr>
+          <p:cNvPr id="2" name="Title 1">
+            <a:extLst>
+              <a:ext uri="{FF2B5EF4-FFF2-40B4-BE49-F238E27FC236}">
+                <a16:creationId xmlns:a16="http://schemas.microsoft.com/office/drawing/2014/main" id="{E04A2AF5-66BD-82F1-9BE7-76E56BF23C8E}"/>
+              </a:ext>
+            </a:extLst>
+          </p:cNvPr>
+          <p:cNvSpPr>
+            <a:spLocks noGrp="1"/>
+          </p:cNvSpPr>
+          <p:nvPr>
+            <p:ph type="title"/>
+          </p:nvPr>
+        </p:nvSpPr>
+        <p:spPr>
+          <a:xfrm>
+            <a:off x="643467" y="321734"/>
+            <a:ext cx="10905066" cy="1135737"/>
+          </a:xfrm>
+        </p:spPr>
+        <p:txBody>
+          <a:bodyPr>
+            <a:normAutofit/>
+          </a:bodyPr>
+          <a:lstStyle/>
+          <a:p>
+            <a:r>
+              <a:rPr lang="en-US" sz="3600"/>
+              <a:t>Machine Learning Results</a:t>
+            </a:r>
+          </a:p>
+        </p:txBody>
+      </p:sp>
+      <p:sp>
+        <p:nvSpPr>
+          <p:cNvPr id="3" name="Content Placeholder 2">
+            <a:extLst>
+              <a:ext uri="{FF2B5EF4-FFF2-40B4-BE49-F238E27FC236}">
+                <a16:creationId xmlns:a16="http://schemas.microsoft.com/office/drawing/2014/main" id="{7F64C1BA-A050-0E45-212F-7F2776C08035}"/>
+              </a:ext>
+            </a:extLst>
+          </p:cNvPr>
+          <p:cNvSpPr>
+            <a:spLocks noGrp="1"/>
+          </p:cNvSpPr>
+          <p:nvPr>
+            <p:ph idx="1"/>
+          </p:nvPr>
+        </p:nvSpPr>
+        <p:spPr>
+          <a:xfrm>
+            <a:off x="643469" y="1782981"/>
+            <a:ext cx="4008384" cy="4393982"/>
+          </a:xfrm>
+        </p:spPr>
+        <p:txBody>
+          <a:bodyPr>
+            <a:normAutofit lnSpcReduction="10000"/>
+          </a:bodyPr>
+          <a:lstStyle/>
+          <a:p>
+            <a:r>
+              <a:rPr lang="en-US" sz="2000" dirty="0"/>
+              <a:t>The new model created using a multivariate polynomial model at degree three shows the most promising fit for the data, producing a mean squared error of about 0.012 and a root mean squared error of roughly 0.11 which is considerably better than the linear model at about 0.14 and 0.39, respectively.</a:t>
+            </a:r>
+          </a:p>
+          <a:p>
+            <a:r>
+              <a:rPr lang="en-US" sz="2000" dirty="0"/>
+              <a:t>A degree three polynomial was chosen to limit overfitting from higher-order terms.</a:t>
+            </a:r>
+          </a:p>
+          <a:p>
+            <a:r>
+              <a:rPr lang="en-US" sz="2000" dirty="0"/>
+              <a:t>As a standard, root mean squared error is usually a better indicator of model fit than the alternative.</a:t>
+            </a:r>
+          </a:p>
+        </p:txBody>
+      </p:sp>
+      <p:grpSp>
+        <p:nvGrpSpPr>
+          <p:cNvPr id="1033" name="Group 1032">
+            <a:extLst>
+              <a:ext uri="{FF2B5EF4-FFF2-40B4-BE49-F238E27FC236}">
+                <a16:creationId xmlns:a16="http://schemas.microsoft.com/office/drawing/2014/main" id="{828A5161-06F1-46CF-8AD7-844680A59E13}"/>
+              </a:ext>
+              <a:ext uri="{C183D7F6-B498-43B3-948B-1728B52AA6E4}">
+                <adec:decorative xmlns:adec="http://schemas.microsoft.com/office/drawing/2017/decorative" val="1"/>
+              </a:ext>
+            </a:extLst>
+          </p:cNvPr>
+          <p:cNvGrpSpPr>
+            <a:grpSpLocks noGrp="1" noUngrp="1" noRot="1" noChangeAspect="1" noMove="1" noResize="1"/>
+          </p:cNvGrpSpPr>
+          <p:nvPr>
+            <p:extLst>
+              <p:ext uri="{386F3935-93C4-4BCD-93E2-E3B085C9AB24}">
+                <p16:designElem xmlns:p16="http://schemas.microsoft.com/office/powerpoint/2015/main" val="1"/>
+              </p:ext>
+            </p:extLst>
+          </p:nvPr>
+        </p:nvGrpSpPr>
+        <p:grpSpPr>
+          <a:xfrm>
+            <a:off x="0" y="4601497"/>
+            <a:ext cx="1014060" cy="2017580"/>
+            <a:chOff x="0" y="4601497"/>
+            <a:chExt cx="1014060" cy="2017580"/>
+          </a:xfrm>
+        </p:grpSpPr>
+        <p:sp>
+          <p:nvSpPr>
+            <p:cNvPr id="1034" name="Isosceles Triangle 1033">
+              <a:extLst>
+                <a:ext uri="{FF2B5EF4-FFF2-40B4-BE49-F238E27FC236}">
+                  <a16:creationId xmlns:a16="http://schemas.microsoft.com/office/drawing/2014/main" id="{D3F51FEB-38FB-4F6C-9F7B-2F2AFAB65463}"/>
+                </a:ext>
+                <a:ext uri="{C183D7F6-B498-43B3-948B-1728B52AA6E4}">
+                  <adec:decorative xmlns:adec="http://schemas.microsoft.com/office/drawing/2017/decorative" val="1"/>
+                </a:ext>
+              </a:extLst>
+            </p:cNvPr>
+            <p:cNvSpPr/>
+            <p:nvPr>
+              <p:extLst>
+                <p:ext uri="{386F3935-93C4-4BCD-93E2-E3B085C9AB24}">
+                  <p16:designElem xmlns:p16="http://schemas.microsoft.com/office/powerpoint/2015/main" val="1"/>
+                </p:ext>
+              </p:extLst>
+            </p:nvPr>
+          </p:nvSpPr>
+          <p:spPr>
+            <a:xfrm rot="5400000">
+              <a:off x="-501760" y="5103257"/>
+              <a:ext cx="2017580" cy="1014060"/>
+            </a:xfrm>
+            <a:prstGeom prst="triangle">
+              <a:avLst>
+                <a:gd name="adj" fmla="val 50000"/>
+              </a:avLst>
+            </a:prstGeom>
+            <a:solidFill>
+              <a:schemeClr val="accent1">
+                <a:alpha val="30000"/>
+              </a:schemeClr>
+            </a:solidFill>
+            <a:ln>
+              <a:noFill/>
+            </a:ln>
+          </p:spPr>
+          <p:style>
+            <a:lnRef idx="2">
+              <a:schemeClr val="accent1">
+                <a:shade val="50000"/>
+              </a:schemeClr>
+            </a:lnRef>
+            <a:fillRef idx="1">
+              <a:schemeClr val="accent1"/>
+            </a:fillRef>
+            <a:effectRef idx="0">
+              <a:schemeClr val="accent1"/>
+            </a:effectRef>
+            <a:fontRef idx="minor">
+              <a:schemeClr val="lt1"/>
+            </a:fontRef>
+          </p:style>
+          <p:txBody>
+            <a:bodyPr rtlCol="0" anchor="ctr"/>
+            <a:lstStyle/>
+            <a:p>
+              <a:pPr algn="ctr"/>
+              <a:endParaRPr lang="en-US"/>
+            </a:p>
+          </p:txBody>
+        </p:sp>
+        <p:sp>
+          <p:nvSpPr>
+            <p:cNvPr id="1035" name="Rectangle 1034">
+              <a:extLst>
+                <a:ext uri="{FF2B5EF4-FFF2-40B4-BE49-F238E27FC236}">
+                  <a16:creationId xmlns:a16="http://schemas.microsoft.com/office/drawing/2014/main" id="{1E547BA6-BAE0-43BB-A7CA-60F69CE252F0}"/>
+                </a:ext>
+                <a:ext uri="{C183D7F6-B498-43B3-948B-1728B52AA6E4}">
+                  <adec:decorative xmlns:adec="http://schemas.microsoft.com/office/drawing/2017/decorative" val="1"/>
+                </a:ext>
+              </a:extLst>
+            </p:cNvPr>
+            <p:cNvSpPr/>
+            <p:nvPr>
+              <p:extLst>
+                <p:ext uri="{386F3935-93C4-4BCD-93E2-E3B085C9AB24}">
+                  <p16:designElem xmlns:p16="http://schemas.microsoft.com/office/powerpoint/2015/main" val="1"/>
+                </p:ext>
+              </p:extLst>
+            </p:nvPr>
+          </p:nvSpPr>
+          <p:spPr>
+            <a:xfrm rot="2700000">
+              <a:off x="427916" y="5728708"/>
+              <a:ext cx="485578" cy="485578"/>
+            </a:xfrm>
+            <a:prstGeom prst="rect">
+              <a:avLst/>
+            </a:prstGeom>
+            <a:solidFill>
+              <a:schemeClr val="accent1">
+                <a:alpha val="30000"/>
+              </a:schemeClr>
+            </a:solidFill>
+            <a:ln>
+              <a:noFill/>
+            </a:ln>
+          </p:spPr>
+          <p:style>
+            <a:lnRef idx="2">
+              <a:schemeClr val="accent1">
+                <a:shade val="50000"/>
+              </a:schemeClr>
+            </a:lnRef>
+            <a:fillRef idx="1">
+              <a:schemeClr val="accent1"/>
+            </a:fillRef>
+            <a:effectRef idx="0">
+              <a:schemeClr val="accent1"/>
+            </a:effectRef>
+            <a:fontRef idx="minor">
+              <a:schemeClr val="lt1"/>
+            </a:fontRef>
+          </p:style>
+          <p:txBody>
+            <a:bodyPr rtlCol="0" anchor="ctr"/>
+            <a:lstStyle/>
+            <a:p>
+              <a:pPr algn="ctr"/>
+              <a:endParaRPr lang="en-US"/>
+            </a:p>
+          </p:txBody>
+        </p:sp>
+      </p:grpSp>
+      <p:pic>
+        <p:nvPicPr>
+          <p:cNvPr id="1026" name="Picture 2" descr="Chart, line chart&#10;&#10;Description automatically generated">
+            <a:extLst>
+              <a:ext uri="{FF2B5EF4-FFF2-40B4-BE49-F238E27FC236}">
+                <a16:creationId xmlns:a16="http://schemas.microsoft.com/office/drawing/2014/main" id="{529CE00F-7BCE-A947-BE88-0F55FACFFD65}"/>
+              </a:ext>
+            </a:extLst>
+          </p:cNvPr>
+          <p:cNvPicPr>
+            <a:picLocks noChangeAspect="1" noChangeArrowheads="1"/>
+          </p:cNvPicPr>
+          <p:nvPr/>
+        </p:nvPicPr>
         <p:blipFill>
-          <a:blip r:embed="rId2" cstate="print">
+          <a:blip r:embed="rId2">
             <a:extLst>
               <a:ext uri="{28A0092B-C50C-407E-A947-70E740481C1C}">
                 <a14:useLocalDpi xmlns:a14="http://schemas.microsoft.com/office/drawing/2010/main" val="0"/>
@@ -6194,22 +11492,230 @@
             <a:fillRect/>
           </a:stretch>
         </p:blipFill>
-        <p:spPr>
+        <p:spPr bwMode="auto">
           <a:xfrm>
-            <a:off x="0" y="5863771"/>
-            <a:ext cx="1654627" cy="994232"/>
+            <a:off x="5346635" y="1782981"/>
+            <a:ext cx="6150581" cy="4361892"/>
           </a:xfrm>
           <a:prstGeom prst="rect">
             <a:avLst/>
           </a:prstGeom>
+          <a:noFill/>
+          <a:extLst>
+            <a:ext uri="{909E8E84-426E-40DD-AFC4-6F175D3DCCD1}">
+              <a14:hiddenFill xmlns:a14="http://schemas.microsoft.com/office/drawing/2010/main">
+                <a:solidFill>
+                  <a:srgbClr val="FFFFFF"/>
+                </a:solidFill>
+              </a14:hiddenFill>
+            </a:ext>
+          </a:extLst>
         </p:spPr>
       </p:pic>
+      <p:grpSp>
+        <p:nvGrpSpPr>
+          <p:cNvPr id="1037" name="Group 1036">
+            <a:extLst>
+              <a:ext uri="{FF2B5EF4-FFF2-40B4-BE49-F238E27FC236}">
+                <a16:creationId xmlns:a16="http://schemas.microsoft.com/office/drawing/2014/main" id="{5995D10D-E9C9-47DB-AE7E-801FEF38F5C9}"/>
+              </a:ext>
+              <a:ext uri="{C183D7F6-B498-43B3-948B-1728B52AA6E4}">
+                <adec:decorative xmlns:adec="http://schemas.microsoft.com/office/drawing/2017/decorative" val="1"/>
+              </a:ext>
+            </a:extLst>
+          </p:cNvPr>
+          <p:cNvGrpSpPr>
+            <a:grpSpLocks noGrp="1" noUngrp="1" noRot="1" noChangeAspect="1" noMove="1" noResize="1"/>
+          </p:cNvGrpSpPr>
+          <p:nvPr>
+            <p:extLst>
+              <p:ext uri="{386F3935-93C4-4BCD-93E2-E3B085C9AB24}">
+                <p16:designElem xmlns:p16="http://schemas.microsoft.com/office/powerpoint/2015/main" val="1"/>
+              </p:ext>
+            </p:extLst>
+          </p:nvPr>
+        </p:nvGrpSpPr>
+        <p:grpSpPr>
+          <a:xfrm>
+            <a:off x="11219290" y="1"/>
+            <a:ext cx="972709" cy="1935307"/>
+            <a:chOff x="10918968" y="713127"/>
+            <a:chExt cx="1273032" cy="2532832"/>
+          </a:xfrm>
+        </p:grpSpPr>
+        <p:sp>
+          <p:nvSpPr>
+            <p:cNvPr id="1038" name="Rectangle 1037">
+              <a:extLst>
+                <a:ext uri="{FF2B5EF4-FFF2-40B4-BE49-F238E27FC236}">
+                  <a16:creationId xmlns:a16="http://schemas.microsoft.com/office/drawing/2014/main" id="{CC1A72C6-3DE4-4EC3-9AD5-9E0D40D8CE8A}"/>
+                </a:ext>
+                <a:ext uri="{C183D7F6-B498-43B3-948B-1728B52AA6E4}">
+                  <adec:decorative xmlns:adec="http://schemas.microsoft.com/office/drawing/2017/decorative" val="1"/>
+                </a:ext>
+              </a:extLst>
+            </p:cNvPr>
+            <p:cNvSpPr/>
+            <p:nvPr>
+              <p:extLst>
+                <p:ext uri="{386F3935-93C4-4BCD-93E2-E3B085C9AB24}">
+                  <p16:designElem xmlns:p16="http://schemas.microsoft.com/office/powerpoint/2015/main" val="1"/>
+                </p:ext>
+              </p:extLst>
+            </p:nvPr>
+          </p:nvSpPr>
+          <p:spPr>
+            <a:xfrm rot="2700000">
+              <a:off x="11052629" y="2120024"/>
+              <a:ext cx="645368" cy="645368"/>
+            </a:xfrm>
+            <a:prstGeom prst="rect">
+              <a:avLst/>
+            </a:prstGeom>
+            <a:solidFill>
+              <a:schemeClr val="accent4">
+                <a:alpha val="30000"/>
+              </a:schemeClr>
+            </a:solidFill>
+            <a:ln>
+              <a:noFill/>
+            </a:ln>
+          </p:spPr>
+          <p:style>
+            <a:lnRef idx="2">
+              <a:schemeClr val="accent1">
+                <a:shade val="50000"/>
+              </a:schemeClr>
+            </a:lnRef>
+            <a:fillRef idx="1">
+              <a:schemeClr val="accent1"/>
+            </a:fillRef>
+            <a:effectRef idx="0">
+              <a:schemeClr val="accent1"/>
+            </a:effectRef>
+            <a:fontRef idx="minor">
+              <a:schemeClr val="lt1"/>
+            </a:fontRef>
+          </p:style>
+          <p:txBody>
+            <a:bodyPr rtlCol="0" anchor="ctr"/>
+            <a:lstStyle/>
+            <a:p>
+              <a:pPr algn="ctr"/>
+              <a:endParaRPr lang="en-US"/>
+            </a:p>
+          </p:txBody>
+        </p:sp>
+        <p:sp>
+          <p:nvSpPr>
+            <p:cNvPr id="1039" name="Isosceles Triangle 1038">
+              <a:extLst>
+                <a:ext uri="{FF2B5EF4-FFF2-40B4-BE49-F238E27FC236}">
+                  <a16:creationId xmlns:a16="http://schemas.microsoft.com/office/drawing/2014/main" id="{0B0DA1F1-C391-4EDF-9FE0-23E86E137765}"/>
+                </a:ext>
+                <a:ext uri="{C183D7F6-B498-43B3-948B-1728B52AA6E4}">
+                  <adec:decorative xmlns:adec="http://schemas.microsoft.com/office/drawing/2017/decorative" val="1"/>
+                </a:ext>
+              </a:extLst>
+            </p:cNvPr>
+            <p:cNvSpPr/>
+            <p:nvPr>
+              <p:extLst>
+                <p:ext uri="{386F3935-93C4-4BCD-93E2-E3B085C9AB24}">
+                  <p16:designElem xmlns:p16="http://schemas.microsoft.com/office/powerpoint/2015/main" val="1"/>
+                </p:ext>
+              </p:extLst>
+            </p:nvPr>
+          </p:nvSpPr>
+          <p:spPr>
+            <a:xfrm rot="16200000">
+              <a:off x="10289068" y="1343027"/>
+              <a:ext cx="2532832" cy="1273032"/>
+            </a:xfrm>
+            <a:prstGeom prst="triangle">
+              <a:avLst>
+                <a:gd name="adj" fmla="val 50000"/>
+              </a:avLst>
+            </a:prstGeom>
+            <a:solidFill>
+              <a:schemeClr val="accent4">
+                <a:alpha val="30000"/>
+              </a:schemeClr>
+            </a:solidFill>
+            <a:ln>
+              <a:noFill/>
+            </a:ln>
+          </p:spPr>
+          <p:style>
+            <a:lnRef idx="2">
+              <a:schemeClr val="accent1">
+                <a:shade val="50000"/>
+              </a:schemeClr>
+            </a:lnRef>
+            <a:fillRef idx="1">
+              <a:schemeClr val="accent1"/>
+            </a:fillRef>
+            <a:effectRef idx="0">
+              <a:schemeClr val="accent1"/>
+            </a:effectRef>
+            <a:fontRef idx="minor">
+              <a:schemeClr val="lt1"/>
+            </a:fontRef>
+          </p:style>
+          <p:txBody>
+            <a:bodyPr rtlCol="0" anchor="ctr"/>
+            <a:lstStyle/>
+            <a:p>
+              <a:pPr algn="ctr"/>
+              <a:endParaRPr lang="en-US" dirty="0"/>
+            </a:p>
+          </p:txBody>
+        </p:sp>
+      </p:grpSp>
+    </p:spTree>
+    <p:extLst>
+      <p:ext uri="{BB962C8B-B14F-4D97-AF65-F5344CB8AC3E}">
+        <p14:creationId xmlns:p14="http://schemas.microsoft.com/office/powerpoint/2010/main" val="820155493"/>
+      </p:ext>
+    </p:extLst>
+  </p:cSld>
+  <p:clrMapOvr>
+    <a:masterClrMapping/>
+  </p:clrMapOvr>
+</p:sld>
+</file>
+
+<file path=ppt/slides/slide19.xml><?xml version="1.0" encoding="utf-8"?>
+<p:sld xmlns:a="http://schemas.openxmlformats.org/drawingml/2006/main" xmlns:r="http://schemas.openxmlformats.org/officeDocument/2006/relationships" xmlns:p="http://schemas.openxmlformats.org/presentationml/2006/main">
+  <p:cSld>
+    <p:bg>
+      <p:bgPr>
+        <a:solidFill>
+          <a:schemeClr val="bg1"/>
+        </a:solidFill>
+        <a:effectLst/>
+      </p:bgPr>
+    </p:bg>
+    <p:spTree>
+      <p:nvGrpSpPr>
+        <p:cNvPr id="1" name=""/>
+        <p:cNvGrpSpPr/>
+        <p:nvPr/>
+      </p:nvGrpSpPr>
+      <p:grpSpPr>
+        <a:xfrm>
+          <a:off x="0" y="0"/>
+          <a:ext cx="0" cy="0"/>
+          <a:chOff x="0" y="0"/>
+          <a:chExt cx="0" cy="0"/>
+        </a:xfrm>
+      </p:grpSpPr>
       <p:sp>
         <p:nvSpPr>
-          <p:cNvPr id="6" name="Subtitle 5">
+          <p:cNvPr id="2" name="Title 1">
             <a:extLst>
               <a:ext uri="{FF2B5EF4-FFF2-40B4-BE49-F238E27FC236}">
-                <a16:creationId xmlns:a16="http://schemas.microsoft.com/office/drawing/2014/main" id="{2D4BA697-580E-5544-8F2F-194AD99B859F}"/>
+                <a16:creationId xmlns:a16="http://schemas.microsoft.com/office/drawing/2014/main" id="{1EAB0897-1BF9-0386-6F01-A6B8C8CFD9E7}"/>
               </a:ext>
             </a:extLst>
           </p:cNvPr>
@@ -6217,43 +11723,145 @@
             <a:spLocks noGrp="1"/>
           </p:cNvSpPr>
           <p:nvPr>
-            <p:ph type="subTitle" idx="1"/>
+            <p:ph type="title"/>
           </p:nvPr>
         </p:nvSpPr>
         <p:spPr>
           <a:xfrm>
-            <a:off x="5152570" y="2481943"/>
-            <a:ext cx="5558973" cy="1655762"/>
+            <a:off x="4965430" y="629268"/>
+            <a:ext cx="6586491" cy="1286160"/>
           </a:xfrm>
         </p:spPr>
         <p:txBody>
-          <a:bodyPr>
+          <a:bodyPr anchor="b">
             <a:normAutofit/>
           </a:bodyPr>
           <a:lstStyle/>
           <a:p>
             <a:r>
-              <a:rPr lang="en-US" sz="6600" dirty="0">
-                <a:solidFill>
-                  <a:srgbClr val="FF6600"/>
-                </a:solidFill>
-              </a:rPr>
-              <a:t>Thank You</a:t>
+              <a:rPr lang="en-US" dirty="0"/>
+              <a:t>Limitations &amp; Expansion</a:t>
             </a:r>
-          </a:p>
-          <a:p>
-            <a:endParaRPr lang="en-US" sz="6600" dirty="0">
-              <a:solidFill>
-                <a:srgbClr val="FF6600"/>
-              </a:solidFill>
-            </a:endParaRPr>
           </a:p>
         </p:txBody>
       </p:sp>
+      <p:pic>
+        <p:nvPicPr>
+          <p:cNvPr id="6" name="Picture 5" descr="Background pattern&#10;&#10;Description automatically generated">
+            <a:extLst>
+              <a:ext uri="{FF2B5EF4-FFF2-40B4-BE49-F238E27FC236}">
+                <a16:creationId xmlns:a16="http://schemas.microsoft.com/office/drawing/2014/main" id="{429A5EC3-CB21-7B50-1AEF-D2DA43C65035}"/>
+              </a:ext>
+            </a:extLst>
+          </p:cNvPr>
+          <p:cNvPicPr>
+            <a:picLocks noChangeAspect="1"/>
+          </p:cNvPicPr>
+          <p:nvPr/>
+        </p:nvPicPr>
+        <p:blipFill rotWithShape="1">
+          <a:blip r:embed="rId2"/>
+          <a:srcRect l="48281" r="1024"/>
+          <a:stretch/>
+        </p:blipFill>
+        <p:spPr>
+          <a:xfrm>
+            <a:off x="20" y="10"/>
+            <a:ext cx="4635571" cy="6857990"/>
+          </a:xfrm>
+          <a:prstGeom prst="rect">
+            <a:avLst/>
+          </a:prstGeom>
+          <a:effectLst/>
+        </p:spPr>
+      </p:pic>
+      <p:cxnSp>
+        <p:nvCxnSpPr>
+          <p:cNvPr id="10" name="Straight Connector 9">
+            <a:extLst>
+              <a:ext uri="{FF2B5EF4-FFF2-40B4-BE49-F238E27FC236}">
+                <a16:creationId xmlns:a16="http://schemas.microsoft.com/office/drawing/2014/main" id="{A7F400EE-A8A5-48AF-B4D6-291B52C6F0B0}"/>
+              </a:ext>
+              <a:ext uri="{C183D7F6-B498-43B3-948B-1728B52AA6E4}">
+                <adec:decorative xmlns:adec="http://schemas.microsoft.com/office/drawing/2017/decorative" val="1"/>
+              </a:ext>
+            </a:extLst>
+          </p:cNvPr>
+          <p:cNvCxnSpPr>
+            <a:cxnSpLocks noGrp="1" noRot="1" noChangeAspect="1" noMove="1" noResize="1" noEditPoints="1" noAdjustHandles="1" noChangeArrowheads="1" noChangeShapeType="1"/>
+          </p:cNvCxnSpPr>
+          <p:nvPr>
+            <p:extLst>
+              <p:ext uri="{386F3935-93C4-4BCD-93E2-E3B085C9AB24}">
+                <p16:designElem xmlns:p16="http://schemas.microsoft.com/office/powerpoint/2015/main" val="1"/>
+              </p:ext>
+            </p:extLst>
+          </p:nvPr>
+        </p:nvCxnSpPr>
+        <p:spPr>
+          <a:xfrm>
+            <a:off x="5080934" y="2115117"/>
+            <a:ext cx="6309360" cy="0"/>
+          </a:xfrm>
+          <a:prstGeom prst="line">
+            <a:avLst/>
+          </a:prstGeom>
+          <a:ln w="19050">
+            <a:solidFill>
+              <a:srgbClr val="195FAF"/>
+            </a:solidFill>
+          </a:ln>
+        </p:spPr>
+        <p:style>
+          <a:lnRef idx="1">
+            <a:schemeClr val="accent1"/>
+          </a:lnRef>
+          <a:fillRef idx="0">
+            <a:schemeClr val="accent1"/>
+          </a:fillRef>
+          <a:effectRef idx="0">
+            <a:schemeClr val="accent1"/>
+          </a:effectRef>
+          <a:fontRef idx="minor">
+            <a:schemeClr val="tx1"/>
+          </a:fontRef>
+        </p:style>
+      </p:cxnSp>
+      <p:graphicFrame>
+        <p:nvGraphicFramePr>
+          <p:cNvPr id="5" name="Content Placeholder 2">
+            <a:extLst>
+              <a:ext uri="{FF2B5EF4-FFF2-40B4-BE49-F238E27FC236}">
+                <a16:creationId xmlns:a16="http://schemas.microsoft.com/office/drawing/2014/main" id="{02005720-0AAF-3150-8A42-1EDCBCD47E94}"/>
+              </a:ext>
+            </a:extLst>
+          </p:cNvPr>
+          <p:cNvGraphicFramePr>
+            <a:graphicFrameLocks noGrp="1"/>
+          </p:cNvGraphicFramePr>
+          <p:nvPr>
+            <p:ph idx="1"/>
+            <p:extLst>
+              <p:ext uri="{D42A27DB-BD31-4B8C-83A1-F6EECF244321}">
+                <p14:modId xmlns:p14="http://schemas.microsoft.com/office/powerpoint/2010/main" val="427707206"/>
+              </p:ext>
+            </p:extLst>
+          </p:nvPr>
+        </p:nvGraphicFramePr>
+        <p:xfrm>
+          <a:off x="4965431" y="2438400"/>
+          <a:ext cx="6586489" cy="3785419"/>
+        </p:xfrm>
+        <a:graphic>
+          <a:graphicData uri="http://schemas.openxmlformats.org/drawingml/2006/diagram">
+            <dgm:relIds xmlns:dgm="http://schemas.openxmlformats.org/drawingml/2006/diagram" xmlns:r="http://schemas.openxmlformats.org/officeDocument/2006/relationships" r:dm="rId3" r:lo="rId4" r:qs="rId5" r:cs="rId6"/>
+          </a:graphicData>
+        </a:graphic>
+      </p:graphicFrame>
     </p:spTree>
     <p:extLst>
       <p:ext uri="{BB962C8B-B14F-4D97-AF65-F5344CB8AC3E}">
-        <p14:creationId xmlns:p14="http://schemas.microsoft.com/office/powerpoint/2010/main" val="116821060"/>
+        <p14:creationId xmlns:p14="http://schemas.microsoft.com/office/powerpoint/2010/main" val="1882249699"/>
       </p:ext>
     </p:extLst>
   </p:cSld>
@@ -6393,7 +12001,7 @@
                   <a:srgbClr val="FF6600"/>
                 </a:solidFill>
               </a:rPr>
-              <a:t>         Background</a:t>
+              <a:t>         Background………........................3</a:t>
             </a:r>
           </a:p>
           <a:p>
@@ -6404,7 +12012,7 @@
                   <a:srgbClr val="FF6600"/>
                 </a:solidFill>
               </a:rPr>
-              <a:t>         Data Understanding</a:t>
+              <a:t>         Data Understanding…………..….…4</a:t>
             </a:r>
           </a:p>
           <a:p>
@@ -6415,7 +12023,7 @@
                   <a:srgbClr val="FF6600"/>
                 </a:solidFill>
               </a:rPr>
-              <a:t>         Quantitative Data Analysis</a:t>
+              <a:t>         Quantitative Data Analysis……5-6</a:t>
             </a:r>
           </a:p>
           <a:p>
@@ -6426,7 +12034,7 @@
                   <a:srgbClr val="FF6600"/>
                 </a:solidFill>
               </a:rPr>
-              <a:t>         Patient Demographic</a:t>
+              <a:t>         Patient Demographic………….7-12</a:t>
             </a:r>
           </a:p>
           <a:p>
@@ -6437,7 +12045,7 @@
                   <a:srgbClr val="FF6600"/>
                 </a:solidFill>
               </a:rPr>
-              <a:t>         Categorical Data Analysis</a:t>
+              <a:t>         Categorical Data Analysis….13-14</a:t>
             </a:r>
           </a:p>
           <a:p>
@@ -6448,7 +12056,29 @@
                   <a:srgbClr val="FF6600"/>
                 </a:solidFill>
               </a:rPr>
-              <a:t>         Recommendations</a:t>
+              <a:t>         Recommendations (For ML)..…15</a:t>
+            </a:r>
+          </a:p>
+          <a:p>
+            <a:pPr algn="just"/>
+            <a:r>
+              <a:rPr lang="en-US" sz="2800" dirty="0">
+                <a:solidFill>
+                  <a:srgbClr val="FF6600"/>
+                </a:solidFill>
+              </a:rPr>
+              <a:t>         Machine Learning Results…16-19</a:t>
+            </a:r>
+          </a:p>
+          <a:p>
+            <a:pPr algn="just"/>
+            <a:r>
+              <a:rPr lang="en-US" sz="2800" dirty="0">
+                <a:solidFill>
+                  <a:srgbClr val="FF6600"/>
+                </a:solidFill>
+              </a:rPr>
+              <a:t>         Sources………………………………….20</a:t>
             </a:r>
           </a:p>
           <a:p>
@@ -6476,10 +12106,10 @@
       </p:sp>
       <p:pic>
         <p:nvPicPr>
-          <p:cNvPr id="4" name="Picture 3">
+          <p:cNvPr id="5" name="Picture 4">
             <a:extLst>
               <a:ext uri="{FF2B5EF4-FFF2-40B4-BE49-F238E27FC236}">
-                <a16:creationId xmlns:a16="http://schemas.microsoft.com/office/drawing/2014/main" id="{7A465064-0714-5743-882B-8875105A7023}"/>
+                <a16:creationId xmlns:a16="http://schemas.microsoft.com/office/drawing/2014/main" id="{3942EF2B-F896-1F2C-6D85-7617C2DDC3EF}"/>
               </a:ext>
             </a:extLst>
           </p:cNvPr>
@@ -6489,7 +12119,7 @@
           <p:nvPr/>
         </p:nvPicPr>
         <p:blipFill>
-          <a:blip r:embed="rId2" cstate="print">
+          <a:blip r:embed="rId2">
             <a:extLst>
               <a:ext uri="{28A0092B-C50C-407E-A947-70E740481C1C}">
                 <a14:useLocalDpi xmlns:a14="http://schemas.microsoft.com/office/drawing/2010/main" val="0"/>
@@ -6502,8 +12132,8 @@
         </p:blipFill>
         <p:spPr>
           <a:xfrm>
-            <a:off x="0" y="5863771"/>
-            <a:ext cx="1654627" cy="994232"/>
+            <a:off x="102659" y="5568593"/>
+            <a:ext cx="1976145" cy="1976145"/>
           </a:xfrm>
           <a:prstGeom prst="rect">
             <a:avLst/>
@@ -6520,6 +12150,1227 @@
   <p:clrMapOvr>
     <a:masterClrMapping/>
   </p:clrMapOvr>
+</p:sld>
+</file>
+
+<file path=ppt/slides/slide20.xml><?xml version="1.0" encoding="utf-8"?>
+<p:sld xmlns:a="http://schemas.openxmlformats.org/drawingml/2006/main" xmlns:r="http://schemas.openxmlformats.org/officeDocument/2006/relationships" xmlns:p="http://schemas.openxmlformats.org/presentationml/2006/main">
+  <p:cSld>
+    <p:bg>
+      <p:bgPr>
+        <a:solidFill>
+          <a:schemeClr val="bg1"/>
+        </a:solidFill>
+        <a:effectLst/>
+      </p:bgPr>
+    </p:bg>
+    <p:spTree>
+      <p:nvGrpSpPr>
+        <p:cNvPr id="1" name=""/>
+        <p:cNvGrpSpPr/>
+        <p:nvPr/>
+      </p:nvGrpSpPr>
+      <p:grpSpPr>
+        <a:xfrm>
+          <a:off x="0" y="0"/>
+          <a:ext cx="0" cy="0"/>
+          <a:chOff x="0" y="0"/>
+          <a:chExt cx="0" cy="0"/>
+        </a:xfrm>
+      </p:grpSpPr>
+      <p:sp useBgFill="1">
+        <p:nvSpPr>
+          <p:cNvPr id="9" name="Rectangle 8">
+            <a:extLst>
+              <a:ext uri="{FF2B5EF4-FFF2-40B4-BE49-F238E27FC236}">
+                <a16:creationId xmlns:a16="http://schemas.microsoft.com/office/drawing/2014/main" id="{2C61293E-6EBE-43EF-A52C-9BEBFD7679D4}"/>
+              </a:ext>
+              <a:ext uri="{C183D7F6-B498-43B3-948B-1728B52AA6E4}">
+                <adec:decorative xmlns:adec="http://schemas.microsoft.com/office/drawing/2017/decorative" val="1"/>
+              </a:ext>
+            </a:extLst>
+          </p:cNvPr>
+          <p:cNvSpPr>
+            <a:spLocks noGrp="1" noRot="1" noChangeAspect="1" noMove="1" noResize="1" noEditPoints="1" noAdjustHandles="1" noChangeArrowheads="1" noChangeShapeType="1" noTextEdit="1"/>
+          </p:cNvSpPr>
+          <p:nvPr>
+            <p:extLst>
+              <p:ext uri="{386F3935-93C4-4BCD-93E2-E3B085C9AB24}">
+                <p16:designElem xmlns:p16="http://schemas.microsoft.com/office/powerpoint/2015/main" val="1"/>
+              </p:ext>
+            </p:extLst>
+          </p:nvPr>
+        </p:nvSpPr>
+        <p:spPr>
+          <a:xfrm>
+            <a:off x="0" y="0"/>
+            <a:ext cx="12188952" cy="6858000"/>
+          </a:xfrm>
+          <a:prstGeom prst="rect">
+            <a:avLst/>
+          </a:prstGeom>
+          <a:ln>
+            <a:noFill/>
+          </a:ln>
+        </p:spPr>
+        <p:style>
+          <a:lnRef idx="2">
+            <a:schemeClr val="accent1">
+              <a:shade val="50000"/>
+            </a:schemeClr>
+          </a:lnRef>
+          <a:fillRef idx="1">
+            <a:schemeClr val="accent1"/>
+          </a:fillRef>
+          <a:effectRef idx="0">
+            <a:schemeClr val="accent1"/>
+          </a:effectRef>
+          <a:fontRef idx="minor">
+            <a:schemeClr val="lt1"/>
+          </a:fontRef>
+        </p:style>
+        <p:txBody>
+          <a:bodyPr rtlCol="0" anchor="ctr"/>
+          <a:lstStyle/>
+          <a:p>
+            <a:pPr algn="ctr"/>
+            <a:endParaRPr lang="en-US"/>
+          </a:p>
+        </p:txBody>
+      </p:sp>
+      <p:sp>
+        <p:nvSpPr>
+          <p:cNvPr id="2" name="Title 1">
+            <a:extLst>
+              <a:ext uri="{FF2B5EF4-FFF2-40B4-BE49-F238E27FC236}">
+                <a16:creationId xmlns:a16="http://schemas.microsoft.com/office/drawing/2014/main" id="{4E17A7D4-754D-8604-7D55-CBF37806D3E7}"/>
+              </a:ext>
+            </a:extLst>
+          </p:cNvPr>
+          <p:cNvSpPr>
+            <a:spLocks noGrp="1"/>
+          </p:cNvSpPr>
+          <p:nvPr>
+            <p:ph type="title"/>
+          </p:nvPr>
+        </p:nvSpPr>
+        <p:spPr>
+          <a:xfrm>
+            <a:off x="5297762" y="329184"/>
+            <a:ext cx="6251110" cy="1783080"/>
+          </a:xfrm>
+        </p:spPr>
+        <p:txBody>
+          <a:bodyPr anchor="b">
+            <a:normAutofit/>
+          </a:bodyPr>
+          <a:lstStyle/>
+          <a:p>
+            <a:r>
+              <a:rPr lang="en-US" sz="5400"/>
+              <a:t>Sources</a:t>
+            </a:r>
+          </a:p>
+        </p:txBody>
+      </p:sp>
+      <p:pic>
+        <p:nvPicPr>
+          <p:cNvPr id="5" name="Picture 4" descr="Pin on a map">
+            <a:extLst>
+              <a:ext uri="{FF2B5EF4-FFF2-40B4-BE49-F238E27FC236}">
+                <a16:creationId xmlns:a16="http://schemas.microsoft.com/office/drawing/2014/main" id="{E6342E2D-C376-2A84-692D-1E24F45C8115}"/>
+              </a:ext>
+            </a:extLst>
+          </p:cNvPr>
+          <p:cNvPicPr>
+            <a:picLocks noChangeAspect="1"/>
+          </p:cNvPicPr>
+          <p:nvPr/>
+        </p:nvPicPr>
+        <p:blipFill rotWithShape="1">
+          <a:blip r:embed="rId2"/>
+          <a:srcRect l="44410" r="10259" b="-1"/>
+          <a:stretch/>
+        </p:blipFill>
+        <p:spPr>
+          <a:xfrm>
+            <a:off x="1" y="10"/>
+            <a:ext cx="4657344" cy="6857990"/>
+          </a:xfrm>
+          <a:custGeom>
+            <a:avLst/>
+            <a:gdLst/>
+            <a:ahLst/>
+            <a:cxnLst/>
+            <a:rect l="l" t="t" r="r" b="b"/>
+            <a:pathLst>
+              <a:path w="4657344" h="6858000">
+                <a:moveTo>
+                  <a:pt x="0" y="0"/>
+                </a:moveTo>
+                <a:lnTo>
+                  <a:pt x="3429755" y="0"/>
+                </a:lnTo>
+                <a:lnTo>
+                  <a:pt x="3526016" y="148742"/>
+                </a:lnTo>
+                <a:cubicBezTo>
+                  <a:pt x="3657740" y="365513"/>
+                  <a:pt x="3777402" y="589569"/>
+                  <a:pt x="3886489" y="819975"/>
+                </a:cubicBezTo>
+                <a:cubicBezTo>
+                  <a:pt x="3891856" y="833492"/>
+                  <a:pt x="3900663" y="845393"/>
+                  <a:pt x="3912049" y="854514"/>
+                </a:cubicBezTo>
+                <a:cubicBezTo>
+                  <a:pt x="3897352" y="819849"/>
+                  <a:pt x="3883037" y="784928"/>
+                  <a:pt x="3868083" y="750263"/>
+                </a:cubicBezTo>
+                <a:cubicBezTo>
+                  <a:pt x="3806989" y="608712"/>
+                  <a:pt x="3742478" y="469145"/>
+                  <a:pt x="3674155" y="331786"/>
+                </a:cubicBezTo>
+                <a:lnTo>
+                  <a:pt x="3496656" y="0"/>
+                </a:lnTo>
+                <a:lnTo>
+                  <a:pt x="3554371" y="0"/>
+                </a:lnTo>
+                <a:lnTo>
+                  <a:pt x="3661621" y="196614"/>
+                </a:lnTo>
+                <a:cubicBezTo>
+                  <a:pt x="3856899" y="573253"/>
+                  <a:pt x="4021071" y="966066"/>
+                  <a:pt x="4161279" y="1371196"/>
+                </a:cubicBezTo>
+                <a:cubicBezTo>
+                  <a:pt x="4379525" y="2007265"/>
+                  <a:pt x="4530141" y="2664286"/>
+                  <a:pt x="4610660" y="3331516"/>
+                </a:cubicBezTo>
+                <a:cubicBezTo>
+                  <a:pt x="4652837" y="3672965"/>
+                  <a:pt x="4671625" y="4013908"/>
+                  <a:pt x="4645040" y="4357388"/>
+                </a:cubicBezTo>
+                <a:cubicBezTo>
+                  <a:pt x="4613599" y="4758899"/>
+                  <a:pt x="4566181" y="5157998"/>
+                  <a:pt x="4485789" y="5552906"/>
+                </a:cubicBezTo>
+                <a:cubicBezTo>
+                  <a:pt x="4397121" y="5988893"/>
+                  <a:pt x="4276748" y="6414594"/>
+                  <a:pt x="4117769" y="6828295"/>
+                </a:cubicBezTo>
+                <a:lnTo>
+                  <a:pt x="4105288" y="6858000"/>
+                </a:lnTo>
+                <a:lnTo>
+                  <a:pt x="4052520" y="6858000"/>
+                </a:lnTo>
+                <a:lnTo>
+                  <a:pt x="4059369" y="6841549"/>
+                </a:lnTo>
+                <a:cubicBezTo>
+                  <a:pt x="4147276" y="6614016"/>
+                  <a:pt x="4224193" y="6380817"/>
+                  <a:pt x="4291518" y="6142729"/>
+                </a:cubicBezTo>
+                <a:cubicBezTo>
+                  <a:pt x="4350055" y="5935370"/>
+                  <a:pt x="4393256" y="5723695"/>
+                  <a:pt x="4443357" y="5513923"/>
+                </a:cubicBezTo>
+                <a:cubicBezTo>
+                  <a:pt x="4444541" y="5502788"/>
+                  <a:pt x="4445137" y="5491601"/>
+                  <a:pt x="4445146" y="5480401"/>
+                </a:cubicBezTo>
+                <a:cubicBezTo>
+                  <a:pt x="4408465" y="5607635"/>
+                  <a:pt x="4379196" y="5719759"/>
+                  <a:pt x="4344559" y="5830359"/>
+                </a:cubicBezTo>
+                <a:cubicBezTo>
+                  <a:pt x="4254261" y="6118381"/>
+                  <a:pt x="4150112" y="6398531"/>
+                  <a:pt x="4031702" y="6670527"/>
+                </a:cubicBezTo>
+                <a:lnTo>
+                  <a:pt x="3943824" y="6858000"/>
+                </a:lnTo>
+                <a:lnTo>
+                  <a:pt x="0" y="6858000"/>
+                </a:lnTo>
+                <a:close/>
+              </a:path>
+            </a:pathLst>
+          </a:custGeom>
+        </p:spPr>
+      </p:pic>
+      <p:sp>
+        <p:nvSpPr>
+          <p:cNvPr id="11" name="sketchy line">
+            <a:extLst>
+              <a:ext uri="{FF2B5EF4-FFF2-40B4-BE49-F238E27FC236}">
+                <a16:creationId xmlns:a16="http://schemas.microsoft.com/office/drawing/2014/main" id="{21540236-BFD5-4A9D-8840-4703E7F76825}"/>
+              </a:ext>
+              <a:ext uri="{C183D7F6-B498-43B3-948B-1728B52AA6E4}">
+                <adec:decorative xmlns:adec="http://schemas.microsoft.com/office/drawing/2017/decorative" val="1"/>
+              </a:ext>
+            </a:extLst>
+          </p:cNvPr>
+          <p:cNvSpPr>
+            <a:spLocks noGrp="1" noRot="1" noChangeAspect="1" noMove="1" noResize="1" noEditPoints="1" noAdjustHandles="1" noChangeArrowheads="1" noChangeShapeType="1" noTextEdit="1"/>
+          </p:cNvSpPr>
+          <p:nvPr>
+            <p:extLst>
+              <p:ext uri="{386F3935-93C4-4BCD-93E2-E3B085C9AB24}">
+                <p16:designElem xmlns:p16="http://schemas.microsoft.com/office/powerpoint/2015/main" val="1"/>
+              </p:ext>
+            </p:extLst>
+          </p:nvPr>
+        </p:nvSpPr>
+        <p:spPr>
+          <a:xfrm>
+            <a:off x="5297762" y="2374947"/>
+            <a:ext cx="4243589" cy="18288"/>
+          </a:xfrm>
+          <a:custGeom>
+            <a:avLst/>
+            <a:gdLst>
+              <a:gd name="connsiteX0" fmla="*/ 0 w 4243589"/>
+              <a:gd name="connsiteY0" fmla="*/ 0 h 18288"/>
+              <a:gd name="connsiteX1" fmla="*/ 478919 w 4243589"/>
+              <a:gd name="connsiteY1" fmla="*/ 0 h 18288"/>
+              <a:gd name="connsiteX2" fmla="*/ 957839 w 4243589"/>
+              <a:gd name="connsiteY2" fmla="*/ 0 h 18288"/>
+              <a:gd name="connsiteX3" fmla="*/ 1521630 w 4243589"/>
+              <a:gd name="connsiteY3" fmla="*/ 0 h 18288"/>
+              <a:gd name="connsiteX4" fmla="*/ 2212729 w 4243589"/>
+              <a:gd name="connsiteY4" fmla="*/ 0 h 18288"/>
+              <a:gd name="connsiteX5" fmla="*/ 2734084 w 4243589"/>
+              <a:gd name="connsiteY5" fmla="*/ 0 h 18288"/>
+              <a:gd name="connsiteX6" fmla="*/ 3255439 w 4243589"/>
+              <a:gd name="connsiteY6" fmla="*/ 0 h 18288"/>
+              <a:gd name="connsiteX7" fmla="*/ 4243589 w 4243589"/>
+              <a:gd name="connsiteY7" fmla="*/ 0 h 18288"/>
+              <a:gd name="connsiteX8" fmla="*/ 4243589 w 4243589"/>
+              <a:gd name="connsiteY8" fmla="*/ 18288 h 18288"/>
+              <a:gd name="connsiteX9" fmla="*/ 3594926 w 4243589"/>
+              <a:gd name="connsiteY9" fmla="*/ 18288 h 18288"/>
+              <a:gd name="connsiteX10" fmla="*/ 3073571 w 4243589"/>
+              <a:gd name="connsiteY10" fmla="*/ 18288 h 18288"/>
+              <a:gd name="connsiteX11" fmla="*/ 2552216 w 4243589"/>
+              <a:gd name="connsiteY11" fmla="*/ 18288 h 18288"/>
+              <a:gd name="connsiteX12" fmla="*/ 1903553 w 4243589"/>
+              <a:gd name="connsiteY12" fmla="*/ 18288 h 18288"/>
+              <a:gd name="connsiteX13" fmla="*/ 1212454 w 4243589"/>
+              <a:gd name="connsiteY13" fmla="*/ 18288 h 18288"/>
+              <a:gd name="connsiteX14" fmla="*/ 733535 w 4243589"/>
+              <a:gd name="connsiteY14" fmla="*/ 18288 h 18288"/>
+              <a:gd name="connsiteX15" fmla="*/ 0 w 4243589"/>
+              <a:gd name="connsiteY15" fmla="*/ 18288 h 18288"/>
+              <a:gd name="connsiteX16" fmla="*/ 0 w 4243589"/>
+              <a:gd name="connsiteY16" fmla="*/ 0 h 18288"/>
+            </a:gdLst>
+            <a:ahLst/>
+            <a:cxnLst>
+              <a:cxn ang="0">
+                <a:pos x="connsiteX0" y="connsiteY0"/>
+              </a:cxn>
+              <a:cxn ang="0">
+                <a:pos x="connsiteX1" y="connsiteY1"/>
+              </a:cxn>
+              <a:cxn ang="0">
+                <a:pos x="connsiteX2" y="connsiteY2"/>
+              </a:cxn>
+              <a:cxn ang="0">
+                <a:pos x="connsiteX3" y="connsiteY3"/>
+              </a:cxn>
+              <a:cxn ang="0">
+                <a:pos x="connsiteX4" y="connsiteY4"/>
+              </a:cxn>
+              <a:cxn ang="0">
+                <a:pos x="connsiteX5" y="connsiteY5"/>
+              </a:cxn>
+              <a:cxn ang="0">
+                <a:pos x="connsiteX6" y="connsiteY6"/>
+              </a:cxn>
+              <a:cxn ang="0">
+                <a:pos x="connsiteX7" y="connsiteY7"/>
+              </a:cxn>
+              <a:cxn ang="0">
+                <a:pos x="connsiteX8" y="connsiteY8"/>
+              </a:cxn>
+              <a:cxn ang="0">
+                <a:pos x="connsiteX9" y="connsiteY9"/>
+              </a:cxn>
+              <a:cxn ang="0">
+                <a:pos x="connsiteX10" y="connsiteY10"/>
+              </a:cxn>
+              <a:cxn ang="0">
+                <a:pos x="connsiteX11" y="connsiteY11"/>
+              </a:cxn>
+              <a:cxn ang="0">
+                <a:pos x="connsiteX12" y="connsiteY12"/>
+              </a:cxn>
+              <a:cxn ang="0">
+                <a:pos x="connsiteX13" y="connsiteY13"/>
+              </a:cxn>
+              <a:cxn ang="0">
+                <a:pos x="connsiteX14" y="connsiteY14"/>
+              </a:cxn>
+              <a:cxn ang="0">
+                <a:pos x="connsiteX15" y="connsiteY15"/>
+              </a:cxn>
+              <a:cxn ang="0">
+                <a:pos x="connsiteX16" y="connsiteY16"/>
+              </a:cxn>
+            </a:cxnLst>
+            <a:rect l="l" t="t" r="r" b="b"/>
+            <a:pathLst>
+              <a:path w="4243589" h="18288" fill="none" extrusionOk="0">
+                <a:moveTo>
+                  <a:pt x="0" y="0"/>
+                </a:moveTo>
+                <a:cubicBezTo>
+                  <a:pt x="213395" y="-21006"/>
+                  <a:pt x="307421" y="-18116"/>
+                  <a:pt x="478919" y="0"/>
+                </a:cubicBezTo>
+                <a:cubicBezTo>
+                  <a:pt x="650417" y="18116"/>
+                  <a:pt x="831092" y="-21237"/>
+                  <a:pt x="957839" y="0"/>
+                </a:cubicBezTo>
+                <a:cubicBezTo>
+                  <a:pt x="1084586" y="21237"/>
+                  <a:pt x="1301682" y="25124"/>
+                  <a:pt x="1521630" y="0"/>
+                </a:cubicBezTo>
+                <a:cubicBezTo>
+                  <a:pt x="1741578" y="-25124"/>
+                  <a:pt x="1970269" y="-29139"/>
+                  <a:pt x="2212729" y="0"/>
+                </a:cubicBezTo>
+                <a:cubicBezTo>
+                  <a:pt x="2455189" y="29139"/>
+                  <a:pt x="2558847" y="-4796"/>
+                  <a:pt x="2734084" y="0"/>
+                </a:cubicBezTo>
+                <a:cubicBezTo>
+                  <a:pt x="2909321" y="4796"/>
+                  <a:pt x="3097217" y="-13409"/>
+                  <a:pt x="3255439" y="0"/>
+                </a:cubicBezTo>
+                <a:cubicBezTo>
+                  <a:pt x="3413662" y="13409"/>
+                  <a:pt x="3979999" y="-10121"/>
+                  <a:pt x="4243589" y="0"/>
+                </a:cubicBezTo>
+                <a:cubicBezTo>
+                  <a:pt x="4244484" y="8974"/>
+                  <a:pt x="4243043" y="9359"/>
+                  <a:pt x="4243589" y="18288"/>
+                </a:cubicBezTo>
+                <a:cubicBezTo>
+                  <a:pt x="4058777" y="31246"/>
+                  <a:pt x="3910348" y="3158"/>
+                  <a:pt x="3594926" y="18288"/>
+                </a:cubicBezTo>
+                <a:cubicBezTo>
+                  <a:pt x="3279504" y="33418"/>
+                  <a:pt x="3319955" y="-3977"/>
+                  <a:pt x="3073571" y="18288"/>
+                </a:cubicBezTo>
+                <a:cubicBezTo>
+                  <a:pt x="2827187" y="40553"/>
+                  <a:pt x="2767387" y="1863"/>
+                  <a:pt x="2552216" y="18288"/>
+                </a:cubicBezTo>
+                <a:cubicBezTo>
+                  <a:pt x="2337046" y="34713"/>
+                  <a:pt x="2181871" y="19527"/>
+                  <a:pt x="1903553" y="18288"/>
+                </a:cubicBezTo>
+                <a:cubicBezTo>
+                  <a:pt x="1625235" y="17049"/>
+                  <a:pt x="1557672" y="24174"/>
+                  <a:pt x="1212454" y="18288"/>
+                </a:cubicBezTo>
+                <a:cubicBezTo>
+                  <a:pt x="867236" y="12402"/>
+                  <a:pt x="874382" y="15627"/>
+                  <a:pt x="733535" y="18288"/>
+                </a:cubicBezTo>
+                <a:cubicBezTo>
+                  <a:pt x="592688" y="20949"/>
+                  <a:pt x="183477" y="14753"/>
+                  <a:pt x="0" y="18288"/>
+                </a:cubicBezTo>
+                <a:cubicBezTo>
+                  <a:pt x="-229" y="14222"/>
+                  <a:pt x="509" y="5816"/>
+                  <a:pt x="0" y="0"/>
+                </a:cubicBezTo>
+                <a:close/>
+              </a:path>
+              <a:path w="4243589" h="18288" stroke="0" extrusionOk="0">
+                <a:moveTo>
+                  <a:pt x="0" y="0"/>
+                </a:moveTo>
+                <a:cubicBezTo>
+                  <a:pt x="143690" y="16630"/>
+                  <a:pt x="266667" y="14847"/>
+                  <a:pt x="521355" y="0"/>
+                </a:cubicBezTo>
+                <a:cubicBezTo>
+                  <a:pt x="776043" y="-14847"/>
+                  <a:pt x="814491" y="-17363"/>
+                  <a:pt x="1000275" y="0"/>
+                </a:cubicBezTo>
+                <a:cubicBezTo>
+                  <a:pt x="1186059" y="17363"/>
+                  <a:pt x="1352504" y="-23507"/>
+                  <a:pt x="1521630" y="0"/>
+                </a:cubicBezTo>
+                <a:cubicBezTo>
+                  <a:pt x="1690756" y="23507"/>
+                  <a:pt x="1889525" y="5871"/>
+                  <a:pt x="2127857" y="0"/>
+                </a:cubicBezTo>
+                <a:cubicBezTo>
+                  <a:pt x="2366189" y="-5871"/>
+                  <a:pt x="2620628" y="-27997"/>
+                  <a:pt x="2776520" y="0"/>
+                </a:cubicBezTo>
+                <a:cubicBezTo>
+                  <a:pt x="2932412" y="27997"/>
+                  <a:pt x="3131683" y="-25073"/>
+                  <a:pt x="3467618" y="0"/>
+                </a:cubicBezTo>
+                <a:cubicBezTo>
+                  <a:pt x="3803553" y="25073"/>
+                  <a:pt x="4017371" y="3071"/>
+                  <a:pt x="4243589" y="0"/>
+                </a:cubicBezTo>
+                <a:cubicBezTo>
+                  <a:pt x="4243134" y="6162"/>
+                  <a:pt x="4243492" y="11775"/>
+                  <a:pt x="4243589" y="18288"/>
+                </a:cubicBezTo>
+                <a:cubicBezTo>
+                  <a:pt x="4017834" y="-5779"/>
+                  <a:pt x="3834586" y="13376"/>
+                  <a:pt x="3594926" y="18288"/>
+                </a:cubicBezTo>
+                <a:cubicBezTo>
+                  <a:pt x="3355266" y="23200"/>
+                  <a:pt x="3204179" y="2869"/>
+                  <a:pt x="2903827" y="18288"/>
+                </a:cubicBezTo>
+                <a:cubicBezTo>
+                  <a:pt x="2603475" y="33707"/>
+                  <a:pt x="2526187" y="46187"/>
+                  <a:pt x="2212729" y="18288"/>
+                </a:cubicBezTo>
+                <a:cubicBezTo>
+                  <a:pt x="1899271" y="-9611"/>
+                  <a:pt x="1966289" y="29692"/>
+                  <a:pt x="1733809" y="18288"/>
+                </a:cubicBezTo>
+                <a:cubicBezTo>
+                  <a:pt x="1501329" y="6884"/>
+                  <a:pt x="1343612" y="12492"/>
+                  <a:pt x="1085146" y="18288"/>
+                </a:cubicBezTo>
+                <a:cubicBezTo>
+                  <a:pt x="826680" y="24084"/>
+                  <a:pt x="778184" y="35607"/>
+                  <a:pt x="521355" y="18288"/>
+                </a:cubicBezTo>
+                <a:cubicBezTo>
+                  <a:pt x="264526" y="969"/>
+                  <a:pt x="120277" y="4268"/>
+                  <a:pt x="0" y="18288"/>
+                </a:cubicBezTo>
+                <a:cubicBezTo>
+                  <a:pt x="766" y="10800"/>
+                  <a:pt x="-457" y="8180"/>
+                  <a:pt x="0" y="0"/>
+                </a:cubicBezTo>
+                <a:close/>
+              </a:path>
+            </a:pathLst>
+          </a:custGeom>
+          <a:solidFill>
+            <a:schemeClr val="accent2"/>
+          </a:solidFill>
+          <a:ln w="44450" cap="rnd">
+            <a:solidFill>
+              <a:schemeClr val="accent2"/>
+            </a:solidFill>
+            <a:round/>
+            <a:extLst>
+              <a:ext uri="{C807C97D-BFC1-408E-A445-0C87EB9F89A2}">
+                <ask:lineSketchStyleProps xmlns:ask="http://schemas.microsoft.com/office/drawing/2018/sketchyshapes" sd="2727557108">
+                  <a:prstGeom prst="rect">
+                    <a:avLst/>
+                  </a:prstGeom>
+                  <ask:type>
+                    <ask:lineSketchFreehand/>
+                  </ask:type>
+                </ask:lineSketchStyleProps>
+              </a:ext>
+            </a:extLst>
+          </a:ln>
+        </p:spPr>
+        <p:style>
+          <a:lnRef idx="2">
+            <a:schemeClr val="accent1">
+              <a:shade val="50000"/>
+            </a:schemeClr>
+          </a:lnRef>
+          <a:fillRef idx="1">
+            <a:schemeClr val="accent1"/>
+          </a:fillRef>
+          <a:effectRef idx="0">
+            <a:schemeClr val="accent1"/>
+          </a:effectRef>
+          <a:fontRef idx="minor">
+            <a:schemeClr val="lt1"/>
+          </a:fontRef>
+        </p:style>
+        <p:txBody>
+          <a:bodyPr rtlCol="0" anchor="ctr"/>
+          <a:lstStyle/>
+          <a:p>
+            <a:pPr algn="ctr"/>
+            <a:endParaRPr lang="en-US"/>
+          </a:p>
+        </p:txBody>
+      </p:sp>
+      <p:sp>
+        <p:nvSpPr>
+          <p:cNvPr id="3" name="Content Placeholder 2">
+            <a:extLst>
+              <a:ext uri="{FF2B5EF4-FFF2-40B4-BE49-F238E27FC236}">
+                <a16:creationId xmlns:a16="http://schemas.microsoft.com/office/drawing/2014/main" id="{D404FFF4-5F47-68B0-1475-67F1318CA1F5}"/>
+              </a:ext>
+            </a:extLst>
+          </p:cNvPr>
+          <p:cNvSpPr>
+            <a:spLocks noGrp="1"/>
+          </p:cNvSpPr>
+          <p:nvPr>
+            <p:ph idx="1"/>
+          </p:nvPr>
+        </p:nvSpPr>
+        <p:spPr>
+          <a:xfrm>
+            <a:off x="5297762" y="2706624"/>
+            <a:ext cx="6251110" cy="3483864"/>
+          </a:xfrm>
+        </p:spPr>
+        <p:txBody>
+          <a:bodyPr>
+            <a:normAutofit/>
+          </a:bodyPr>
+          <a:lstStyle/>
+          <a:p>
+            <a:r>
+              <a:rPr lang="en-US" sz="1200" b="0" i="0">
+                <a:effectLst/>
+                <a:latin typeface="gg sans"/>
+                <a:hlinkClick r:id="rId3" tooltip="https://enjoymachinelearning.com/blog/multivariate-polynomial-regression-python/"/>
+              </a:rPr>
+              <a:t>https://enjoymachinelearning.com/blog/multivariate-polynomial-regression-python/</a:t>
+            </a:r>
+            <a:endParaRPr lang="en-US" sz="1200" b="0" i="0">
+              <a:effectLst/>
+              <a:latin typeface="gg sans"/>
+            </a:endParaRPr>
+          </a:p>
+          <a:p>
+            <a:r>
+              <a:rPr lang="en-US" sz="1200" b="0" i="0">
+                <a:effectLst/>
+                <a:latin typeface="gg sans"/>
+                <a:hlinkClick r:id="rId4" tooltip="https://data36.com/polynomial-regression-python-scikit-learn/"/>
+              </a:rPr>
+              <a:t>https://data36.com/polynomial-regression-python-scikit-learn/</a:t>
+            </a:r>
+            <a:endParaRPr lang="en-US" sz="1200">
+              <a:latin typeface="gg sans"/>
+            </a:endParaRPr>
+          </a:p>
+          <a:p>
+            <a:r>
+              <a:rPr lang="en-US" sz="1200" b="0" i="0">
+                <a:effectLst/>
+                <a:latin typeface="gg sans"/>
+                <a:hlinkClick r:id="rId5" tooltip="https://www.linkedin.com/pulse/my-first-exploratory-data-analysis-project-dr-ragini-selukar/"/>
+              </a:rPr>
+              <a:t>https://www.linkedin.com/pulse/my-first-exploratory-data-analysis-project-dr-ragini-selukar/</a:t>
+            </a:r>
+            <a:endParaRPr lang="en-US" sz="1200" b="0" i="0">
+              <a:effectLst/>
+              <a:latin typeface="gg sans"/>
+            </a:endParaRPr>
+          </a:p>
+          <a:p>
+            <a:r>
+              <a:rPr lang="en-US" sz="1200" b="0" i="0">
+                <a:effectLst/>
+                <a:latin typeface="gg sans"/>
+                <a:hlinkClick r:id="rId6" tooltip="https://stephenallwright.com/rmse-vs-mse/#:~:text=RMSE%20is%20one%20of%20the,is%20often%20preferred%20over%20MSE"/>
+              </a:rPr>
+              <a:t>https://stephenallwright.com/rmse-vs-mse/#:~:text=RMSE%20is%20one%20of%20the,is%20often%20preferred%20over%20MSE</a:t>
+            </a:r>
+            <a:r>
+              <a:rPr lang="en-US" sz="1200" b="0" i="0">
+                <a:effectLst/>
+                <a:latin typeface="gg sans"/>
+              </a:rPr>
+              <a:t>.</a:t>
+            </a:r>
+            <a:endParaRPr lang="en-US" sz="1200">
+              <a:latin typeface="gg sans"/>
+            </a:endParaRPr>
+          </a:p>
+          <a:p>
+            <a:r>
+              <a:rPr lang="en-US" sz="1200">
+                <a:hlinkClick r:id="rId7"/>
+              </a:rPr>
+              <a:t>https://www.linkedin.com/posts/emilyyao1_introductory-data-cleaning-activity-7013640766505820160-0MWM?utm_source=share&amp;utm_medium=member_desktop</a:t>
+            </a:r>
+            <a:endParaRPr lang="en-US" sz="1200"/>
+          </a:p>
+          <a:p>
+            <a:r>
+              <a:rPr lang="en-US" sz="1200">
+                <a:hlinkClick r:id="rId8"/>
+              </a:rPr>
+              <a:t>https://machinelearningmastery.com/adaboost-ensemble-in-python/</a:t>
+            </a:r>
+            <a:endParaRPr lang="en-US" sz="1200"/>
+          </a:p>
+          <a:p>
+            <a:r>
+              <a:rPr lang="en-US" sz="1200">
+                <a:hlinkClick r:id="rId9"/>
+              </a:rPr>
+              <a:t>https://intellipaat.com/blog/what-is-linear-regression/#Multiple-Linear-Regression-Model</a:t>
+            </a:r>
+            <a:endParaRPr lang="en-US" sz="1200"/>
+          </a:p>
+          <a:p>
+            <a:r>
+              <a:rPr lang="en-US" sz="1200">
+                <a:hlinkClick r:id="rId10"/>
+              </a:rPr>
+              <a:t>https://scikit-learn.org/stable/modules/generated/sklearn.linear_model.LinearRegression.html</a:t>
+            </a:r>
+            <a:endParaRPr lang="en-US" sz="1200"/>
+          </a:p>
+          <a:p>
+            <a:r>
+              <a:rPr lang="en-US" sz="1200">
+                <a:hlinkClick r:id="rId11"/>
+              </a:rPr>
+              <a:t>https://realpython.com/linear-regression-in-python/#polynomial-regression</a:t>
+            </a:r>
+            <a:endParaRPr lang="en-US" sz="1200"/>
+          </a:p>
+          <a:p>
+            <a:endParaRPr lang="en-US" sz="1200"/>
+          </a:p>
+          <a:p>
+            <a:endParaRPr lang="en-US" sz="1200"/>
+          </a:p>
+        </p:txBody>
+      </p:sp>
+    </p:spTree>
+    <p:extLst>
+      <p:ext uri="{BB962C8B-B14F-4D97-AF65-F5344CB8AC3E}">
+        <p14:creationId xmlns:p14="http://schemas.microsoft.com/office/powerpoint/2010/main" val="3078054146"/>
+      </p:ext>
+    </p:extLst>
+  </p:cSld>
+  <p:clrMapOvr>
+    <a:masterClrMapping/>
+  </p:clrMapOvr>
+</p:sld>
+</file>
+
+<file path=ppt/slides/slide21.xml><?xml version="1.0" encoding="utf-8"?>
+<p:sld xmlns:a="http://schemas.openxmlformats.org/drawingml/2006/main" xmlns:r="http://schemas.openxmlformats.org/officeDocument/2006/relationships" xmlns:p="http://schemas.openxmlformats.org/presentationml/2006/main">
+  <p:cSld>
+    <p:bg>
+      <p:bgPr>
+        <a:solidFill>
+          <a:schemeClr val="bg1">
+            <a:tint val="95000"/>
+            <a:satMod val="170000"/>
+          </a:schemeClr>
+        </a:solidFill>
+        <a:effectLst/>
+      </p:bgPr>
+    </p:bg>
+    <p:spTree>
+      <p:nvGrpSpPr>
+        <p:cNvPr id="1" name=""/>
+        <p:cNvGrpSpPr/>
+        <p:nvPr/>
+      </p:nvGrpSpPr>
+      <p:grpSpPr>
+        <a:xfrm>
+          <a:off x="0" y="0"/>
+          <a:ext cx="0" cy="0"/>
+          <a:chOff x="0" y="0"/>
+          <a:chExt cx="0" cy="0"/>
+        </a:xfrm>
+      </p:grpSpPr>
+      <p:sp>
+        <p:nvSpPr>
+          <p:cNvPr id="2" name="Title 1">
+            <a:extLst>
+              <a:ext uri="{FF2B5EF4-FFF2-40B4-BE49-F238E27FC236}">
+                <a16:creationId xmlns:a16="http://schemas.microsoft.com/office/drawing/2014/main" id="{E8B8F26E-9345-4747-9094-972E38700A17}"/>
+              </a:ext>
+            </a:extLst>
+          </p:cNvPr>
+          <p:cNvSpPr>
+            <a:spLocks noGrp="1"/>
+          </p:cNvSpPr>
+          <p:nvPr>
+            <p:ph type="ctrTitle"/>
+          </p:nvPr>
+        </p:nvSpPr>
+        <p:spPr>
+          <a:xfrm>
+            <a:off x="7464614" y="1783959"/>
+            <a:ext cx="4087306" cy="2889114"/>
+          </a:xfrm>
+        </p:spPr>
+        <p:txBody>
+          <a:bodyPr vert="vert270" anchor="b" anchorCtr="0">
+            <a:normAutofit/>
+          </a:bodyPr>
+          <a:lstStyle/>
+          <a:p>
+            <a:pPr algn="l"/>
+            <a:r>
+              <a:rPr lang="en-US" sz="5400" b="1" dirty="0"/>
+              <a:t>The End.</a:t>
+            </a:r>
+          </a:p>
+        </p:txBody>
+      </p:sp>
+      <p:sp>
+        <p:nvSpPr>
+          <p:cNvPr id="6" name="Subtitle 5">
+            <a:extLst>
+              <a:ext uri="{FF2B5EF4-FFF2-40B4-BE49-F238E27FC236}">
+                <a16:creationId xmlns:a16="http://schemas.microsoft.com/office/drawing/2014/main" id="{2D4BA697-580E-5544-8F2F-194AD99B859F}"/>
+              </a:ext>
+            </a:extLst>
+          </p:cNvPr>
+          <p:cNvSpPr>
+            <a:spLocks noGrp="1"/>
+          </p:cNvSpPr>
+          <p:nvPr>
+            <p:ph type="subTitle" idx="1"/>
+          </p:nvPr>
+        </p:nvSpPr>
+        <p:spPr>
+          <a:xfrm>
+            <a:off x="7464612" y="4750893"/>
+            <a:ext cx="4087305" cy="1147863"/>
+          </a:xfrm>
+        </p:spPr>
+        <p:txBody>
+          <a:bodyPr anchor="t">
+            <a:normAutofit/>
+          </a:bodyPr>
+          <a:lstStyle/>
+          <a:p>
+            <a:pPr algn="l"/>
+            <a:r>
+              <a:rPr lang="en-US" sz="2000" dirty="0"/>
+              <a:t>Thank You</a:t>
+            </a:r>
+          </a:p>
+          <a:p>
+            <a:pPr algn="l"/>
+            <a:endParaRPr lang="en-US" sz="2000" dirty="0"/>
+          </a:p>
+        </p:txBody>
+      </p:sp>
+      <p:sp>
+        <p:nvSpPr>
+          <p:cNvPr id="11" name="Freeform: Shape 10">
+            <a:extLst>
+              <a:ext uri="{FF2B5EF4-FFF2-40B4-BE49-F238E27FC236}">
+                <a16:creationId xmlns:a16="http://schemas.microsoft.com/office/drawing/2014/main" id="{E49CC64F-7275-4E33-961B-0C5CDC439875}"/>
+              </a:ext>
+              <a:ext uri="{C183D7F6-B498-43B3-948B-1728B52AA6E4}">
+                <adec:decorative xmlns:adec="http://schemas.microsoft.com/office/drawing/2017/decorative" val="1"/>
+              </a:ext>
+            </a:extLst>
+          </p:cNvPr>
+          <p:cNvSpPr>
+            <a:spLocks noGrp="1" noRot="1" noChangeAspect="1" noMove="1" noResize="1" noEditPoints="1" noAdjustHandles="1" noChangeArrowheads="1" noChangeShapeType="1" noTextEdit="1"/>
+          </p:cNvSpPr>
+          <p:nvPr>
+            <p:extLst>
+              <p:ext uri="{386F3935-93C4-4BCD-93E2-E3B085C9AB24}">
+                <p16:designElem xmlns:p16="http://schemas.microsoft.com/office/powerpoint/2015/main" val="1"/>
+              </p:ext>
+            </p:extLst>
+          </p:nvPr>
+        </p:nvSpPr>
+        <p:spPr>
+          <a:xfrm flipH="1" flipV="1">
+            <a:off x="1" y="0"/>
+            <a:ext cx="7188051" cy="6858000"/>
+          </a:xfrm>
+          <a:custGeom>
+            <a:avLst/>
+            <a:gdLst>
+              <a:gd name="connsiteX0" fmla="*/ 7188051 w 7188051"/>
+              <a:gd name="connsiteY0" fmla="*/ 6858000 h 6858000"/>
+              <a:gd name="connsiteX1" fmla="*/ 108694 w 7188051"/>
+              <a:gd name="connsiteY1" fmla="*/ 6858000 h 6858000"/>
+              <a:gd name="connsiteX2" fmla="*/ 79127 w 7188051"/>
+              <a:gd name="connsiteY2" fmla="*/ 6681235 h 6858000"/>
+              <a:gd name="connsiteX3" fmla="*/ 0 w 7188051"/>
+              <a:gd name="connsiteY3" fmla="*/ 5565888 h 6858000"/>
+              <a:gd name="connsiteX4" fmla="*/ 2190696 w 7188051"/>
+              <a:gd name="connsiteY4" fmla="*/ 145339 h 6858000"/>
+              <a:gd name="connsiteX5" fmla="*/ 2339431 w 7188051"/>
+              <a:gd name="connsiteY5" fmla="*/ 0 h 6858000"/>
+              <a:gd name="connsiteX6" fmla="*/ 7188051 w 7188051"/>
+              <a:gd name="connsiteY6" fmla="*/ 0 h 6858000"/>
+            </a:gdLst>
+            <a:ahLst/>
+            <a:cxnLst>
+              <a:cxn ang="0">
+                <a:pos x="connsiteX0" y="connsiteY0"/>
+              </a:cxn>
+              <a:cxn ang="0">
+                <a:pos x="connsiteX1" y="connsiteY1"/>
+              </a:cxn>
+              <a:cxn ang="0">
+                <a:pos x="connsiteX2" y="connsiteY2"/>
+              </a:cxn>
+              <a:cxn ang="0">
+                <a:pos x="connsiteX3" y="connsiteY3"/>
+              </a:cxn>
+              <a:cxn ang="0">
+                <a:pos x="connsiteX4" y="connsiteY4"/>
+              </a:cxn>
+              <a:cxn ang="0">
+                <a:pos x="connsiteX5" y="connsiteY5"/>
+              </a:cxn>
+              <a:cxn ang="0">
+                <a:pos x="connsiteX6" y="connsiteY6"/>
+              </a:cxn>
+            </a:cxnLst>
+            <a:rect l="l" t="t" r="r" b="b"/>
+            <a:pathLst>
+              <a:path w="7188051" h="6858000">
+                <a:moveTo>
+                  <a:pt x="7188051" y="6858000"/>
+                </a:moveTo>
+                <a:lnTo>
+                  <a:pt x="108694" y="6858000"/>
+                </a:lnTo>
+                <a:lnTo>
+                  <a:pt x="79127" y="6681235"/>
+                </a:lnTo>
+                <a:cubicBezTo>
+                  <a:pt x="26981" y="6316967"/>
+                  <a:pt x="0" y="5944579"/>
+                  <a:pt x="0" y="5565888"/>
+                </a:cubicBezTo>
+                <a:cubicBezTo>
+                  <a:pt x="0" y="3459953"/>
+                  <a:pt x="834428" y="1548908"/>
+                  <a:pt x="2190696" y="145339"/>
+                </a:cubicBezTo>
+                <a:lnTo>
+                  <a:pt x="2339431" y="0"/>
+                </a:lnTo>
+                <a:lnTo>
+                  <a:pt x="7188051" y="0"/>
+                </a:lnTo>
+                <a:close/>
+              </a:path>
+            </a:pathLst>
+          </a:custGeom>
+          <a:solidFill>
+            <a:schemeClr val="tx1">
+              <a:alpha val="80000"/>
+            </a:schemeClr>
+          </a:solidFill>
+          <a:ln>
+            <a:noFill/>
+          </a:ln>
+        </p:spPr>
+        <p:style>
+          <a:lnRef idx="2">
+            <a:schemeClr val="accent1">
+              <a:shade val="50000"/>
+            </a:schemeClr>
+          </a:lnRef>
+          <a:fillRef idx="1">
+            <a:schemeClr val="accent1"/>
+          </a:fillRef>
+          <a:effectRef idx="0">
+            <a:schemeClr val="accent1"/>
+          </a:effectRef>
+          <a:fontRef idx="minor">
+            <a:schemeClr val="lt1"/>
+          </a:fontRef>
+        </p:style>
+        <p:txBody>
+          <a:bodyPr wrap="square" rtlCol="0" anchor="ctr">
+            <a:noAutofit/>
+          </a:bodyPr>
+          <a:lstStyle/>
+          <a:p>
+            <a:pPr algn="ctr"/>
+            <a:endParaRPr lang="en-US"/>
+          </a:p>
+        </p:txBody>
+      </p:sp>
+      <p:pic>
+        <p:nvPicPr>
+          <p:cNvPr id="3" name="Picture 2" descr="Graphical user interface&#10;&#10;Description automatically generated">
+            <a:extLst>
+              <a:ext uri="{FF2B5EF4-FFF2-40B4-BE49-F238E27FC236}">
+                <a16:creationId xmlns:a16="http://schemas.microsoft.com/office/drawing/2014/main" id="{2B960A99-6E1F-4F79-521B-9F2367FDC41D}"/>
+              </a:ext>
+            </a:extLst>
+          </p:cNvPr>
+          <p:cNvPicPr>
+            <a:picLocks noChangeAspect="1"/>
+          </p:cNvPicPr>
+          <p:nvPr/>
+        </p:nvPicPr>
+        <p:blipFill rotWithShape="1">
+          <a:blip r:embed="rId3">
+            <a:extLst>
+              <a:ext uri="{28A0092B-C50C-407E-A947-70E740481C1C}">
+                <a14:useLocalDpi xmlns:a14="http://schemas.microsoft.com/office/drawing/2010/main" val="0"/>
+              </a:ext>
+            </a:extLst>
+          </a:blip>
+          <a:srcRect t="2426" r="-1" b="-1"/>
+          <a:stretch/>
+        </p:blipFill>
+        <p:spPr>
+          <a:xfrm>
+            <a:off x="1" y="10"/>
+            <a:ext cx="7028495" cy="6857990"/>
+          </a:xfrm>
+          <a:custGeom>
+            <a:avLst/>
+            <a:gdLst/>
+            <a:ahLst/>
+            <a:cxnLst/>
+            <a:rect l="l" t="t" r="r" b="b"/>
+            <a:pathLst>
+              <a:path w="7028495" h="6858000">
+                <a:moveTo>
+                  <a:pt x="0" y="0"/>
+                </a:moveTo>
+                <a:lnTo>
+                  <a:pt x="6915668" y="0"/>
+                </a:lnTo>
+                <a:lnTo>
+                  <a:pt x="6952411" y="219663"/>
+                </a:lnTo>
+                <a:cubicBezTo>
+                  <a:pt x="7002551" y="569921"/>
+                  <a:pt x="7028495" y="927986"/>
+                  <a:pt x="7028495" y="1292112"/>
+                </a:cubicBezTo>
+                <a:cubicBezTo>
+                  <a:pt x="7028495" y="3343346"/>
+                  <a:pt x="6205186" y="5202289"/>
+                  <a:pt x="4870994" y="6556512"/>
+                </a:cubicBezTo>
+                <a:lnTo>
+                  <a:pt x="4556185" y="6858000"/>
+                </a:lnTo>
+                <a:lnTo>
+                  <a:pt x="0" y="6858000"/>
+                </a:lnTo>
+                <a:close/>
+              </a:path>
+            </a:pathLst>
+          </a:custGeom>
+        </p:spPr>
+      </p:pic>
+    </p:spTree>
+    <p:extLst>
+      <p:ext uri="{BB962C8B-B14F-4D97-AF65-F5344CB8AC3E}">
+        <p14:creationId xmlns:p14="http://schemas.microsoft.com/office/powerpoint/2010/main" val="116821060"/>
+      </p:ext>
+    </p:extLst>
+  </p:cSld>
+  <p:clrMapOvr>
+    <a:overrideClrMapping bg1="dk1" tx1="lt1" bg2="dk2" tx2="lt2" accent1="accent1" accent2="accent2" accent3="accent3" accent4="accent4" accent5="accent5" accent6="accent6" hlink="hlink" folHlink="folHlink"/>
+  </p:clrMapOvr>
+  <p:timing>
+    <p:tnLst>
+      <p:par>
+        <p:cTn id="1" dur="indefinite" restart="never" nodeType="tmRoot">
+          <p:childTnLst>
+            <p:seq concurrent="1" nextAc="seek">
+              <p:cTn id="2" dur="indefinite" nodeType="mainSeq">
+                <p:childTnLst>
+                  <p:par>
+                    <p:cTn id="3" fill="hold">
+                      <p:stCondLst>
+                        <p:cond delay="indefinite"/>
+                        <p:cond evt="onBegin" delay="0">
+                          <p:tn val="2"/>
+                        </p:cond>
+                      </p:stCondLst>
+                      <p:childTnLst>
+                        <p:par>
+                          <p:cTn id="4" fill="hold">
+                            <p:stCondLst>
+                              <p:cond delay="0"/>
+                            </p:stCondLst>
+                            <p:childTnLst>
+                              <p:par>
+                                <p:cTn id="5" presetID="10" presetClass="entr" presetSubtype="0" fill="hold" grpId="0" nodeType="withEffect">
+                                  <p:stCondLst>
+                                    <p:cond delay="1500"/>
+                                  </p:stCondLst>
+                                  <p:iterate>
+                                    <p:tmPct val="10000"/>
+                                  </p:iterate>
+                                  <p:childTnLst>
+                                    <p:set>
+                                      <p:cBhvr>
+                                        <p:cTn id="6" dur="1" fill="hold">
+                                          <p:stCondLst>
+                                            <p:cond delay="0"/>
+                                          </p:stCondLst>
+                                        </p:cTn>
+                                        <p:tgtEl>
+                                          <p:spTgt spid="6">
+                                            <p:txEl>
+                                              <p:pRg st="0" end="0"/>
+                                            </p:txEl>
+                                          </p:spTgt>
+                                        </p:tgtEl>
+                                        <p:attrNameLst>
+                                          <p:attrName>style.visibility</p:attrName>
+                                        </p:attrNameLst>
+                                      </p:cBhvr>
+                                      <p:to>
+                                        <p:strVal val="visible"/>
+                                      </p:to>
+                                    </p:set>
+                                    <p:animEffect transition="in" filter="fade">
+                                      <p:cBhvr>
+                                        <p:cTn id="7" dur="700"/>
+                                        <p:tgtEl>
+                                          <p:spTgt spid="6">
+                                            <p:txEl>
+                                              <p:pRg st="0" end="0"/>
+                                            </p:txEl>
+                                          </p:spTgt>
+                                        </p:tgtEl>
+                                      </p:cBhvr>
+                                    </p:animEffect>
+                                  </p:childTnLst>
+                                </p:cTn>
+                              </p:par>
+                              <p:par>
+                                <p:cTn id="8" presetID="10" presetClass="entr" presetSubtype="0" fill="hold" grpId="0" nodeType="withEffect">
+                                  <p:stCondLst>
+                                    <p:cond delay="1000"/>
+                                  </p:stCondLst>
+                                  <p:iterate>
+                                    <p:tmPct val="10000"/>
+                                  </p:iterate>
+                                  <p:childTnLst>
+                                    <p:set>
+                                      <p:cBhvr>
+                                        <p:cTn id="9" dur="1" fill="hold">
+                                          <p:stCondLst>
+                                            <p:cond delay="0"/>
+                                          </p:stCondLst>
+                                        </p:cTn>
+                                        <p:tgtEl>
+                                          <p:spTgt spid="2"/>
+                                        </p:tgtEl>
+                                        <p:attrNameLst>
+                                          <p:attrName>style.visibility</p:attrName>
+                                        </p:attrNameLst>
+                                      </p:cBhvr>
+                                      <p:to>
+                                        <p:strVal val="visible"/>
+                                      </p:to>
+                                    </p:set>
+                                    <p:animEffect transition="in" filter="fade">
+                                      <p:cBhvr>
+                                        <p:cTn id="10" dur="700"/>
+                                        <p:tgtEl>
+                                          <p:spTgt spid="2"/>
+                                        </p:tgtEl>
+                                      </p:cBhvr>
+                                    </p:animEffect>
+                                  </p:childTnLst>
+                                </p:cTn>
+                              </p:par>
+                            </p:childTnLst>
+                          </p:cTn>
+                        </p:par>
+                      </p:childTnLst>
+                    </p:cTn>
+                  </p:par>
+                </p:childTnLst>
+              </p:cTn>
+              <p:prevCondLst>
+                <p:cond evt="onPrev" delay="0">
+                  <p:tgtEl>
+                    <p:sldTgt/>
+                  </p:tgtEl>
+                </p:cond>
+              </p:prevCondLst>
+              <p:nextCondLst>
+                <p:cond evt="onNext" delay="0">
+                  <p:tgtEl>
+                    <p:sldTgt/>
+                  </p:tgtEl>
+                </p:cond>
+              </p:nextCondLst>
+            </p:seq>
+          </p:childTnLst>
+        </p:cTn>
+      </p:par>
+    </p:tnLst>
+    <p:bldLst>
+      <p:bldP spid="2" grpId="0"/>
+      <p:bldP spid="6" grpId="0" build="p"/>
+    </p:bldLst>
+  </p:timing>
 </p:sld>
 </file>
 
@@ -11444,7 +18295,311 @@
 </a:theme>
 </file>
 
+<file path=ppt/theme/theme2.xml><?xml version="1.0" encoding="utf-8"?>
+<a:theme xmlns:a="http://schemas.openxmlformats.org/drawingml/2006/main" name="Office Theme">
+  <a:themeElements>
+    <a:clrScheme name="Office">
+      <a:dk1>
+        <a:sysClr val="windowText" lastClr="000000"/>
+      </a:dk1>
+      <a:lt1>
+        <a:sysClr val="window" lastClr="FFFFFF"/>
+      </a:lt1>
+      <a:dk2>
+        <a:srgbClr val="44546A"/>
+      </a:dk2>
+      <a:lt2>
+        <a:srgbClr val="E7E6E6"/>
+      </a:lt2>
+      <a:accent1>
+        <a:srgbClr val="4472C4"/>
+      </a:accent1>
+      <a:accent2>
+        <a:srgbClr val="ED7D31"/>
+      </a:accent2>
+      <a:accent3>
+        <a:srgbClr val="A5A5A5"/>
+      </a:accent3>
+      <a:accent4>
+        <a:srgbClr val="FFC000"/>
+      </a:accent4>
+      <a:accent5>
+        <a:srgbClr val="5B9BD5"/>
+      </a:accent5>
+      <a:accent6>
+        <a:srgbClr val="70AD47"/>
+      </a:accent6>
+      <a:hlink>
+        <a:srgbClr val="0563C1"/>
+      </a:hlink>
+      <a:folHlink>
+        <a:srgbClr val="954F72"/>
+      </a:folHlink>
+    </a:clrScheme>
+    <a:fontScheme name="Office">
+      <a:majorFont>
+        <a:latin typeface="Calibri Light" panose="020F0302020204030204"/>
+        <a:ea typeface=""/>
+        <a:cs typeface=""/>
+        <a:font script="Jpan" typeface="游ゴシック Light"/>
+        <a:font script="Hang" typeface="맑은 고딕"/>
+        <a:font script="Hans" typeface="等线 Light"/>
+        <a:font script="Hant" typeface="新細明體"/>
+        <a:font script="Arab" typeface="Times New Roman"/>
+        <a:font script="Hebr" typeface="Times New Roman"/>
+        <a:font script="Thai" typeface="Angsana New"/>
+        <a:font script="Ethi" typeface="Nyala"/>
+        <a:font script="Beng" typeface="Vrinda"/>
+        <a:font script="Gujr" typeface="Shruti"/>
+        <a:font script="Khmr" typeface="MoolBoran"/>
+        <a:font script="Knda" typeface="Tunga"/>
+        <a:font script="Guru" typeface="Raavi"/>
+        <a:font script="Cans" typeface="Euphemia"/>
+        <a:font script="Cher" typeface="Plantagenet Cherokee"/>
+        <a:font script="Yiii" typeface="Microsoft Yi Baiti"/>
+        <a:font script="Tibt" typeface="Microsoft Himalaya"/>
+        <a:font script="Thaa" typeface="MV Boli"/>
+        <a:font script="Deva" typeface="Mangal"/>
+        <a:font script="Telu" typeface="Gautami"/>
+        <a:font script="Taml" typeface="Latha"/>
+        <a:font script="Syrc" typeface="Estrangelo Edessa"/>
+        <a:font script="Orya" typeface="Kalinga"/>
+        <a:font script="Mlym" typeface="Kartika"/>
+        <a:font script="Laoo" typeface="DokChampa"/>
+        <a:font script="Sinh" typeface="Iskoola Pota"/>
+        <a:font script="Mong" typeface="Mongolian Baiti"/>
+        <a:font script="Viet" typeface="Times New Roman"/>
+        <a:font script="Uigh" typeface="Microsoft Uighur"/>
+        <a:font script="Geor" typeface="Sylfaen"/>
+        <a:font script="Armn" typeface="Arial"/>
+        <a:font script="Bugi" typeface="Leelawadee UI"/>
+        <a:font script="Bopo" typeface="Microsoft JhengHei"/>
+        <a:font script="Java" typeface="Javanese Text"/>
+        <a:font script="Lisu" typeface="Segoe UI"/>
+        <a:font script="Mymr" typeface="Myanmar Text"/>
+        <a:font script="Nkoo" typeface="Ebrima"/>
+        <a:font script="Olck" typeface="Nirmala UI"/>
+        <a:font script="Osma" typeface="Ebrima"/>
+        <a:font script="Phag" typeface="Phagspa"/>
+        <a:font script="Syrn" typeface="Estrangelo Edessa"/>
+        <a:font script="Syrj" typeface="Estrangelo Edessa"/>
+        <a:font script="Syre" typeface="Estrangelo Edessa"/>
+        <a:font script="Sora" typeface="Nirmala UI"/>
+        <a:font script="Tale" typeface="Microsoft Tai Le"/>
+        <a:font script="Talu" typeface="Microsoft New Tai Lue"/>
+        <a:font script="Tfng" typeface="Ebrima"/>
+      </a:majorFont>
+      <a:minorFont>
+        <a:latin typeface="Calibri" panose="020F0502020204030204"/>
+        <a:ea typeface=""/>
+        <a:cs typeface=""/>
+        <a:font script="Jpan" typeface="游ゴシック"/>
+        <a:font script="Hang" typeface="맑은 고딕"/>
+        <a:font script="Hans" typeface="等线"/>
+        <a:font script="Hant" typeface="新細明體"/>
+        <a:font script="Arab" typeface="Arial"/>
+        <a:font script="Hebr" typeface="Arial"/>
+        <a:font script="Thai" typeface="Cordia New"/>
+        <a:font script="Ethi" typeface="Nyala"/>
+        <a:font script="Beng" typeface="Vrinda"/>
+        <a:font script="Gujr" typeface="Shruti"/>
+        <a:font script="Khmr" typeface="DaunPenh"/>
+        <a:font script="Knda" typeface="Tunga"/>
+        <a:font script="Guru" typeface="Raavi"/>
+        <a:font script="Cans" typeface="Euphemia"/>
+        <a:font script="Cher" typeface="Plantagenet Cherokee"/>
+        <a:font script="Yiii" typeface="Microsoft Yi Baiti"/>
+        <a:font script="Tibt" typeface="Microsoft Himalaya"/>
+        <a:font script="Thaa" typeface="MV Boli"/>
+        <a:font script="Deva" typeface="Mangal"/>
+        <a:font script="Telu" typeface="Gautami"/>
+        <a:font script="Taml" typeface="Latha"/>
+        <a:font script="Syrc" typeface="Estrangelo Edessa"/>
+        <a:font script="Orya" typeface="Kalinga"/>
+        <a:font script="Mlym" typeface="Kartika"/>
+        <a:font script="Laoo" typeface="DokChampa"/>
+        <a:font script="Sinh" typeface="Iskoola Pota"/>
+        <a:font script="Mong" typeface="Mongolian Baiti"/>
+        <a:font script="Viet" typeface="Arial"/>
+        <a:font script="Uigh" typeface="Microsoft Uighur"/>
+        <a:font script="Geor" typeface="Sylfaen"/>
+        <a:font script="Armn" typeface="Arial"/>
+        <a:font script="Bugi" typeface="Leelawadee UI"/>
+        <a:font script="Bopo" typeface="Microsoft JhengHei"/>
+        <a:font script="Java" typeface="Javanese Text"/>
+        <a:font script="Lisu" typeface="Segoe UI"/>
+        <a:font script="Mymr" typeface="Myanmar Text"/>
+        <a:font script="Nkoo" typeface="Ebrima"/>
+        <a:font script="Olck" typeface="Nirmala UI"/>
+        <a:font script="Osma" typeface="Ebrima"/>
+        <a:font script="Phag" typeface="Phagspa"/>
+        <a:font script="Syrn" typeface="Estrangelo Edessa"/>
+        <a:font script="Syrj" typeface="Estrangelo Edessa"/>
+        <a:font script="Syre" typeface="Estrangelo Edessa"/>
+        <a:font script="Sora" typeface="Nirmala UI"/>
+        <a:font script="Tale" typeface="Microsoft Tai Le"/>
+        <a:font script="Talu" typeface="Microsoft New Tai Lue"/>
+        <a:font script="Tfng" typeface="Ebrima"/>
+      </a:minorFont>
+    </a:fontScheme>
+    <a:fmtScheme name="Office">
+      <a:fillStyleLst>
+        <a:solidFill>
+          <a:schemeClr val="phClr"/>
+        </a:solidFill>
+        <a:gradFill rotWithShape="1">
+          <a:gsLst>
+            <a:gs pos="0">
+              <a:schemeClr val="phClr">
+                <a:lumMod val="110000"/>
+                <a:satMod val="105000"/>
+                <a:tint val="67000"/>
+              </a:schemeClr>
+            </a:gs>
+            <a:gs pos="50000">
+              <a:schemeClr val="phClr">
+                <a:lumMod val="105000"/>
+                <a:satMod val="103000"/>
+                <a:tint val="73000"/>
+              </a:schemeClr>
+            </a:gs>
+            <a:gs pos="100000">
+              <a:schemeClr val="phClr">
+                <a:lumMod val="105000"/>
+                <a:satMod val="109000"/>
+                <a:tint val="81000"/>
+              </a:schemeClr>
+            </a:gs>
+          </a:gsLst>
+          <a:lin ang="5400000" scaled="0"/>
+        </a:gradFill>
+        <a:gradFill rotWithShape="1">
+          <a:gsLst>
+            <a:gs pos="0">
+              <a:schemeClr val="phClr">
+                <a:satMod val="103000"/>
+                <a:lumMod val="102000"/>
+                <a:tint val="94000"/>
+              </a:schemeClr>
+            </a:gs>
+            <a:gs pos="50000">
+              <a:schemeClr val="phClr">
+                <a:satMod val="110000"/>
+                <a:lumMod val="100000"/>
+                <a:shade val="100000"/>
+              </a:schemeClr>
+            </a:gs>
+            <a:gs pos="100000">
+              <a:schemeClr val="phClr">
+                <a:lumMod val="99000"/>
+                <a:satMod val="120000"/>
+                <a:shade val="78000"/>
+              </a:schemeClr>
+            </a:gs>
+          </a:gsLst>
+          <a:lin ang="5400000" scaled="0"/>
+        </a:gradFill>
+      </a:fillStyleLst>
+      <a:lnStyleLst>
+        <a:ln w="6350" cap="flat" cmpd="sng" algn="ctr">
+          <a:solidFill>
+            <a:schemeClr val="phClr"/>
+          </a:solidFill>
+          <a:prstDash val="solid"/>
+          <a:miter lim="800000"/>
+        </a:ln>
+        <a:ln w="12700" cap="flat" cmpd="sng" algn="ctr">
+          <a:solidFill>
+            <a:schemeClr val="phClr"/>
+          </a:solidFill>
+          <a:prstDash val="solid"/>
+          <a:miter lim="800000"/>
+        </a:ln>
+        <a:ln w="19050" cap="flat" cmpd="sng" algn="ctr">
+          <a:solidFill>
+            <a:schemeClr val="phClr"/>
+          </a:solidFill>
+          <a:prstDash val="solid"/>
+          <a:miter lim="800000"/>
+        </a:ln>
+      </a:lnStyleLst>
+      <a:effectStyleLst>
+        <a:effectStyle>
+          <a:effectLst/>
+        </a:effectStyle>
+        <a:effectStyle>
+          <a:effectLst/>
+        </a:effectStyle>
+        <a:effectStyle>
+          <a:effectLst>
+            <a:outerShdw blurRad="57150" dist="19050" dir="5400000" algn="ctr" rotWithShape="0">
+              <a:srgbClr val="000000">
+                <a:alpha val="63000"/>
+              </a:srgbClr>
+            </a:outerShdw>
+          </a:effectLst>
+        </a:effectStyle>
+      </a:effectStyleLst>
+      <a:bgFillStyleLst>
+        <a:solidFill>
+          <a:schemeClr val="phClr"/>
+        </a:solidFill>
+        <a:solidFill>
+          <a:schemeClr val="phClr">
+            <a:tint val="95000"/>
+            <a:satMod val="170000"/>
+          </a:schemeClr>
+        </a:solidFill>
+        <a:gradFill rotWithShape="1">
+          <a:gsLst>
+            <a:gs pos="0">
+              <a:schemeClr val="phClr">
+                <a:tint val="93000"/>
+                <a:satMod val="150000"/>
+                <a:shade val="98000"/>
+                <a:lumMod val="102000"/>
+              </a:schemeClr>
+            </a:gs>
+            <a:gs pos="50000">
+              <a:schemeClr val="phClr">
+                <a:tint val="98000"/>
+                <a:satMod val="130000"/>
+                <a:shade val="90000"/>
+                <a:lumMod val="103000"/>
+              </a:schemeClr>
+            </a:gs>
+            <a:gs pos="100000">
+              <a:schemeClr val="phClr">
+                <a:shade val="63000"/>
+                <a:satMod val="120000"/>
+              </a:schemeClr>
+            </a:gs>
+          </a:gsLst>
+          <a:lin ang="5400000" scaled="0"/>
+        </a:gradFill>
+      </a:bgFillStyleLst>
+    </a:fmtScheme>
+  </a:themeElements>
+  <a:objectDefaults/>
+  <a:extraClrSchemeLst/>
+  <a:extLst>
+    <a:ext uri="{05A4C25C-085E-4340-85A3-A5531E510DB2}">
+      <thm15:themeFamily xmlns:thm15="http://schemas.microsoft.com/office/thememl/2012/main" name="Office Theme" id="{62F939B6-93AF-4DB8-9C6B-D6C7DFDC589F}" vid="{4A3C46E8-61CC-4603-A589-7422A47A8E4A}"/>
+    </a:ext>
+  </a:extLst>
+</a:theme>
+</file>
+
 <file path=customXml/item1.xml><?xml version="1.0" encoding="utf-8"?>
+<?mso-contentType ?>
+<FormTemplates xmlns="http://schemas.microsoft.com/sharepoint/v3/contenttype/forms">
+  <Display>DocumentLibraryForm</Display>
+  <Edit>DocumentLibraryForm</Edit>
+  <New>DocumentLibraryForm</New>
+</FormTemplates>
+</file>
+
+<file path=customXml/item2.xml><?xml version="1.0" encoding="utf-8"?>
 <ct:contentTypeSchema xmlns:ct="http://schemas.microsoft.com/office/2006/metadata/contentType" xmlns:ma="http://schemas.microsoft.com/office/2006/metadata/properties/metaAttributes" ct:_="" ma:_="" ma:contentTypeName="Document" ma:contentTypeID="0x01010074E888AEB6F1D24D990F1B0D4071CB77" ma:contentTypeVersion="7" ma:contentTypeDescription="Create a new document." ma:contentTypeScope="" ma:versionID="f488258870b7be7195aa725c2f795926">
   <xsd:schema xmlns:xsd="http://www.w3.org/2001/XMLSchema" xmlns:xs="http://www.w3.org/2001/XMLSchema" xmlns:p="http://schemas.microsoft.com/office/2006/metadata/properties" xmlns:ns3="ba9fd844-7eaa-4d06-b4c9-7cfce44e0626" xmlns:ns4="3e7e91c6-3b93-4b68-8fe7-89a7cef3ba17" targetNamespace="http://schemas.microsoft.com/office/2006/metadata/properties" ma:root="true" ma:fieldsID="430eaf14809c97acdd95af85e63e5591" ns3:_="" ns4:_="">
     <xsd:import namespace="ba9fd844-7eaa-4d06-b4c9-7cfce44e0626"/>
@@ -11629,15 +18784,6 @@
 </ct:contentTypeSchema>
 </file>
 
-<file path=customXml/item2.xml><?xml version="1.0" encoding="utf-8"?>
-<?mso-contentType ?>
-<FormTemplates xmlns="http://schemas.microsoft.com/sharepoint/v3/contenttype/forms">
-  <Display>DocumentLibraryForm</Display>
-  <Edit>DocumentLibraryForm</Edit>
-  <New>DocumentLibraryForm</New>
-</FormTemplates>
-</file>
-
 <file path=customXml/item3.xml><?xml version="1.0" encoding="utf-8"?>
 <p:properties xmlns:p="http://schemas.microsoft.com/office/2006/metadata/properties" xmlns:xsi="http://www.w3.org/2001/XMLSchema-instance" xmlns:pc="http://schemas.microsoft.com/office/infopath/2007/PartnerControls">
   <documentManagement/>
@@ -11645,6 +18791,14 @@
 </file>
 
 <file path=customXml/itemProps1.xml><?xml version="1.0" encoding="utf-8"?>
+<ds:datastoreItem xmlns:ds="http://schemas.openxmlformats.org/officeDocument/2006/customXml" ds:itemID="{C353B169-8F9E-4B13-8584-E90AE6583CFE}">
+  <ds:schemaRefs>
+    <ds:schemaRef ds:uri="http://schemas.microsoft.com/sharepoint/v3/contenttype/forms"/>
+  </ds:schemaRefs>
+</ds:datastoreItem>
+</file>
+
+<file path=customXml/itemProps2.xml><?xml version="1.0" encoding="utf-8"?>
 <ds:datastoreItem xmlns:ds="http://schemas.openxmlformats.org/officeDocument/2006/customXml" ds:itemID="{804908E1-995F-4E22-81EA-86B3DBAC2107}">
   <ds:schemaRefs>
     <ds:schemaRef ds:uri="http://schemas.microsoft.com/office/2006/metadata/contentType"/>
@@ -11659,14 +18813,6 @@
     <ds:schemaRef ds:uri="http://purl.org/dc/elements/1.1/"/>
     <ds:schemaRef ds:uri="http://purl.org/dc/terms/"/>
     <ds:schemaRef ds:uri="http://schemas.microsoft.com/internal/obd"/>
-  </ds:schemaRefs>
-</ds:datastoreItem>
-</file>
-
-<file path=customXml/itemProps2.xml><?xml version="1.0" encoding="utf-8"?>
-<ds:datastoreItem xmlns:ds="http://schemas.openxmlformats.org/officeDocument/2006/customXml" ds:itemID="{C353B169-8F9E-4B13-8584-E90AE6583CFE}">
-  <ds:schemaRefs>
-    <ds:schemaRef ds:uri="http://schemas.microsoft.com/sharepoint/v3/contenttype/forms"/>
   </ds:schemaRefs>
 </ds:datastoreItem>
 </file>
